--- a/print/lesson 5.1 precal.pptx
+++ b/print/lesson 5.1 precal.pptx
@@ -19,6 +19,9 @@
     <p:sldId id="264" r:id="rId16"/>
     <p:sldId id="265" r:id="rId17"/>
     <p:sldId id="266" r:id="rId18"/>
+    <p:sldId id="267" r:id="rId19"/>
+    <p:sldId id="268" r:id="rId20"/>
+    <p:sldId id="269" r:id="rId21"/>
   </p:sldIdLst>
   <p:sldSz cx="9144000" cy="5143500"/>
   <p:notesSz cx="6858000" cy="9144000"/>
@@ -550,6 +553,103 @@
 </p:notes>
 </file>
 
+<file path=ppt/notesSlides/notesSlide10.xml><?xml version="1.0" encoding="utf-8"?>
+<p:notes xmlns:a="http://schemas.openxmlformats.org/drawingml/2006/main" xmlns:r="http://schemas.openxmlformats.org/officeDocument/2006/relationships" xmlns:p="http://schemas.openxmlformats.org/presentationml/2006/main" xmlns:m="http://schemas.openxmlformats.org/officeDocument/2006/math" xmlns:a14="http://schemas.microsoft.com/office/drawing/2010/main" showMasterSp="1" showMasterPhAnim="1">
+  <p:cSld>
+    <p:spTree>
+      <p:nvGrpSpPr>
+        <p:cNvPr id="1" name=""/>
+        <p:cNvGrpSpPr/>
+        <p:nvPr/>
+      </p:nvGrpSpPr>
+      <p:grpSpPr>
+        <a:xfrm>
+          <a:off x="0" y="0"/>
+          <a:ext cx="0" cy="0"/>
+          <a:chOff x="0" y="0"/>
+          <a:chExt cx="0" cy="0"/>
+        </a:xfrm>
+      </p:grpSpPr>
+      <p:sp>
+        <p:nvSpPr>
+          <p:cNvPr id="223" name="Shape 223"/>
+          <p:cNvSpPr/>
+          <p:nvPr>
+            <p:ph type="sldImg"/>
+          </p:nvPr>
+        </p:nvSpPr>
+        <p:spPr>
+          <a:prstGeom prst="rect">
+            <a:avLst/>
+          </a:prstGeom>
+        </p:spPr>
+        <p:txBody>
+          <a:bodyPr/>
+          <a:lstStyle/>
+          <a:p>
+            <a:pPr/>
+          </a:p>
+        </p:txBody>
+      </p:sp>
+      <p:sp>
+        <p:nvSpPr>
+          <p:cNvPr id="224" name="Shape 224"/>
+          <p:cNvSpPr/>
+          <p:nvPr>
+            <p:ph type="body" sz="quarter" idx="1"/>
+          </p:nvPr>
+        </p:nvSpPr>
+        <p:spPr>
+          <a:prstGeom prst="rect">
+            <a:avLst/>
+          </a:prstGeom>
+        </p:spPr>
+        <p:txBody>
+          <a:bodyPr/>
+          <a:lstStyle/>
+          <a:p>
+            <a:pPr/>
+            <a:r>
+              <a:t>(x^2 - 2x - 1) + 1 + 1</a:t>
+            </a:r>
+          </a:p>
+          <a:p>
+            <a:pPr/>
+          </a:p>
+          <a:p>
+            <a:pPr/>
+            <a:r>
+              <a:t>(x  - 1)^2 + 2</a:t>
+            </a:r>
+          </a:p>
+          <a:p>
+            <a:pPr/>
+          </a:p>
+          <a:p>
+            <a:pPr/>
+            <a:r>
+              <a:t>vertex = (1,2)</a:t>
+            </a:r>
+          </a:p>
+          <a:p>
+            <a:pPr/>
+          </a:p>
+          <a:p>
+            <a:pPr/>
+            <a:r>
+              <a:t>2. sketch an upward facing quadratic with vertex at (1,2).</a:t>
+            </a:r>
+          </a:p>
+        </p:txBody>
+      </p:sp>
+    </p:spTree>
+  </p:cSld>
+  <p:clrMapOvr>
+    <a:masterClrMapping/>
+  </p:clrMapOvr>
+</p:notes>
+</file>
+
 <file path=ppt/notesSlides/notesSlide2.xml><?xml version="1.0" encoding="utf-8"?>
 <p:notes xmlns:a="http://schemas.openxmlformats.org/drawingml/2006/main" xmlns:r="http://schemas.openxmlformats.org/officeDocument/2006/relationships" xmlns:p="http://schemas.openxmlformats.org/presentationml/2006/main" xmlns:m="http://schemas.openxmlformats.org/officeDocument/2006/math" xmlns:a14="http://schemas.microsoft.com/office/drawing/2010/main" showMasterSp="1" showMasterPhAnim="1">
   <p:cSld>
@@ -569,7 +669,7 @@
       </p:grpSpPr>
       <p:sp>
         <p:nvSpPr>
-          <p:cNvPr id="167" name="Shape 167"/>
+          <p:cNvPr id="164" name="Shape 164"/>
           <p:cNvSpPr/>
           <p:nvPr>
             <p:ph type="sldImg"/>
@@ -590,7 +690,7 @@
       </p:sp>
       <p:sp>
         <p:nvSpPr>
-          <p:cNvPr id="168" name="Shape 168"/>
+          <p:cNvPr id="165" name="Shape 165"/>
           <p:cNvSpPr/>
           <p:nvPr>
             <p:ph type="body" sz="quarter" idx="1"/>
@@ -605,21 +705,30 @@
           <a:bodyPr/>
           <a:lstStyle/>
           <a:p>
-            <a:pPr/>
-            <a:r>
-              <a:t>+answers will vary. Make a plan can be hard, if you don’t know where to start.  (4) can also be hard, since people want to do as little work as possible.</a:t>
-            </a:r>
-          </a:p>
-          <a:p>
-            <a:pPr/>
-            <a:r>
-              <a:t>+Why is it a good idea to understand the problem and then make a plan? because otherwise we don’t know what we’re doing!</a:t>
-            </a:r>
-          </a:p>
-          <a:p>
-            <a:pPr/>
-            <a:r>
-              <a:t>+How do you start making a plan? Think about what you already know, and about how this problem resembles problems you’ve seen before.  </a:t>
+            <a:pPr marL="187157" indent="-187157">
+              <a:buSzPct val="100000"/>
+              <a:buAutoNum type="arabicPeriod" startAt="1"/>
+            </a:pPr>
+            <a:r>
+              <a:t>The basic quadratic is x**2.</a:t>
+            </a:r>
+          </a:p>
+          <a:p>
+            <a:pPr marL="187157" indent="-187157">
+              <a:buSzPct val="100000"/>
+              <a:buAutoNum type="arabicPeriod" startAt="1"/>
+            </a:pPr>
+            <a:r>
+              <a:t>It’s being shifted 3 right and 2 up.</a:t>
+            </a:r>
+          </a:p>
+          <a:p>
+            <a:pPr marL="187157" indent="-187157">
+              <a:buSzPct val="100000"/>
+              <a:buAutoNum type="arabicPeriod" startAt="1"/>
+            </a:pPr>
+            <a:r>
+              <a:t>Sketch on board. Upward facing with vertex at (3,2)</a:t>
             </a:r>
           </a:p>
         </p:txBody>
@@ -651,7 +760,7 @@
       </p:grpSpPr>
       <p:sp>
         <p:nvSpPr>
-          <p:cNvPr id="173" name="Shape 173"/>
+          <p:cNvPr id="170" name="Shape 170"/>
           <p:cNvSpPr/>
           <p:nvPr>
             <p:ph type="sldImg"/>
@@ -672,7 +781,7 @@
       </p:sp>
       <p:sp>
         <p:nvSpPr>
-          <p:cNvPr id="174" name="Shape 174"/>
+          <p:cNvPr id="171" name="Shape 171"/>
           <p:cNvSpPr/>
           <p:nvPr>
             <p:ph type="body" sz="quarter" idx="1"/>
@@ -727,7 +836,7 @@
       </p:grpSpPr>
       <p:sp>
         <p:nvSpPr>
-          <p:cNvPr id="179" name="Shape 179"/>
+          <p:cNvPr id="180" name="Shape 180"/>
           <p:cNvSpPr/>
           <p:nvPr>
             <p:ph type="sldImg"/>
@@ -748,7 +857,7 @@
       </p:sp>
       <p:sp>
         <p:nvSpPr>
-          <p:cNvPr id="180" name="Shape 180"/>
+          <p:cNvPr id="181" name="Shape 181"/>
           <p:cNvSpPr/>
           <p:nvPr>
             <p:ph type="body" sz="quarter" idx="1"/>
@@ -763,37 +872,9 @@
           <a:bodyPr/>
           <a:lstStyle/>
           <a:p>
-            <a:pPr marL="233947" indent="-233947">
-              <a:buSzPct val="100000"/>
-              <a:buAutoNum type="alphaLcPeriod" startAt="1"/>
-            </a:pPr>
-            <a:r>
-              <a:t>A pebble is dropped in the pond. The ripples are ‘concentric’ circles.  r(t) = 0.6t.  A(r) = pi*rt^2. </a:t>
-            </a:r>
-          </a:p>
-          <a:p>
-            <a:pPr marL="233947" indent="-233947">
-              <a:buSzPct val="100000"/>
-              <a:buAutoNum type="alphaLcPeriod" startAt="1"/>
-            </a:pPr>
-            <a:r>
-              <a:t>A sensible answer would be a real number.  </a:t>
-            </a:r>
-            <a:br/>
-            <a:r>
-              <a:t>+What could be an interval for this number? </a:t>
-            </a:r>
-            <a:br/>
-            <a:r>
-              <a:t>+Do we think the answer will be negative? no because all the numbers here are positive</a:t>
-            </a:r>
-            <a:br/>
-            <a:r>
-              <a:t>+will the answer be bigger than 10? hard to know but 1.3 is pretty small so probably not</a:t>
-            </a:r>
-            <a:br/>
-            <a:r>
-              <a:t>so we know that the answer is probably somewhere between 0 and 10</a:t>
+            <a:pPr/>
+            <a:r>
+              <a:t>Write in notes.</a:t>
             </a:r>
           </a:p>
         </p:txBody>
@@ -825,7 +906,7 @@
       </p:grpSpPr>
       <p:sp>
         <p:nvSpPr>
-          <p:cNvPr id="185" name="Shape 185"/>
+          <p:cNvPr id="186" name="Shape 186"/>
           <p:cNvSpPr/>
           <p:nvPr>
             <p:ph type="sldImg"/>
@@ -846,7 +927,7 @@
       </p:sp>
       <p:sp>
         <p:nvSpPr>
-          <p:cNvPr id="186" name="Shape 186"/>
+          <p:cNvPr id="187" name="Shape 187"/>
           <p:cNvSpPr/>
           <p:nvPr>
             <p:ph type="body" sz="quarter" idx="1"/>
@@ -861,25 +942,9 @@
           <a:bodyPr/>
           <a:lstStyle/>
           <a:p>
-            <a:pPr marL="233947" indent="-233947">
-              <a:buSzPct val="100000"/>
-              <a:buAutoNum type="alphaLcPeriod" startAt="1"/>
-            </a:pPr>
-            <a:r>
-              <a:t>It resembles problems involving combinations of functions. In this case, it’s specifically composite functions, because the radius goes into the area.</a:t>
-            </a:r>
-          </a:p>
-          <a:p>
-            <a:pPr marL="233947" indent="-233947">
-              <a:buSzPct val="100000"/>
-              <a:buAutoNum type="alphaLcPeriod" startAt="1"/>
-            </a:pPr>
-            <a:r>
-              <a:t>A good first step could be finding the composite of A and r.</a:t>
-            </a:r>
-            <a:br/>
-            <a:r>
-              <a:t>+How do we know whether to compose A with r or r with A? It’s A with r because the input for A is a radius, which is the output for r.  </a:t>
+            <a:pPr/>
+            <a:r>
+              <a:t>Draw picture on board, h(x) is the height of the rocket at any time t</a:t>
             </a:r>
           </a:p>
         </p:txBody>
@@ -949,82 +1014,7 @@
           <a:p>
             <a:pPr/>
             <a:r>
-              <a:t>WORK THROUGH ON BOARD</a:t>
-            </a:r>
-          </a:p>
-          <a:p>
-            <a:pPr/>
-            <a:r>
-              <a:t>r(t) = 0.6t</a:t>
-            </a:r>
-          </a:p>
-          <a:p>
-            <a:pPr/>
-            <a:r>
-              <a:t>A(r) = pi r t^2 </a:t>
-            </a:r>
-          </a:p>
-          <a:p>
-            <a:pPr/>
-          </a:p>
-          <a:p>
-            <a:pPr/>
-            <a:r>
-              <a:t>(A . r)(t) = A(r(t)) = </a:t>
-            </a:r>
-          </a:p>
-          <a:p>
-            <a:pPr/>
-            <a:r>
-              <a:t>pi (0.6 t)t^2 = 0.6 pi t^3 </a:t>
-            </a:r>
-          </a:p>
-          <a:p>
-            <a:pPr/>
-          </a:p>
-          <a:p>
-            <a:pPr/>
-            <a:r>
-              <a:t>We could appoximate the coefficient by multiplying 0.6 with pi, but right now I want to keep things as simple and accurate as possible.</a:t>
-            </a:r>
-          </a:p>
-          <a:p>
-            <a:pPr/>
-          </a:p>
-          <a:p>
-            <a:pPr/>
-            <a:r>
-              <a:t>Final step. plug t = 1.3 </a:t>
-            </a:r>
-          </a:p>
-          <a:p>
-            <a:pPr/>
-            <a:r>
-              <a:t>0.6 pi (1.3)^3  = 4.14 </a:t>
-            </a:r>
-          </a:p>
-          <a:p>
-            <a:pPr/>
-          </a:p>
-          <a:p>
-            <a:pPr/>
-          </a:p>
-          <a:p>
-            <a:pPr/>
-            <a:r>
-              <a:t>review work. </a:t>
-            </a:r>
-          </a:p>
-          <a:p>
-            <a:pPr/>
-            <a:r>
-              <a:t>Go through our calculations. +Do we see any mistakes? maybe! it depends on if I do something wrong here.</a:t>
-            </a:r>
-          </a:p>
-          <a:p>
-            <a:pPr/>
-            <a:r>
-              <a:t>+does this answer make sense, yes it’s bigger than 0 and less than 10. So this seems like a reasonable answer!</a:t>
+              <a:t>In other words how do we identify the vertex?</a:t>
             </a:r>
           </a:p>
         </p:txBody>
@@ -1056,7 +1046,7 @@
       </p:grpSpPr>
       <p:sp>
         <p:nvSpPr>
-          <p:cNvPr id="198" name="Shape 198"/>
+          <p:cNvPr id="196" name="Shape 196"/>
           <p:cNvSpPr/>
           <p:nvPr>
             <p:ph type="sldImg"/>
@@ -1077,7 +1067,7 @@
       </p:sp>
       <p:sp>
         <p:nvSpPr>
-          <p:cNvPr id="199" name="Shape 199"/>
+          <p:cNvPr id="197" name="Shape 197"/>
           <p:cNvSpPr/>
           <p:nvPr>
             <p:ph type="body" sz="quarter" idx="1"/>
@@ -1094,13 +1084,49 @@
           <a:p>
             <a:pPr/>
             <a:r>
-              <a:t>+How do I make a plan? Make sure you understand the question, then think about which combination of functions will make sense here.</a:t>
-            </a:r>
-          </a:p>
-          <a:p>
-            <a:pPr/>
-            <a:r>
-              <a:t>+ how do I know if my answer is correct? Maybe check in with another group. If there ’s a difference you can talk about what you did differently.</a:t>
+              <a:t>How can we rewrite this in a form where we can identify the vertex?</a:t>
+            </a:r>
+          </a:p>
+          <a:p>
+            <a:pPr/>
+            <a:r>
+              <a:t>f(x) = 2x2 + 8x + 7</a:t>
+            </a:r>
+          </a:p>
+          <a:p>
+            <a:pPr/>
+            <a:r>
+              <a:t>f(x) = 2(x**2 + 4x) + 7</a:t>
+            </a:r>
+          </a:p>
+          <a:p>
+            <a:pPr/>
+          </a:p>
+          <a:p>
+            <a:pPr/>
+          </a:p>
+          <a:p>
+            <a:pPr/>
+            <a:r>
+              <a:t>Use box method to show x sq plus 4x is part of x**2 + 4x + 4 -4)</a:t>
+            </a:r>
+          </a:p>
+          <a:p>
+            <a:pPr/>
+          </a:p>
+          <a:p>
+            <a:pPr/>
+            <a:r>
+              <a:t>= (x +2)**2 + 3 </a:t>
+            </a:r>
+          </a:p>
+          <a:p>
+            <a:pPr/>
+          </a:p>
+          <a:p>
+            <a:pPr/>
+            <a:r>
+              <a:t>This is the same as the equation from the do now</a:t>
             </a:r>
           </a:p>
         </p:txBody>
@@ -1132,7 +1158,7 @@
       </p:grpSpPr>
       <p:sp>
         <p:nvSpPr>
-          <p:cNvPr id="204" name="Shape 204"/>
+          <p:cNvPr id="201" name="Shape 201"/>
           <p:cNvSpPr/>
           <p:nvPr>
             <p:ph type="sldImg"/>
@@ -1153,7 +1179,7 @@
       </p:sp>
       <p:sp>
         <p:nvSpPr>
-          <p:cNvPr id="205" name="Shape 205"/>
+          <p:cNvPr id="202" name="Shape 202"/>
           <p:cNvSpPr/>
           <p:nvPr>
             <p:ph type="body" sz="quarter" idx="1"/>
@@ -1170,7 +1196,19 @@
           <a:p>
             <a:pPr/>
             <a:r>
-              <a:t>See answer key.</a:t>
+              <a:t>(h,k) denotes the vertex </a:t>
+            </a:r>
+          </a:p>
+          <a:p>
+            <a:pPr/>
+            <a:r>
+              <a:t>If a is less than 0 frown</a:t>
+            </a:r>
+          </a:p>
+          <a:p>
+            <a:pPr/>
+            <a:r>
+              <a:t>If a is &gt; 0 smile!</a:t>
             </a:r>
           </a:p>
         </p:txBody>
@@ -1202,7 +1240,7 @@
       </p:grpSpPr>
       <p:sp>
         <p:nvSpPr>
-          <p:cNvPr id="218" name="Shape 218"/>
+          <p:cNvPr id="217" name="Shape 217"/>
           <p:cNvSpPr/>
           <p:nvPr>
             <p:ph type="sldImg"/>
@@ -1223,7 +1261,7 @@
       </p:sp>
       <p:sp>
         <p:nvSpPr>
-          <p:cNvPr id="219" name="Shape 219"/>
+          <p:cNvPr id="218" name="Shape 218"/>
           <p:cNvSpPr/>
           <p:nvPr>
             <p:ph type="body" sz="quarter" idx="1"/>
@@ -1240,61 +1278,13 @@
           <a:p>
             <a:pPr/>
             <a:r>
-              <a:t>apply box method = -4x^3+4x^2 -2x + 3.</a:t>
-            </a:r>
-          </a:p>
-          <a:p>
-            <a:pPr/>
-            <a:r>
-              <a:t>5. N.T(t) = 20(4t+2)^2 -80(4t+2) + 500 =</a:t>
-            </a:r>
-          </a:p>
-          <a:p>
-            <a:pPr/>
-            <a:r>
-              <a:t>20(4t+2)[4t+2 - 4] </a:t>
-            </a:r>
-          </a:p>
-          <a:p>
-            <a:pPr/>
-            <a:r>
-              <a:t>20(4t+2)(4t-2) + 500=</a:t>
-            </a:r>
-          </a:p>
-          <a:p>
-            <a:pPr/>
-            <a:r>
-              <a:t>20[4t^2 -4] + 500 = 2000</a:t>
-            </a:r>
-          </a:p>
-          <a:p>
-            <a:pPr/>
-            <a:r>
-              <a:t>1500/20 = 4t^2 - 4</a:t>
-            </a:r>
-          </a:p>
-          <a:p>
-            <a:pPr/>
-            <a:r>
-              <a:t>79 = 4t^2</a:t>
-            </a:r>
-          </a:p>
-          <a:p>
-            <a:pPr/>
-          </a:p>
-          <a:p>
-            <a:pPr/>
-            <a:r>
-              <a:t>t = sqrt(79)/2</a:t>
-            </a:r>
-          </a:p>
-          <a:p>
-            <a:pPr/>
-          </a:p>
-          <a:p>
-            <a:pPr/>
-            <a:r>
-              <a:t>+is this in the domain of our function? no its about 4.44. so the bacteria count will never reach 2000.</a:t>
+              <a:t>+how rewrite in standard form?check notes!</a:t>
+            </a:r>
+          </a:p>
+          <a:p>
+            <a:pPr/>
+            <a:r>
+              <a:t>How identify composite functions? Find a simpler function in the bigger one</a:t>
             </a:r>
           </a:p>
         </p:txBody>
@@ -2743,15 +2733,7 @@
             </a:r>
             <a:r>
               <a:rPr b="0"/>
-              <a:t>use </a:t>
-            </a:r>
-            <a:r>
-              <a:rPr b="0" i="1" u="sng"/>
-              <a:t>how to solve it </a:t>
-            </a:r>
-            <a:r>
-              <a:rPr b="0"/>
-              <a:t>to solve complex word problems?</a:t>
+              <a:t>write quadratic equations in standard form?</a:t>
             </a:r>
           </a:p>
         </p:txBody>
@@ -2799,7 +2781,7 @@
           <a:p>
             <a:pPr/>
             <a:r>
-              <a:t>Dr. O’Brien, 10/18/21</a:t>
+              <a:t>Dr. O’Brien, 10/19/21</a:t>
             </a:r>
           </a:p>
         </p:txBody>
@@ -5279,7 +5261,7 @@
               <a:defRPr sz="1600"/>
             </a:pPr>
             <a:r>
-              <a:t>October 18th, 2021</a:t>
+              <a:t>October 19, 2021</a:t>
             </a:r>
           </a:p>
         </p:txBody>
@@ -5312,7 +5294,7 @@
       </p:grpSpPr>
       <p:sp>
         <p:nvSpPr>
-          <p:cNvPr id="211" name="Double-tap to edit"/>
+          <p:cNvPr id="204" name="Another example"/>
           <p:cNvSpPr txBox="1"/>
           <p:nvPr>
             <p:ph type="title"/>
@@ -5325,17 +5307,22 @@
         </p:spPr>
         <p:txBody>
           <a:bodyPr/>
-          <a:lstStyle/>
-          <a:p>
-            <a:pPr defTabSz="886968">
+          <a:lstStyle>
+            <a:lvl1pPr defTabSz="886968">
               <a:defRPr sz="2910"/>
-            </a:pPr>
-          </a:p>
-        </p:txBody>
-      </p:sp>
-      <p:sp>
-        <p:nvSpPr>
-          <p:cNvPr id="212" name="Double-tap to edit"/>
+            </a:lvl1pPr>
+          </a:lstStyle>
+          <a:p>
+            <a:pPr/>
+            <a:r>
+              <a:t>Another example</a:t>
+            </a:r>
+          </a:p>
+        </p:txBody>
+      </p:sp>
+      <p:sp>
+        <p:nvSpPr>
+          <p:cNvPr id="205" name="Double-click to edit"/>
           <p:cNvSpPr txBox="1"/>
           <p:nvPr>
             <p:ph type="body" idx="1"/>
@@ -5348,41 +5335,151 @@
         </p:spPr>
         <p:txBody>
           <a:bodyPr/>
-          <a:lstStyle/>
-          <a:p>
-            <a:pPr/>
-          </a:p>
-        </p:txBody>
-      </p:sp>
-      <p:pic>
-        <p:nvPicPr>
-          <p:cNvPr id="213" name="Image" descr="Image"/>
-          <p:cNvPicPr>
-            <a:picLocks noChangeAspect="1"/>
-          </p:cNvPicPr>
-          <p:nvPr/>
-        </p:nvPicPr>
-        <p:blipFill>
-          <a:blip r:embed="rId2">
-            <a:extLst/>
-          </a:blip>
-          <a:stretch>
-            <a:fillRect/>
-          </a:stretch>
-        </p:blipFill>
-        <p:spPr>
-          <a:xfrm>
-            <a:off x="2200716" y="1514014"/>
-            <a:ext cx="6130176" cy="2825629"/>
-          </a:xfrm>
-          <a:prstGeom prst="rect">
-            <a:avLst/>
-          </a:prstGeom>
-          <a:ln w="12700">
-            <a:miter lim="400000"/>
-          </a:ln>
-        </p:spPr>
-      </p:pic>
+          <a:lstStyle>
+            <a:lvl1pPr marL="0" indent="0">
+              <a:buClrTx/>
+              <a:buSzTx/>
+              <a:buFontTx/>
+              <a:buNone/>
+            </a:lvl1pPr>
+          </a:lstStyle>
+          <a:p>
+            <a:pPr/>
+            <a14:m>
+              <m:oMathPara>
+                <m:oMathParaPr>
+                  <m:jc m:val="left"/>
+                </m:oMathParaPr>
+                <m:oMath>
+                  <m:r>
+                    <a:rPr xmlns:a="http://schemas.openxmlformats.org/drawingml/2006/main" sz="2150" i="1">
+                      <a:solidFill>
+                        <a:srgbClr val="000000"/>
+                      </a:solidFill>
+                      <a:latin typeface="Cambria Math" panose="02040503050406030204" pitchFamily="18" charset="0"/>
+                    </a:rPr>
+                    <m:t>g</m:t>
+                  </m:r>
+                  <m:r>
+                    <a:rPr xmlns:a="http://schemas.openxmlformats.org/drawingml/2006/main" sz="2150" i="1">
+                      <a:solidFill>
+                        <a:srgbClr val="000000"/>
+                      </a:solidFill>
+                      <a:latin typeface="Cambria Math" panose="02040503050406030204" pitchFamily="18" charset="0"/>
+                    </a:rPr>
+                    <m:t>(</m:t>
+                  </m:r>
+                  <m:r>
+                    <a:rPr xmlns:a="http://schemas.openxmlformats.org/drawingml/2006/main" sz="2150" i="1">
+                      <a:solidFill>
+                        <a:srgbClr val="000000"/>
+                      </a:solidFill>
+                      <a:latin typeface="Cambria Math" panose="02040503050406030204" pitchFamily="18" charset="0"/>
+                    </a:rPr>
+                    <m:t>x</m:t>
+                  </m:r>
+                  <m:r>
+                    <a:rPr xmlns:a="http://schemas.openxmlformats.org/drawingml/2006/main" sz="2150" i="1">
+                      <a:solidFill>
+                        <a:srgbClr val="000000"/>
+                      </a:solidFill>
+                      <a:latin typeface="Cambria Math" panose="02040503050406030204" pitchFamily="18" charset="0"/>
+                    </a:rPr>
+                    <m:t>)</m:t>
+                  </m:r>
+                  <m:r>
+                    <a:rPr xmlns:a="http://schemas.openxmlformats.org/drawingml/2006/main" sz="2150" i="1">
+                      <a:solidFill>
+                        <a:srgbClr val="000000"/>
+                      </a:solidFill>
+                      <a:latin typeface="Cambria Math" panose="02040503050406030204" pitchFamily="18" charset="0"/>
+                    </a:rPr>
+                    <m:t>=</m:t>
+                  </m:r>
+                  <m:r>
+                    <a:rPr xmlns:a="http://schemas.openxmlformats.org/drawingml/2006/main" sz="2150" i="1">
+                      <a:solidFill>
+                        <a:srgbClr val="000000"/>
+                      </a:solidFill>
+                      <a:latin typeface="Cambria Math" panose="02040503050406030204" pitchFamily="18" charset="0"/>
+                    </a:rPr>
+                    <m:t>2</m:t>
+                  </m:r>
+                  <m:sSup>
+                    <m:e>
+                      <m:r>
+                        <a:rPr xmlns:a="http://schemas.openxmlformats.org/drawingml/2006/main" sz="2150" i="1">
+                          <a:solidFill>
+                            <a:srgbClr val="000000"/>
+                          </a:solidFill>
+                          <a:latin typeface="Cambria Math" panose="02040503050406030204" pitchFamily="18" charset="0"/>
+                        </a:rPr>
+                        <m:t>x</m:t>
+                      </m:r>
+                    </m:e>
+                    <m:sup>
+                      <m:r>
+                        <a:rPr xmlns:a="http://schemas.openxmlformats.org/drawingml/2006/main" sz="2150" i="1">
+                          <a:solidFill>
+                            <a:srgbClr val="000000"/>
+                          </a:solidFill>
+                          <a:latin typeface="Cambria Math" panose="02040503050406030204" pitchFamily="18" charset="0"/>
+                        </a:rPr>
+                        <m:t>2</m:t>
+                      </m:r>
+                    </m:sup>
+                  </m:sSup>
+                  <m:r>
+                    <a:rPr xmlns:a="http://schemas.openxmlformats.org/drawingml/2006/main" sz="2150" i="1">
+                      <a:solidFill>
+                        <a:srgbClr val="000000"/>
+                      </a:solidFill>
+                      <a:latin typeface="Cambria Math" panose="02040503050406030204" pitchFamily="18" charset="0"/>
+                    </a:rPr>
+                    <m:t>+</m:t>
+                  </m:r>
+                  <m:r>
+                    <a:rPr xmlns:a="http://schemas.openxmlformats.org/drawingml/2006/main" sz="2150" i="1">
+                      <a:solidFill>
+                        <a:srgbClr val="000000"/>
+                      </a:solidFill>
+                      <a:latin typeface="Cambria Math" panose="02040503050406030204" pitchFamily="18" charset="0"/>
+                    </a:rPr>
+                    <m:t>8</m:t>
+                  </m:r>
+                  <m:r>
+                    <a:rPr xmlns:a="http://schemas.openxmlformats.org/drawingml/2006/main" sz="2150" i="1">
+                      <a:solidFill>
+                        <a:srgbClr val="000000"/>
+                      </a:solidFill>
+                      <a:latin typeface="Cambria Math" panose="02040503050406030204" pitchFamily="18" charset="0"/>
+                    </a:rPr>
+                    <m:t>x</m:t>
+                  </m:r>
+                  <m:r>
+                    <a:rPr xmlns:a="http://schemas.openxmlformats.org/drawingml/2006/main" sz="2150" i="1">
+                      <a:solidFill>
+                        <a:srgbClr val="000000"/>
+                      </a:solidFill>
+                      <a:latin typeface="Cambria Math" panose="02040503050406030204" pitchFamily="18" charset="0"/>
+                    </a:rPr>
+                    <m:t>-</m:t>
+                  </m:r>
+                  <m:r>
+                    <a:rPr xmlns:a="http://schemas.openxmlformats.org/drawingml/2006/main" sz="2150" i="1">
+                      <a:solidFill>
+                        <a:srgbClr val="000000"/>
+                      </a:solidFill>
+                      <a:latin typeface="Cambria Math" panose="02040503050406030204" pitchFamily="18" charset="0"/>
+                    </a:rPr>
+                    <m:t>9</m:t>
+                  </m:r>
+                </m:oMath>
+              </m:oMathPara>
+            </a14:m>
+          </a:p>
+        </p:txBody>
+      </p:sp>
     </p:spTree>
   </p:cSld>
   <p:clrMapOvr>
@@ -5411,7 +5508,7 @@
       </p:grpSpPr>
       <p:sp>
         <p:nvSpPr>
-          <p:cNvPr id="215" name="d"/>
+          <p:cNvPr id="207" name="Problem set"/>
           <p:cNvSpPr txBox="1"/>
           <p:nvPr>
             <p:ph type="title"/>
@@ -5432,6 +5529,331 @@
           <a:p>
             <a:pPr/>
             <a:r>
+              <a:t>Problem set </a:t>
+            </a:r>
+          </a:p>
+        </p:txBody>
+      </p:sp>
+      <p:sp>
+        <p:nvSpPr>
+          <p:cNvPr id="208" name="Be sure to:…"/>
+          <p:cNvSpPr txBox="1"/>
+          <p:nvPr>
+            <p:ph type="body" idx="1"/>
+          </p:nvPr>
+        </p:nvSpPr>
+        <p:spPr>
+          <a:prstGeom prst="rect">
+            <a:avLst/>
+          </a:prstGeom>
+        </p:spPr>
+        <p:txBody>
+          <a:bodyPr/>
+          <a:lstStyle/>
+          <a:p>
+            <a:pPr marL="0" indent="0">
+              <a:buClrTx/>
+              <a:buSzTx/>
+              <a:buFontTx/>
+              <a:buNone/>
+              <a:defRPr>
+                <a:solidFill>
+                  <a:srgbClr val="FF6A00"/>
+                </a:solidFill>
+              </a:defRPr>
+            </a:pPr>
+            <a:r>
+              <a:t>Be sure to:</a:t>
+            </a:r>
+          </a:p>
+          <a:p>
+            <a:pPr/>
+            <a:r>
+              <a:t>Work at a volume 0 </a:t>
+            </a:r>
+            <a:r>
+              <a:rPr b="1"/>
+              <a:t>first 4 minutes </a:t>
+            </a:r>
+            <a:endParaRPr b="1"/>
+          </a:p>
+          <a:p>
+            <a:pPr/>
+            <a:r>
+              <a:t>Then you can check in with a </a:t>
+            </a:r>
+            <a:r>
+              <a:rPr b="1"/>
+              <a:t>neighbor</a:t>
+            </a:r>
+            <a:endParaRPr b="1"/>
+          </a:p>
+          <a:p>
+            <a:pPr/>
+            <a:r>
+              <a:rPr b="1"/>
+              <a:t>Do work in your notebook </a:t>
+            </a:r>
+            <a:endParaRPr b="1"/>
+          </a:p>
+          <a:p>
+            <a:pPr/>
+            <a:r>
+              <a:rPr b="1"/>
+              <a:t>Show all work </a:t>
+            </a:r>
+          </a:p>
+        </p:txBody>
+      </p:sp>
+    </p:spTree>
+  </p:cSld>
+  <p:clrMapOvr>
+    <a:masterClrMapping/>
+  </p:clrMapOvr>
+  <p:transition xmlns:p14="http://schemas.microsoft.com/office/powerpoint/2010/main" spd="med" advClick="1"/>
+</p:sld>
+</file>
+
+<file path=ppt/slides/slide12.xml><?xml version="1.0" encoding="utf-8"?>
+<p:sld xmlns:a="http://schemas.openxmlformats.org/drawingml/2006/main" xmlns:r="http://schemas.openxmlformats.org/officeDocument/2006/relationships" xmlns:p="http://schemas.openxmlformats.org/presentationml/2006/main" xmlns:m="http://schemas.openxmlformats.org/officeDocument/2006/math" xmlns:a14="http://schemas.microsoft.com/office/drawing/2010/main" showMasterSp="1" showMasterPhAnim="1">
+  <p:cSld>
+    <p:spTree>
+      <p:nvGrpSpPr>
+        <p:cNvPr id="1" name=""/>
+        <p:cNvGrpSpPr/>
+        <p:nvPr/>
+      </p:nvGrpSpPr>
+      <p:grpSpPr>
+        <a:xfrm>
+          <a:off x="0" y="0"/>
+          <a:ext cx="0" cy="0"/>
+          <a:chOff x="0" y="0"/>
+          <a:chExt cx="0" cy="0"/>
+        </a:xfrm>
+      </p:grpSpPr>
+      <p:sp>
+        <p:nvSpPr>
+          <p:cNvPr id="210" name="Double-click to edit"/>
+          <p:cNvSpPr txBox="1"/>
+          <p:nvPr>
+            <p:ph type="title"/>
+          </p:nvPr>
+        </p:nvSpPr>
+        <p:spPr>
+          <a:prstGeom prst="rect">
+            <a:avLst/>
+          </a:prstGeom>
+        </p:spPr>
+        <p:txBody>
+          <a:bodyPr/>
+          <a:lstStyle/>
+          <a:p>
+            <a:pPr defTabSz="886968">
+              <a:defRPr sz="2910"/>
+            </a:pPr>
+          </a:p>
+        </p:txBody>
+      </p:sp>
+      <p:sp>
+        <p:nvSpPr>
+          <p:cNvPr id="211" name="Double-click to edit"/>
+          <p:cNvSpPr txBox="1"/>
+          <p:nvPr>
+            <p:ph type="body" idx="1"/>
+          </p:nvPr>
+        </p:nvSpPr>
+        <p:spPr>
+          <a:prstGeom prst="rect">
+            <a:avLst/>
+          </a:prstGeom>
+        </p:spPr>
+        <p:txBody>
+          <a:bodyPr/>
+          <a:lstStyle/>
+          <a:p>
+            <a:pPr/>
+          </a:p>
+        </p:txBody>
+      </p:sp>
+      <p:pic>
+        <p:nvPicPr>
+          <p:cNvPr id="212" name="IMG_0044.png" descr="IMG_0044.png"/>
+          <p:cNvPicPr>
+            <a:picLocks noChangeAspect="1"/>
+          </p:cNvPicPr>
+          <p:nvPr/>
+        </p:nvPicPr>
+        <p:blipFill>
+          <a:blip r:embed="rId2">
+            <a:extLst/>
+          </a:blip>
+          <a:srcRect l="0" t="15162" r="6141" b="6141"/>
+          <a:stretch>
+            <a:fillRect/>
+          </a:stretch>
+        </p:blipFill>
+        <p:spPr>
+          <a:xfrm>
+            <a:off x="1715975" y="1032349"/>
+            <a:ext cx="5529978" cy="3477457"/>
+          </a:xfrm>
+          <a:prstGeom prst="rect">
+            <a:avLst/>
+          </a:prstGeom>
+          <a:ln w="12700">
+            <a:miter lim="400000"/>
+          </a:ln>
+        </p:spPr>
+      </p:pic>
+    </p:spTree>
+  </p:cSld>
+  <p:clrMapOvr>
+    <a:masterClrMapping/>
+  </p:clrMapOvr>
+  <p:transition xmlns:p14="http://schemas.microsoft.com/office/powerpoint/2010/main" spd="med" advClick="1"/>
+</p:sld>
+</file>
+
+<file path=ppt/slides/slide13.xml><?xml version="1.0" encoding="utf-8"?>
+<p:sld xmlns:a="http://schemas.openxmlformats.org/drawingml/2006/main" xmlns:r="http://schemas.openxmlformats.org/officeDocument/2006/relationships" xmlns:p="http://schemas.openxmlformats.org/presentationml/2006/main" xmlns:m="http://schemas.openxmlformats.org/officeDocument/2006/math" xmlns:a14="http://schemas.microsoft.com/office/drawing/2010/main" showMasterSp="1" showMasterPhAnim="1">
+  <p:cSld>
+    <p:spTree>
+      <p:nvGrpSpPr>
+        <p:cNvPr id="1" name=""/>
+        <p:cNvGrpSpPr/>
+        <p:nvPr/>
+      </p:nvGrpSpPr>
+      <p:grpSpPr>
+        <a:xfrm>
+          <a:off x="0" y="0"/>
+          <a:ext cx="0" cy="0"/>
+          <a:chOff x="0" y="0"/>
+          <a:chExt cx="0" cy="0"/>
+        </a:xfrm>
+      </p:grpSpPr>
+      <p:sp>
+        <p:nvSpPr>
+          <p:cNvPr id="214" name="Double-click to edit"/>
+          <p:cNvSpPr txBox="1"/>
+          <p:nvPr>
+            <p:ph type="title"/>
+          </p:nvPr>
+        </p:nvSpPr>
+        <p:spPr>
+          <a:prstGeom prst="rect">
+            <a:avLst/>
+          </a:prstGeom>
+        </p:spPr>
+        <p:txBody>
+          <a:bodyPr/>
+          <a:lstStyle/>
+          <a:p>
+            <a:pPr defTabSz="886968">
+              <a:defRPr sz="2910"/>
+            </a:pPr>
+          </a:p>
+        </p:txBody>
+      </p:sp>
+      <p:sp>
+        <p:nvSpPr>
+          <p:cNvPr id="215" name="Double-click to edit"/>
+          <p:cNvSpPr txBox="1"/>
+          <p:nvPr>
+            <p:ph type="body" idx="1"/>
+          </p:nvPr>
+        </p:nvSpPr>
+        <p:spPr>
+          <a:prstGeom prst="rect">
+            <a:avLst/>
+          </a:prstGeom>
+        </p:spPr>
+        <p:txBody>
+          <a:bodyPr/>
+          <a:lstStyle/>
+          <a:p>
+            <a:pPr/>
+          </a:p>
+        </p:txBody>
+      </p:sp>
+      <p:pic>
+        <p:nvPicPr>
+          <p:cNvPr id="216" name="IMG_0045.png" descr="IMG_0045.png"/>
+          <p:cNvPicPr>
+            <a:picLocks noChangeAspect="1"/>
+          </p:cNvPicPr>
+          <p:nvPr/>
+        </p:nvPicPr>
+        <p:blipFill>
+          <a:blip r:embed="rId3">
+            <a:extLst/>
+          </a:blip>
+          <a:srcRect l="5865" t="5865" r="1797" b="15334"/>
+          <a:stretch>
+            <a:fillRect/>
+          </a:stretch>
+        </p:blipFill>
+        <p:spPr>
+          <a:xfrm>
+            <a:off x="1877996" y="545306"/>
+            <a:ext cx="6332511" cy="4053082"/>
+          </a:xfrm>
+          <a:prstGeom prst="rect">
+            <a:avLst/>
+          </a:prstGeom>
+          <a:ln w="12700">
+            <a:miter lim="400000"/>
+          </a:ln>
+        </p:spPr>
+      </p:pic>
+    </p:spTree>
+  </p:cSld>
+  <p:clrMapOvr>
+    <a:masterClrMapping/>
+  </p:clrMapOvr>
+  <p:transition xmlns:p14="http://schemas.microsoft.com/office/powerpoint/2010/main" spd="med" advClick="1"/>
+</p:sld>
+</file>
+
+<file path=ppt/slides/slide14.xml><?xml version="1.0" encoding="utf-8"?>
+<p:sld xmlns:a="http://schemas.openxmlformats.org/drawingml/2006/main" xmlns:r="http://schemas.openxmlformats.org/officeDocument/2006/relationships" xmlns:p="http://schemas.openxmlformats.org/presentationml/2006/main" xmlns:m="http://schemas.openxmlformats.org/officeDocument/2006/math" xmlns:a14="http://schemas.microsoft.com/office/drawing/2010/main" showMasterSp="1" showMasterPhAnim="1">
+  <p:cSld>
+    <p:spTree>
+      <p:nvGrpSpPr>
+        <p:cNvPr id="1" name=""/>
+        <p:cNvGrpSpPr/>
+        <p:nvPr/>
+      </p:nvGrpSpPr>
+      <p:grpSpPr>
+        <a:xfrm>
+          <a:off x="0" y="0"/>
+          <a:ext cx="0" cy="0"/>
+          <a:chOff x="0" y="0"/>
+          <a:chExt cx="0" cy="0"/>
+        </a:xfrm>
+      </p:grpSpPr>
+      <p:sp>
+        <p:nvSpPr>
+          <p:cNvPr id="220" name="d"/>
+          <p:cNvSpPr txBox="1"/>
+          <p:nvPr>
+            <p:ph type="title"/>
+          </p:nvPr>
+        </p:nvSpPr>
+        <p:spPr>
+          <a:prstGeom prst="rect">
+            <a:avLst/>
+          </a:prstGeom>
+        </p:spPr>
+        <p:txBody>
+          <a:bodyPr/>
+          <a:lstStyle>
+            <a:lvl1pPr defTabSz="886968">
+              <a:defRPr sz="2910"/>
+            </a:lvl1pPr>
+          </a:lstStyle>
+          <a:p>
+            <a:pPr/>
+            <a:r>
               <a:t>d</a:t>
             </a:r>
           </a:p>
@@ -5439,14 +5861,216 @@
       </p:sp>
       <p:sp>
         <p:nvSpPr>
-          <p:cNvPr id="216" name="Google Shape;124;p20"/>
+          <p:cNvPr id="221" name="Rewrite   in standard form.…"/>
+          <p:cNvSpPr txBox="1"/>
+          <p:nvPr>
+            <p:ph type="body" sz="half" idx="1"/>
+          </p:nvPr>
+        </p:nvSpPr>
+        <p:spPr>
+          <a:xfrm>
+            <a:off x="1383768" y="1962817"/>
+            <a:ext cx="5621102" cy="3002402"/>
+          </a:xfrm>
+          <a:prstGeom prst="rect">
+            <a:avLst/>
+          </a:prstGeom>
+        </p:spPr>
+        <p:txBody>
+          <a:bodyPr/>
+          <a:lstStyle/>
+          <a:p>
+            <a:pPr marL="258451" indent="-258451" defTabSz="457200">
+              <a:lnSpc>
+                <a:spcPct val="100000"/>
+              </a:lnSpc>
+              <a:spcBef>
+                <a:spcPts val="1200"/>
+              </a:spcBef>
+              <a:buClrTx/>
+              <a:buSzPct val="100000"/>
+              <a:buFontTx/>
+              <a:buAutoNum type="arabicPeriod" startAt="1"/>
+              <a:defRPr sz="1933">
+                <a:solidFill>
+                  <a:srgbClr val="231F20"/>
+                </a:solidFill>
+                <a:latin typeface="Times Roman"/>
+                <a:ea typeface="Times Roman"/>
+                <a:cs typeface="Times Roman"/>
+                <a:sym typeface="Times Roman"/>
+              </a:defRPr>
+            </a:pPr>
+            <a:r>
+              <a:t>Rewrite </a:t>
+            </a:r>
+            <a14:m>
+              <m:oMath>
+                <m:r>
+                  <a:rPr xmlns:a="http://schemas.openxmlformats.org/drawingml/2006/main" sz="2050" i="1">
+                    <a:solidFill>
+                      <a:srgbClr val="221F1F"/>
+                    </a:solidFill>
+                    <a:latin typeface="Cambria Math" panose="02040503050406030204" pitchFamily="18" charset="0"/>
+                  </a:rPr>
+                  <m:t>h</m:t>
+                </m:r>
+                <m:r>
+                  <a:rPr xmlns:a="http://schemas.openxmlformats.org/drawingml/2006/main" sz="2050" i="1">
+                    <a:solidFill>
+                      <a:srgbClr val="221F1F"/>
+                    </a:solidFill>
+                    <a:latin typeface="Cambria Math" panose="02040503050406030204" pitchFamily="18" charset="0"/>
+                  </a:rPr>
+                  <m:t>(</m:t>
+                </m:r>
+                <m:r>
+                  <a:rPr xmlns:a="http://schemas.openxmlformats.org/drawingml/2006/main" sz="2050" i="1">
+                    <a:solidFill>
+                      <a:srgbClr val="221F1F"/>
+                    </a:solidFill>
+                    <a:latin typeface="Cambria Math" panose="02040503050406030204" pitchFamily="18" charset="0"/>
+                  </a:rPr>
+                  <m:t>x</m:t>
+                </m:r>
+                <m:r>
+                  <a:rPr xmlns:a="http://schemas.openxmlformats.org/drawingml/2006/main" sz="2050" i="1">
+                    <a:solidFill>
+                      <a:srgbClr val="221F1F"/>
+                    </a:solidFill>
+                    <a:latin typeface="Cambria Math" panose="02040503050406030204" pitchFamily="18" charset="0"/>
+                  </a:rPr>
+                  <m:t>)</m:t>
+                </m:r>
+                <m:r>
+                  <a:rPr xmlns:a="http://schemas.openxmlformats.org/drawingml/2006/main" sz="2050" i="1">
+                    <a:solidFill>
+                      <a:srgbClr val="221F1F"/>
+                    </a:solidFill>
+                    <a:latin typeface="Cambria Math" panose="02040503050406030204" pitchFamily="18" charset="0"/>
+                  </a:rPr>
+                  <m:t>=</m:t>
+                </m:r>
+                <m:sSup>
+                  <m:e>
+                    <m:r>
+                      <a:rPr xmlns:a="http://schemas.openxmlformats.org/drawingml/2006/main" sz="2050" i="1">
+                        <a:solidFill>
+                          <a:srgbClr val="221F1F"/>
+                        </a:solidFill>
+                        <a:latin typeface="Cambria Math" panose="02040503050406030204" pitchFamily="18" charset="0"/>
+                      </a:rPr>
+                      <m:t>x</m:t>
+                    </m:r>
+                  </m:e>
+                  <m:sup>
+                    <m:r>
+                      <a:rPr xmlns:a="http://schemas.openxmlformats.org/drawingml/2006/main" sz="2050" i="1">
+                        <a:solidFill>
+                          <a:srgbClr val="221F1F"/>
+                        </a:solidFill>
+                        <a:latin typeface="Cambria Math" panose="02040503050406030204" pitchFamily="18" charset="0"/>
+                      </a:rPr>
+                      <m:t>2</m:t>
+                    </m:r>
+                  </m:sup>
+                </m:sSup>
+                <m:r>
+                  <a:rPr xmlns:a="http://schemas.openxmlformats.org/drawingml/2006/main" sz="2050" i="1">
+                    <a:solidFill>
+                      <a:srgbClr val="221F1F"/>
+                    </a:solidFill>
+                    <a:latin typeface="Cambria Math" panose="02040503050406030204" pitchFamily="18" charset="0"/>
+                  </a:rPr>
+                  <m:t>-</m:t>
+                </m:r>
+                <m:r>
+                  <a:rPr xmlns:a="http://schemas.openxmlformats.org/drawingml/2006/main" sz="2050" i="1">
+                    <a:solidFill>
+                      <a:srgbClr val="221F1F"/>
+                    </a:solidFill>
+                    <a:latin typeface="Cambria Math" panose="02040503050406030204" pitchFamily="18" charset="0"/>
+                  </a:rPr>
+                  <m:t>2</m:t>
+                </m:r>
+                <m:r>
+                  <a:rPr xmlns:a="http://schemas.openxmlformats.org/drawingml/2006/main" sz="2050" i="1">
+                    <a:solidFill>
+                      <a:srgbClr val="221F1F"/>
+                    </a:solidFill>
+                    <a:latin typeface="Cambria Math" panose="02040503050406030204" pitchFamily="18" charset="0"/>
+                  </a:rPr>
+                  <m:t>x</m:t>
+                </m:r>
+                <m:r>
+                  <a:rPr xmlns:a="http://schemas.openxmlformats.org/drawingml/2006/main" sz="2050" i="1">
+                    <a:solidFill>
+                      <a:srgbClr val="221F1F"/>
+                    </a:solidFill>
+                    <a:latin typeface="Cambria Math" panose="02040503050406030204" pitchFamily="18" charset="0"/>
+                  </a:rPr>
+                  <m:t>+</m:t>
+                </m:r>
+                <m:r>
+                  <a:rPr xmlns:a="http://schemas.openxmlformats.org/drawingml/2006/main" sz="2050" i="1">
+                    <a:solidFill>
+                      <a:srgbClr val="221F1F"/>
+                    </a:solidFill>
+                    <a:latin typeface="Cambria Math" panose="02040503050406030204" pitchFamily="18" charset="0"/>
+                  </a:rPr>
+                  <m:t>1</m:t>
+                </m:r>
+              </m:oMath>
+            </a14:m>
+            <a:r>
+              <a:t> in </a:t>
+            </a:r>
+            <a:r>
+              <a:rPr b="1"/>
+              <a:t>standard form</a:t>
+            </a:r>
+            <a:r>
+              <a:t>.</a:t>
+            </a:r>
+          </a:p>
+          <a:p>
+            <a:pPr marL="258451" indent="-258451" defTabSz="457200">
+              <a:lnSpc>
+                <a:spcPct val="100000"/>
+              </a:lnSpc>
+              <a:spcBef>
+                <a:spcPts val="1200"/>
+              </a:spcBef>
+              <a:buClrTx/>
+              <a:buSzPct val="100000"/>
+              <a:buFontTx/>
+              <a:buAutoNum type="arabicPeriod" startAt="1"/>
+              <a:defRPr sz="1933">
+                <a:solidFill>
+                  <a:srgbClr val="231F20"/>
+                </a:solidFill>
+                <a:latin typeface="Times Roman"/>
+                <a:ea typeface="Times Roman"/>
+                <a:cs typeface="Times Roman"/>
+                <a:sym typeface="Times Roman"/>
+              </a:defRPr>
+            </a:pPr>
+            <a:r>
+              <a:t>Sketch a graph for the equation, identifying the vertex.</a:t>
+            </a:r>
+          </a:p>
+        </p:txBody>
+      </p:sp>
+      <p:sp>
+        <p:nvSpPr>
+          <p:cNvPr id="222" name="Google Shape;118;p19"/>
           <p:cNvSpPr txBox="1"/>
           <p:nvPr/>
         </p:nvSpPr>
         <p:spPr>
           <a:xfrm>
-            <a:off x="2400250" y="575950"/>
-            <a:ext cx="6321601" cy="635402"/>
+            <a:off x="1424036" y="575950"/>
+            <a:ext cx="7302727" cy="1059081"/>
           </a:xfrm>
           <a:prstGeom prst="rect">
             <a:avLst/>
@@ -5469,153 +6093,53 @@
           <a:bodyPr lIns="91423" tIns="91423" rIns="91423" bIns="91423">
             <a:normAutofit fontScale="100000" lnSpcReduction="0"/>
           </a:bodyPr>
-          <a:lstStyle>
-            <a:lvl1pPr>
-              <a:defRPr sz="2100">
+          <a:lstStyle/>
+          <a:p>
+            <a:pPr>
+              <a:defRPr sz="2400">
                 <a:latin typeface="+mn-lt"/>
                 <a:ea typeface="+mn-ea"/>
                 <a:cs typeface="+mn-cs"/>
                 <a:sym typeface="Arial"/>
               </a:defRPr>
-            </a:lvl1pPr>
-          </a:lstStyle>
-          <a:p>
-            <a:pPr/>
-            <a:r>
-              <a:t>Reflection</a:t>
-            </a:r>
-          </a:p>
-        </p:txBody>
-      </p:sp>
-      <p:sp>
-        <p:nvSpPr>
-          <p:cNvPr id="217" name="How was using the how to solve it method helpful?…"/>
-          <p:cNvSpPr txBox="1"/>
-          <p:nvPr>
-            <p:ph type="body" sz="half" idx="1"/>
-          </p:nvPr>
-        </p:nvSpPr>
-        <p:spPr>
-          <a:xfrm>
-            <a:off x="2437778" y="1352600"/>
-            <a:ext cx="5621102" cy="3002402"/>
-          </a:xfrm>
-          <a:prstGeom prst="rect">
-            <a:avLst/>
-          </a:prstGeom>
-        </p:spPr>
-        <p:txBody>
-          <a:bodyPr/>
-          <a:lstStyle/>
-          <a:p>
-            <a:pPr marL="258451" indent="-258451" defTabSz="457200">
-              <a:lnSpc>
-                <a:spcPct val="100000"/>
-              </a:lnSpc>
-              <a:spcBef>
-                <a:spcPts val="1200"/>
-              </a:spcBef>
-              <a:buClrTx/>
-              <a:buSzPct val="100000"/>
-              <a:buFontTx/>
-              <a:buAutoNum type="arabicPeriod" startAt="1"/>
-              <a:defRPr b="1" sz="1933">
+            </a:pPr>
+            <a:r>
+              <a:t>exit ticket</a:t>
+            </a:r>
+          </a:p>
+          <a:p>
+            <a:pPr>
+              <a:defRPr>
                 <a:solidFill>
-                  <a:srgbClr val="231F20"/>
+                  <a:schemeClr val="accent3">
+                    <a:lumOff val="-9098"/>
+                  </a:schemeClr>
                 </a:solidFill>
-                <a:latin typeface="Times Roman"/>
-                <a:ea typeface="Times Roman"/>
-                <a:cs typeface="Times Roman"/>
-                <a:sym typeface="Times Roman"/>
               </a:defRPr>
             </a:pPr>
             <a:r>
-              <a:t>How was using the </a:t>
-            </a:r>
-            <a:r>
-              <a:rPr i="1"/>
-              <a:t>how to solve it </a:t>
-            </a:r>
-            <a:r>
-              <a:t>method helpful?</a:t>
-            </a:r>
-          </a:p>
-          <a:p>
-            <a:pPr marL="258451" indent="-258451" defTabSz="457200">
-              <a:lnSpc>
-                <a:spcPct val="100000"/>
-              </a:lnSpc>
-              <a:spcBef>
-                <a:spcPts val="1200"/>
-              </a:spcBef>
-              <a:buClrTx/>
-              <a:buSzPct val="100000"/>
-              <a:buFontTx/>
-              <a:buAutoNum type="arabicPeriod" startAt="1"/>
-              <a:defRPr b="1" sz="1933">
+              <a:rPr>
                 <a:solidFill>
-                  <a:srgbClr val="231F20"/>
+                  <a:schemeClr val="accent5"/>
                 </a:solidFill>
-                <a:latin typeface="Times Roman"/>
-                <a:ea typeface="Times Roman"/>
-                <a:cs typeface="Times Roman"/>
-                <a:sym typeface="Times Roman"/>
-              </a:defRPr>
-            </a:pPr>
-            <a:r>
-              <a:t>What was most challenging about the method?</a:t>
-            </a:r>
-          </a:p>
-          <a:p>
-            <a:pPr marL="258451" indent="-258451" defTabSz="457200">
-              <a:lnSpc>
-                <a:spcPct val="100000"/>
-              </a:lnSpc>
-              <a:spcBef>
-                <a:spcPts val="1200"/>
-              </a:spcBef>
-              <a:buClrTx/>
-              <a:buSzPct val="100000"/>
-              <a:buFontTx/>
-              <a:buAutoNum type="arabicPeriod" startAt="1"/>
-              <a:defRPr b="1" sz="1933">
+              </a:rPr>
+              <a:t>be sure to:</a:t>
+            </a:r>
+            <a:r>
+              <a:rPr>
                 <a:solidFill>
-                  <a:srgbClr val="231F20"/>
+                  <a:schemeClr val="accent5">
+                    <a:lumOff val="-9843"/>
+                  </a:schemeClr>
                 </a:solidFill>
-                <a:latin typeface="Times Roman"/>
-                <a:ea typeface="Times Roman"/>
-                <a:cs typeface="Times Roman"/>
-                <a:sym typeface="Times Roman"/>
-              </a:defRPr>
-            </a:pPr>
-            <a:r>
-              <a:t>Do you feel like you’re more prepared to solve word problems in the future? Why or why not?</a:t>
-            </a:r>
-          </a:p>
-          <a:p>
-            <a:pPr marL="258451" indent="-258451" defTabSz="457200">
-              <a:lnSpc>
-                <a:spcPct val="100000"/>
-              </a:lnSpc>
-              <a:spcBef>
-                <a:spcPts val="1200"/>
-              </a:spcBef>
-              <a:buClrTx/>
-              <a:buSzPct val="100000"/>
-              <a:buFontTx/>
-              <a:buAutoNum type="arabicPeriod" startAt="1"/>
-              <a:defRPr b="1" sz="1933">
-                <a:solidFill>
-                  <a:srgbClr val="231F20"/>
-                </a:solidFill>
-                <a:latin typeface="Times Roman"/>
-                <a:ea typeface="Times Roman"/>
-                <a:cs typeface="Times Roman"/>
-                <a:sym typeface="Times Roman"/>
-              </a:defRPr>
-            </a:pPr>
-            <a:r>
-              <a:t>Before we go: Please arrange desks in rows!!</a:t>
+              </a:rPr>
+              <a:t> </a:t>
+            </a:r>
+            <a:r>
+              <a:t>Answer on a sheet of loose leaf paper.</a:t>
+            </a:r>
+            <a:r>
+              <a:t> Show all work or write a complete sentence for each answer:</a:t>
             </a:r>
           </a:p>
         </p:txBody>
@@ -5659,7 +6183,7 @@
                                       <p:cBhvr>
                                         <p:cTn id="6" fill="hold"/>
                                         <p:tgtEl>
-                                          <p:spTgt spid="217">
+                                          <p:spTgt spid="221">
                                             <p:bg/>
                                           </p:spTgt>
                                         </p:tgtEl>
@@ -5687,7 +6211,7 @@
                                       <p:cBhvr>
                                         <p:cTn id="8" fill="hold"/>
                                         <p:tgtEl>
-                                          <p:spTgt spid="217">
+                                          <p:spTgt spid="221">
                                             <p:txEl>
                                               <p:pRg st="0" end="0"/>
                                             </p:txEl>
@@ -5735,7 +6259,858 @@
                                       <p:cBhvr>
                                         <p:cTn id="12" fill="hold"/>
                                         <p:tgtEl>
-                                          <p:spTgt spid="217">
+                                          <p:spTgt spid="221">
+                                            <p:txEl>
+                                              <p:pRg st="1" end="1"/>
+                                            </p:txEl>
+                                          </p:spTgt>
+                                        </p:tgtEl>
+                                        <p:attrNameLst>
+                                          <p:attrName>style.visibility</p:attrName>
+                                        </p:attrNameLst>
+                                      </p:cBhvr>
+                                      <p:to>
+                                        <p:strVal val="visible"/>
+                                      </p:to>
+                                    </p:set>
+                                  </p:childTnLst>
+                                </p:cTn>
+                              </p:par>
+                            </p:childTnLst>
+                          </p:cTn>
+                        </p:par>
+                      </p:childTnLst>
+                    </p:cTn>
+                  </p:par>
+                </p:childTnLst>
+              </p:cTn>
+              <p:prevCondLst>
+                <p:cond evt="onPrev">
+                  <p:tgtEl>
+                    <p:sldTgt/>
+                  </p:tgtEl>
+                </p:cond>
+              </p:prevCondLst>
+              <p:nextCondLst>
+                <p:cond evt="onNext">
+                  <p:tgtEl>
+                    <p:sldTgt/>
+                  </p:tgtEl>
+                </p:cond>
+              </p:nextCondLst>
+            </p:seq>
+          </p:childTnLst>
+        </p:cTn>
+      </p:par>
+    </p:tnLst>
+    <p:bldLst>
+      <p:bldP build="p" bldLvl="5" animBg="1" rev="0" advAuto="0" spid="221" grpId="1"/>
+    </p:bldLst>
+  </p:timing>
+</p:sld>
+</file>
+
+<file path=ppt/slides/slide2.xml><?xml version="1.0" encoding="utf-8"?>
+<p:sld xmlns:a="http://schemas.openxmlformats.org/drawingml/2006/main" xmlns:r="http://schemas.openxmlformats.org/officeDocument/2006/relationships" xmlns:p="http://schemas.openxmlformats.org/presentationml/2006/main" xmlns:m="http://schemas.openxmlformats.org/officeDocument/2006/math" xmlns:a14="http://schemas.microsoft.com/office/drawing/2010/main" showMasterSp="1" showMasterPhAnim="1">
+  <p:cSld>
+    <p:spTree>
+      <p:nvGrpSpPr>
+        <p:cNvPr id="1" name=""/>
+        <p:cNvGrpSpPr/>
+        <p:nvPr/>
+      </p:nvGrpSpPr>
+      <p:grpSpPr>
+        <a:xfrm>
+          <a:off x="0" y="0"/>
+          <a:ext cx="0" cy="0"/>
+          <a:chOff x="0" y="0"/>
+          <a:chExt cx="0" cy="0"/>
+        </a:xfrm>
+      </p:grpSpPr>
+      <p:sp>
+        <p:nvSpPr>
+          <p:cNvPr id="161" name="Google Shape;118;p19"/>
+          <p:cNvSpPr txBox="1"/>
+          <p:nvPr>
+            <p:ph type="title"/>
+          </p:nvPr>
+        </p:nvSpPr>
+        <p:spPr>
+          <a:xfrm>
+            <a:off x="1424036" y="575950"/>
+            <a:ext cx="7302727" cy="1059081"/>
+          </a:xfrm>
+          <a:prstGeom prst="rect">
+            <a:avLst/>
+          </a:prstGeom>
+          <a:solidFill>
+            <a:srgbClr val="FFFFFF"/>
+          </a:solidFill>
+          <a:ln w="25400">
+            <a:solidFill>
+              <a:schemeClr val="accent1"/>
+            </a:solidFill>
+            <a:round/>
+          </a:ln>
+        </p:spPr>
+        <p:txBody>
+          <a:bodyPr/>
+          <a:lstStyle/>
+          <a:p>
+            <a:pPr>
+              <a:defRPr b="0" sz="2400">
+                <a:solidFill>
+                  <a:srgbClr val="F46524"/>
+                </a:solidFill>
+                <a:latin typeface="+mn-lt"/>
+                <a:ea typeface="+mn-ea"/>
+                <a:cs typeface="+mn-cs"/>
+                <a:sym typeface="Arial"/>
+              </a:defRPr>
+            </a:pPr>
+            <a:r>
+              <a:t>do now</a:t>
+            </a:r>
+          </a:p>
+          <a:p>
+            <a:pPr>
+              <a:defRPr b="0" sz="1400">
+                <a:solidFill>
+                  <a:schemeClr val="accent3">
+                    <a:lumOff val="-9098"/>
+                  </a:schemeClr>
+                </a:solidFill>
+                <a:latin typeface="+mj-lt"/>
+                <a:ea typeface="+mj-ea"/>
+                <a:cs typeface="+mj-cs"/>
+                <a:sym typeface="Helvetica"/>
+              </a:defRPr>
+            </a:pPr>
+            <a:r>
+              <a:rPr>
+                <a:solidFill>
+                  <a:schemeClr val="accent5"/>
+                </a:solidFill>
+              </a:rPr>
+              <a:t>be sure to:</a:t>
+            </a:r>
+            <a:r>
+              <a:rPr>
+                <a:solidFill>
+                  <a:schemeClr val="accent5">
+                    <a:lumOff val="-9843"/>
+                  </a:schemeClr>
+                </a:solidFill>
+              </a:rPr>
+              <a:t> </a:t>
+            </a:r>
+            <a:r>
+              <a:t>Get out your </a:t>
+            </a:r>
+            <a:r>
+              <a:rPr b="1"/>
+              <a:t>binder</a:t>
+            </a:r>
+            <a:r>
+              <a:t>. Copy </a:t>
+            </a:r>
+            <a:r>
+              <a:rPr b="1"/>
+              <a:t>goal </a:t>
+            </a:r>
+            <a:r>
+              <a:t>and answer </a:t>
+            </a:r>
+            <a:r>
+              <a:rPr b="1"/>
+              <a:t>do now</a:t>
+            </a:r>
+            <a:r>
+              <a:t> </a:t>
+            </a:r>
+            <a:r>
+              <a:t>questions below. Show all work or write a complete sentence for each answer:</a:t>
+            </a:r>
+          </a:p>
+        </p:txBody>
+      </p:sp>
+      <p:sp>
+        <p:nvSpPr>
+          <p:cNvPr id="162" name="What’s the parent function for  ?…"/>
+          <p:cNvSpPr txBox="1"/>
+          <p:nvPr/>
+        </p:nvSpPr>
+        <p:spPr>
+          <a:xfrm>
+            <a:off x="305303" y="1956587"/>
+            <a:ext cx="2653076" cy="1322615"/>
+          </a:xfrm>
+          <a:prstGeom prst="rect">
+            <a:avLst/>
+          </a:prstGeom>
+          <a:ln w="12700">
+            <a:miter lim="400000"/>
+          </a:ln>
+          <a:extLst>
+            <a:ext uri="{C572A759-6A51-4108-AA02-DFA0A04FC94B}">
+              <ma14:wrappingTextBoxFlag xmlns:ma14="http://schemas.microsoft.com/office/mac/drawingml/2011/main" val="1"/>
+            </a:ext>
+          </a:extLst>
+        </p:spPr>
+        <p:txBody>
+          <a:bodyPr lIns="0" tIns="0" rIns="0" bIns="0">
+            <a:spAutoFit/>
+          </a:bodyPr>
+          <a:lstStyle/>
+          <a:p>
+            <a:pPr marL="187157" indent="-187157">
+              <a:buSzPct val="100000"/>
+              <a:buAutoNum type="arabicPeriod" startAt="1"/>
+            </a:pPr>
+            <a:r>
+              <a:t>What’s the parent function for </a:t>
+            </a:r>
+            <a14:m>
+              <m:oMath>
+                <m:r>
+                  <a:rPr xmlns:a="http://schemas.openxmlformats.org/drawingml/2006/main" sz="1550" i="1">
+                    <a:solidFill>
+                      <a:srgbClr val="F46524"/>
+                    </a:solidFill>
+                    <a:latin typeface="Cambria Math" panose="02040503050406030204" pitchFamily="18" charset="0"/>
+                  </a:rPr>
+                  <m:t>f</m:t>
+                </m:r>
+                <m:r>
+                  <a:rPr xmlns:a="http://schemas.openxmlformats.org/drawingml/2006/main" sz="1550" i="1">
+                    <a:solidFill>
+                      <a:srgbClr val="F46524"/>
+                    </a:solidFill>
+                    <a:latin typeface="Cambria Math" panose="02040503050406030204" pitchFamily="18" charset="0"/>
+                  </a:rPr>
+                  <m:t>(</m:t>
+                </m:r>
+                <m:r>
+                  <a:rPr xmlns:a="http://schemas.openxmlformats.org/drawingml/2006/main" sz="1550" i="1">
+                    <a:solidFill>
+                      <a:srgbClr val="F46524"/>
+                    </a:solidFill>
+                    <a:latin typeface="Cambria Math" panose="02040503050406030204" pitchFamily="18" charset="0"/>
+                  </a:rPr>
+                  <m:t>x</m:t>
+                </m:r>
+                <m:r>
+                  <a:rPr xmlns:a="http://schemas.openxmlformats.org/drawingml/2006/main" sz="1550" i="1">
+                    <a:solidFill>
+                      <a:srgbClr val="F46524"/>
+                    </a:solidFill>
+                    <a:latin typeface="Cambria Math" panose="02040503050406030204" pitchFamily="18" charset="0"/>
+                  </a:rPr>
+                  <m:t>)</m:t>
+                </m:r>
+              </m:oMath>
+            </a14:m>
+            <a:r>
+              <a:t>?</a:t>
+            </a:r>
+          </a:p>
+          <a:p>
+            <a:pPr marL="187157" indent="-187157">
+              <a:buSzPct val="100000"/>
+              <a:buAutoNum type="arabicPeriod" startAt="1"/>
+            </a:pPr>
+            <a:r>
+              <a:t>How’s </a:t>
+            </a:r>
+            <a14:m>
+              <m:oMath>
+                <m:r>
+                  <a:rPr xmlns:a="http://schemas.openxmlformats.org/drawingml/2006/main" sz="1550" i="1">
+                    <a:solidFill>
+                      <a:srgbClr val="F46524"/>
+                    </a:solidFill>
+                    <a:latin typeface="Cambria Math" panose="02040503050406030204" pitchFamily="18" charset="0"/>
+                  </a:rPr>
+                  <m:t>f</m:t>
+                </m:r>
+                <m:r>
+                  <a:rPr xmlns:a="http://schemas.openxmlformats.org/drawingml/2006/main" sz="1550" i="1">
+                    <a:solidFill>
+                      <a:srgbClr val="F46524"/>
+                    </a:solidFill>
+                    <a:latin typeface="Cambria Math" panose="02040503050406030204" pitchFamily="18" charset="0"/>
+                  </a:rPr>
+                  <m:t>(</m:t>
+                </m:r>
+                <m:r>
+                  <a:rPr xmlns:a="http://schemas.openxmlformats.org/drawingml/2006/main" sz="1550" i="1">
+                    <a:solidFill>
+                      <a:srgbClr val="F46524"/>
+                    </a:solidFill>
+                    <a:latin typeface="Cambria Math" panose="02040503050406030204" pitchFamily="18" charset="0"/>
+                  </a:rPr>
+                  <m:t>x</m:t>
+                </m:r>
+                <m:r>
+                  <a:rPr xmlns:a="http://schemas.openxmlformats.org/drawingml/2006/main" sz="1550" i="1">
+                    <a:solidFill>
+                      <a:srgbClr val="F46524"/>
+                    </a:solidFill>
+                    <a:latin typeface="Cambria Math" panose="02040503050406030204" pitchFamily="18" charset="0"/>
+                  </a:rPr>
+                  <m:t>)</m:t>
+                </m:r>
+              </m:oMath>
+            </a14:m>
+            <a:r>
+              <a:t>  being transformed from its parent function?</a:t>
+            </a:r>
+          </a:p>
+          <a:p>
+            <a:pPr marL="187157" indent="-187157">
+              <a:buSzPct val="100000"/>
+              <a:buAutoNum type="arabicPeriod" startAt="1"/>
+            </a:pPr>
+            <a:r>
+              <a:t>Sketch a graph for </a:t>
+            </a:r>
+            <a14:m>
+              <m:oMath>
+                <m:r>
+                  <a:rPr xmlns:a="http://schemas.openxmlformats.org/drawingml/2006/main" sz="1550" i="1">
+                    <a:solidFill>
+                      <a:srgbClr val="F46524"/>
+                    </a:solidFill>
+                    <a:latin typeface="Cambria Math" panose="02040503050406030204" pitchFamily="18" charset="0"/>
+                  </a:rPr>
+                  <m:t>f</m:t>
+                </m:r>
+                <m:r>
+                  <a:rPr xmlns:a="http://schemas.openxmlformats.org/drawingml/2006/main" sz="1550" i="1">
+                    <a:solidFill>
+                      <a:srgbClr val="F46524"/>
+                    </a:solidFill>
+                    <a:latin typeface="Cambria Math" panose="02040503050406030204" pitchFamily="18" charset="0"/>
+                  </a:rPr>
+                  <m:t>(</m:t>
+                </m:r>
+                <m:r>
+                  <a:rPr xmlns:a="http://schemas.openxmlformats.org/drawingml/2006/main" sz="1550" i="1">
+                    <a:solidFill>
+                      <a:srgbClr val="F46524"/>
+                    </a:solidFill>
+                    <a:latin typeface="Cambria Math" panose="02040503050406030204" pitchFamily="18" charset="0"/>
+                  </a:rPr>
+                  <m:t>x</m:t>
+                </m:r>
+                <m:r>
+                  <a:rPr xmlns:a="http://schemas.openxmlformats.org/drawingml/2006/main" sz="1550" i="1">
+                    <a:solidFill>
+                      <a:srgbClr val="F46524"/>
+                    </a:solidFill>
+                    <a:latin typeface="Cambria Math" panose="02040503050406030204" pitchFamily="18" charset="0"/>
+                  </a:rPr>
+                  <m:t>)</m:t>
+                </m:r>
+              </m:oMath>
+            </a14:m>
+            <a:r>
+              <a:t>.</a:t>
+            </a:r>
+          </a:p>
+        </p:txBody>
+      </p:sp>
+      <p:sp>
+        <p:nvSpPr>
+          <p:cNvPr id="163" name="Text"/>
+          <p:cNvSpPr txBox="1"/>
+          <p:nvPr/>
+        </p:nvSpPr>
+        <p:spPr>
+          <a:xfrm>
+            <a:off x="4980701" y="2037837"/>
+            <a:ext cx="1644694" cy="234611"/>
+          </a:xfrm>
+          <a:prstGeom prst="rect">
+            <a:avLst/>
+          </a:prstGeom>
+          <a:ln w="12700">
+            <a:miter lim="400000"/>
+          </a:ln>
+          <a:extLst>
+            <a:ext uri="{C572A759-6A51-4108-AA02-DFA0A04FC94B}">
+              <ma14:wrappingTextBoxFlag xmlns:ma14="http://schemas.microsoft.com/office/mac/drawingml/2011/main" val="1"/>
+            </a:ext>
+          </a:extLst>
+        </p:spPr>
+        <p:txBody>
+          <a:bodyPr wrap="none" lIns="0" tIns="0" rIns="0" bIns="0">
+            <a:spAutoFit/>
+          </a:bodyPr>
+          <a:lstStyle>
+            <a:lvl1pPr>
+              <a:defRPr>
+                <a:solidFill>
+                  <a:srgbClr val="012F7B"/>
+                </a:solidFill>
+              </a:defRPr>
+            </a:lvl1pPr>
+          </a:lstStyle>
+          <a:p>
+            <a:pPr/>
+            <a14:m>
+              <m:oMathPara>
+                <m:oMathParaPr>
+                  <m:jc m:val="left"/>
+                </m:oMathParaPr>
+                <m:oMath>
+                  <m:r>
+                    <a:rPr xmlns:a="http://schemas.openxmlformats.org/drawingml/2006/main" sz="1650" i="1">
+                      <a:solidFill>
+                        <a:srgbClr val="012F7B"/>
+                      </a:solidFill>
+                      <a:latin typeface="Cambria Math" panose="02040503050406030204" pitchFamily="18" charset="0"/>
+                    </a:rPr>
+                    <m:t>f</m:t>
+                  </m:r>
+                  <m:r>
+                    <a:rPr xmlns:a="http://schemas.openxmlformats.org/drawingml/2006/main" sz="1650" i="1">
+                      <a:solidFill>
+                        <a:srgbClr val="012F7B"/>
+                      </a:solidFill>
+                      <a:latin typeface="Cambria Math" panose="02040503050406030204" pitchFamily="18" charset="0"/>
+                    </a:rPr>
+                    <m:t>(</m:t>
+                  </m:r>
+                  <m:r>
+                    <a:rPr xmlns:a="http://schemas.openxmlformats.org/drawingml/2006/main" sz="1650" i="1">
+                      <a:solidFill>
+                        <a:srgbClr val="012F7B"/>
+                      </a:solidFill>
+                      <a:latin typeface="Cambria Math" panose="02040503050406030204" pitchFamily="18" charset="0"/>
+                    </a:rPr>
+                    <m:t>x</m:t>
+                  </m:r>
+                  <m:r>
+                    <a:rPr xmlns:a="http://schemas.openxmlformats.org/drawingml/2006/main" sz="1650" i="1">
+                      <a:solidFill>
+                        <a:srgbClr val="012F7B"/>
+                      </a:solidFill>
+                      <a:latin typeface="Cambria Math" panose="02040503050406030204" pitchFamily="18" charset="0"/>
+                    </a:rPr>
+                    <m:t>)</m:t>
+                  </m:r>
+                  <m:r>
+                    <a:rPr xmlns:a="http://schemas.openxmlformats.org/drawingml/2006/main" sz="1650" i="1">
+                      <a:solidFill>
+                        <a:srgbClr val="012F7B"/>
+                      </a:solidFill>
+                      <a:latin typeface="Cambria Math" panose="02040503050406030204" pitchFamily="18" charset="0"/>
+                    </a:rPr>
+                    <m:t>=</m:t>
+                  </m:r>
+                  <m:r>
+                    <a:rPr xmlns:a="http://schemas.openxmlformats.org/drawingml/2006/main" sz="1650" i="1">
+                      <a:solidFill>
+                        <a:srgbClr val="012F7B"/>
+                      </a:solidFill>
+                      <a:latin typeface="Cambria Math" panose="02040503050406030204" pitchFamily="18" charset="0"/>
+                    </a:rPr>
+                    <m:t>(</m:t>
+                  </m:r>
+                  <m:r>
+                    <a:rPr xmlns:a="http://schemas.openxmlformats.org/drawingml/2006/main" sz="1650" i="1">
+                      <a:solidFill>
+                        <a:srgbClr val="012F7B"/>
+                      </a:solidFill>
+                      <a:latin typeface="Cambria Math" panose="02040503050406030204" pitchFamily="18" charset="0"/>
+                    </a:rPr>
+                    <m:t>x</m:t>
+                  </m:r>
+                  <m:r>
+                    <a:rPr xmlns:a="http://schemas.openxmlformats.org/drawingml/2006/main" sz="1650" i="1">
+                      <a:solidFill>
+                        <a:srgbClr val="012F7B"/>
+                      </a:solidFill>
+                      <a:latin typeface="Cambria Math" panose="02040503050406030204" pitchFamily="18" charset="0"/>
+                    </a:rPr>
+                    <m:t>+</m:t>
+                  </m:r>
+                  <m:r>
+                    <a:rPr xmlns:a="http://schemas.openxmlformats.org/drawingml/2006/main" sz="1650" i="1">
+                      <a:solidFill>
+                        <a:srgbClr val="012F7B"/>
+                      </a:solidFill>
+                      <a:latin typeface="Cambria Math" panose="02040503050406030204" pitchFamily="18" charset="0"/>
+                    </a:rPr>
+                    <m:t>2</m:t>
+                  </m:r>
+                  <m:sSup>
+                    <m:e>
+                      <m:r>
+                        <a:rPr xmlns:a="http://schemas.openxmlformats.org/drawingml/2006/main" sz="1650" i="1">
+                          <a:solidFill>
+                            <a:srgbClr val="012F7B"/>
+                          </a:solidFill>
+                          <a:latin typeface="Cambria Math" panose="02040503050406030204" pitchFamily="18" charset="0"/>
+                        </a:rPr>
+                        <m:t>)</m:t>
+                      </m:r>
+                    </m:e>
+                    <m:sup>
+                      <m:r>
+                        <a:rPr xmlns:a="http://schemas.openxmlformats.org/drawingml/2006/main" sz="1650" i="1">
+                          <a:solidFill>
+                            <a:srgbClr val="012F7B"/>
+                          </a:solidFill>
+                          <a:latin typeface="Cambria Math" panose="02040503050406030204" pitchFamily="18" charset="0"/>
+                        </a:rPr>
+                        <m:t>2</m:t>
+                      </m:r>
+                    </m:sup>
+                  </m:sSup>
+                  <m:r>
+                    <a:rPr xmlns:a="http://schemas.openxmlformats.org/drawingml/2006/main" sz="1650" i="1">
+                      <a:solidFill>
+                        <a:srgbClr val="012F7B"/>
+                      </a:solidFill>
+                      <a:latin typeface="Cambria Math" panose="02040503050406030204" pitchFamily="18" charset="0"/>
+                    </a:rPr>
+                    <m:t>+</m:t>
+                  </m:r>
+                  <m:r>
+                    <a:rPr xmlns:a="http://schemas.openxmlformats.org/drawingml/2006/main" sz="1650" i="1">
+                      <a:solidFill>
+                        <a:srgbClr val="012F7B"/>
+                      </a:solidFill>
+                      <a:latin typeface="Cambria Math" panose="02040503050406030204" pitchFamily="18" charset="0"/>
+                    </a:rPr>
+                    <m:t>3</m:t>
+                  </m:r>
+                </m:oMath>
+              </m:oMathPara>
+            </a14:m>
+          </a:p>
+        </p:txBody>
+      </p:sp>
+    </p:spTree>
+  </p:cSld>
+  <p:clrMapOvr>
+    <a:masterClrMapping/>
+  </p:clrMapOvr>
+  <p:transition xmlns:p14="http://schemas.microsoft.com/office/powerpoint/2010/main" spd="med" advClick="1"/>
+</p:sld>
+</file>
+
+<file path=ppt/slides/slide3.xml><?xml version="1.0" encoding="utf-8"?>
+<p:sld xmlns:a="http://schemas.openxmlformats.org/drawingml/2006/main" xmlns:r="http://schemas.openxmlformats.org/officeDocument/2006/relationships" xmlns:p="http://schemas.openxmlformats.org/presentationml/2006/main" xmlns:m="http://schemas.openxmlformats.org/officeDocument/2006/math" xmlns:a14="http://schemas.microsoft.com/office/drawing/2010/main" showMasterSp="1" showMasterPhAnim="1">
+  <p:cSld>
+    <p:spTree>
+      <p:nvGrpSpPr>
+        <p:cNvPr id="1" name=""/>
+        <p:cNvGrpSpPr/>
+        <p:nvPr/>
+      </p:nvGrpSpPr>
+      <p:grpSpPr>
+        <a:xfrm>
+          <a:off x="0" y="0"/>
+          <a:ext cx="0" cy="0"/>
+          <a:chOff x="0" y="0"/>
+          <a:chExt cx="0" cy="0"/>
+        </a:xfrm>
+      </p:grpSpPr>
+      <p:sp>
+        <p:nvSpPr>
+          <p:cNvPr id="167" name="framing"/>
+          <p:cNvSpPr txBox="1"/>
+          <p:nvPr>
+            <p:ph type="title"/>
+          </p:nvPr>
+        </p:nvSpPr>
+        <p:spPr>
+          <a:prstGeom prst="rect">
+            <a:avLst/>
+          </a:prstGeom>
+        </p:spPr>
+        <p:txBody>
+          <a:bodyPr/>
+          <a:lstStyle>
+            <a:lvl1pPr defTabSz="886968">
+              <a:defRPr sz="2910"/>
+            </a:lvl1pPr>
+          </a:lstStyle>
+          <a:p>
+            <a:pPr/>
+            <a:r>
+              <a:t>framing</a:t>
+            </a:r>
+          </a:p>
+        </p:txBody>
+      </p:sp>
+      <p:pic>
+        <p:nvPicPr>
+          <p:cNvPr id="168" name="Image" descr="Image"/>
+          <p:cNvPicPr>
+            <a:picLocks noChangeAspect="1"/>
+          </p:cNvPicPr>
+          <p:nvPr/>
+        </p:nvPicPr>
+        <p:blipFill>
+          <a:blip r:embed="rId3">
+            <a:extLst/>
+          </a:blip>
+          <a:stretch>
+            <a:fillRect/>
+          </a:stretch>
+        </p:blipFill>
+        <p:spPr>
+          <a:xfrm>
+            <a:off x="251394" y="1554284"/>
+            <a:ext cx="3352801" cy="2425701"/>
+          </a:xfrm>
+          <a:prstGeom prst="rect">
+            <a:avLst/>
+          </a:prstGeom>
+          <a:ln w="12700">
+            <a:miter lim="400000"/>
+          </a:ln>
+        </p:spPr>
+      </p:pic>
+      <p:sp>
+        <p:nvSpPr>
+          <p:cNvPr id="169" name="what: write quadratic equations in standard form…"/>
+          <p:cNvSpPr txBox="1"/>
+          <p:nvPr/>
+        </p:nvSpPr>
+        <p:spPr>
+          <a:xfrm>
+            <a:off x="3682386" y="1584122"/>
+            <a:ext cx="4838766" cy="3002402"/>
+          </a:xfrm>
+          <a:prstGeom prst="rect">
+            <a:avLst/>
+          </a:prstGeom>
+          <a:ln w="12700">
+            <a:miter lim="400000"/>
+          </a:ln>
+          <a:extLst>
+            <a:ext uri="{C572A759-6A51-4108-AA02-DFA0A04FC94B}">
+              <ma14:wrappingTextBoxFlag xmlns:ma14="http://schemas.microsoft.com/office/mac/drawingml/2011/main" val="1"/>
+            </a:ext>
+          </a:extLst>
+        </p:spPr>
+        <p:txBody>
+          <a:bodyPr lIns="91423" tIns="91423" rIns="91423" bIns="91423">
+            <a:normAutofit fontScale="100000" lnSpcReduction="0"/>
+          </a:bodyPr>
+          <a:lstStyle/>
+          <a:p>
+            <a:pPr marL="457200" indent="-342900">
+              <a:lnSpc>
+                <a:spcPct val="115000"/>
+              </a:lnSpc>
+              <a:buClr>
+                <a:srgbClr val="000000"/>
+              </a:buClr>
+              <a:buSzPts val="1800"/>
+              <a:buFont typeface="Helvetica"/>
+              <a:buChar char="●"/>
+              <a:defRPr b="1" sz="1800">
+                <a:solidFill>
+                  <a:srgbClr val="000000"/>
+                </a:solidFill>
+                <a:latin typeface="Lato"/>
+                <a:ea typeface="Lato"/>
+                <a:cs typeface="Lato"/>
+                <a:sym typeface="Lato"/>
+              </a:defRPr>
+            </a:pPr>
+            <a:r>
+              <a:t>what: </a:t>
+            </a:r>
+            <a:r>
+              <a:rPr b="0"/>
+              <a:t>write quadratic equations in standard form</a:t>
+            </a:r>
+            <a:endParaRPr b="0"/>
+          </a:p>
+          <a:p>
+            <a:pPr marL="457200" indent="-342900">
+              <a:lnSpc>
+                <a:spcPct val="115000"/>
+              </a:lnSpc>
+              <a:buClr>
+                <a:srgbClr val="000000"/>
+              </a:buClr>
+              <a:buSzPts val="1800"/>
+              <a:buFont typeface="Helvetica"/>
+              <a:buChar char="●"/>
+              <a:defRPr b="1" sz="1800">
+                <a:solidFill>
+                  <a:srgbClr val="000000"/>
+                </a:solidFill>
+                <a:latin typeface="Lato"/>
+                <a:ea typeface="Lato"/>
+                <a:cs typeface="Lato"/>
+                <a:sym typeface="Lato"/>
+              </a:defRPr>
+            </a:pPr>
+            <a:r>
+              <a:t>why: </a:t>
+            </a:r>
+            <a:r>
+              <a:rPr b="0"/>
+              <a:t>The quadratic equation can be used to model things in science, engineering, and more!</a:t>
+            </a:r>
+            <a:endParaRPr b="0"/>
+          </a:p>
+          <a:p>
+            <a:pPr marL="457200" indent="-342900">
+              <a:lnSpc>
+                <a:spcPct val="115000"/>
+              </a:lnSpc>
+              <a:buClr>
+                <a:srgbClr val="000000"/>
+              </a:buClr>
+              <a:buSzPts val="1800"/>
+              <a:buFont typeface="Helvetica"/>
+              <a:buChar char="●"/>
+              <a:defRPr b="1" sz="1800">
+                <a:solidFill>
+                  <a:srgbClr val="000000"/>
+                </a:solidFill>
+                <a:latin typeface="Lato"/>
+                <a:ea typeface="Lato"/>
+                <a:cs typeface="Lato"/>
+                <a:sym typeface="Lato"/>
+              </a:defRPr>
+            </a:pPr>
+            <a:r>
+              <a:t>where to: </a:t>
+            </a:r>
+            <a:r>
+              <a:rPr b="0"/>
+              <a:t>Identifying x-intercept of a quadratic</a:t>
+            </a:r>
+          </a:p>
+        </p:txBody>
+      </p:sp>
+    </p:spTree>
+  </p:cSld>
+  <p:clrMapOvr>
+    <a:masterClrMapping/>
+  </p:clrMapOvr>
+  <p:transition xmlns:p14="http://schemas.microsoft.com/office/powerpoint/2010/main" spd="med" advClick="1"/>
+  <p:timing>
+    <p:tnLst>
+      <p:par>
+        <p:cTn id="1" nodeType="tmRoot" restart="never" dur="indefinite" fill="hold">
+          <p:childTnLst>
+            <p:seq concurrent="1" prevAc="none" nextAc="seek">
+              <p:cTn id="2" nodeType="mainSeq" dur="indefinite" fill="hold">
+                <p:childTnLst>
+                  <p:par>
+                    <p:cTn id="3" fill="hold">
+                      <p:stCondLst>
+                        <p:cond delay="indefinite"/>
+                      </p:stCondLst>
+                      <p:childTnLst>
+                        <p:par>
+                          <p:cTn id="4" fill="hold">
+                            <p:stCondLst>
+                              <p:cond delay="0"/>
+                            </p:stCondLst>
+                            <p:childTnLst>
+                              <p:par>
+                                <p:cTn id="5" presetClass="entr" nodeType="clickEffect" presetSubtype="0" presetID="1" grpId="1" fill="hold">
+                                  <p:stCondLst>
+                                    <p:cond delay="0"/>
+                                  </p:stCondLst>
+                                  <p:iterate type="el" backwards="0">
+                                    <p:tmAbs val="0"/>
+                                  </p:iterate>
+                                  <p:childTnLst>
+                                    <p:set>
+                                      <p:cBhvr>
+                                        <p:cTn id="6" fill="hold"/>
+                                        <p:tgtEl>
+                                          <p:spTgt spid="169">
+                                            <p:bg/>
+                                          </p:spTgt>
+                                        </p:tgtEl>
+                                        <p:attrNameLst>
+                                          <p:attrName>style.visibility</p:attrName>
+                                        </p:attrNameLst>
+                                      </p:cBhvr>
+                                      <p:to>
+                                        <p:strVal val="visible"/>
+                                      </p:to>
+                                    </p:set>
+                                  </p:childTnLst>
+                                </p:cTn>
+                              </p:par>
+                              <p:par>
+                                <p:cTn id="7" presetClass="entr" nodeType="withEffect" presetSubtype="0" presetID="1" grpId="1" fill="hold">
+                                  <p:stCondLst>
+                                    <p:cond delay="0"/>
+                                  </p:stCondLst>
+                                  <p:iterate type="el" backwards="0">
+                                    <p:tmAbs val="0"/>
+                                  </p:iterate>
+                                  <p:childTnLst>
+                                    <p:set>
+                                      <p:cBhvr>
+                                        <p:cTn id="8" fill="hold"/>
+                                        <p:tgtEl>
+                                          <p:spTgt spid="169">
+                                            <p:txEl>
+                                              <p:pRg st="0" end="0"/>
+                                            </p:txEl>
+                                          </p:spTgt>
+                                        </p:tgtEl>
+                                        <p:attrNameLst>
+                                          <p:attrName>style.visibility</p:attrName>
+                                        </p:attrNameLst>
+                                      </p:cBhvr>
+                                      <p:to>
+                                        <p:strVal val="visible"/>
+                                      </p:to>
+                                    </p:set>
+                                  </p:childTnLst>
+                                </p:cTn>
+                              </p:par>
+                            </p:childTnLst>
+                          </p:cTn>
+                        </p:par>
+                      </p:childTnLst>
+                    </p:cTn>
+                  </p:par>
+                  <p:par>
+                    <p:cTn id="9" fill="hold">
+                      <p:stCondLst>
+                        <p:cond delay="indefinite"/>
+                      </p:stCondLst>
+                      <p:childTnLst>
+                        <p:par>
+                          <p:cTn id="10" fill="hold">
+                            <p:stCondLst>
+                              <p:cond delay="0"/>
+                            </p:stCondLst>
+                            <p:childTnLst>
+                              <p:par>
+                                <p:cTn id="11" presetClass="entr" nodeType="clickEffect" presetSubtype="0" presetID="1" grpId="1" fill="hold">
+                                  <p:stCondLst>
+                                    <p:cond delay="0"/>
+                                  </p:stCondLst>
+                                  <p:iterate type="el" backwards="0">
+                                    <p:tmAbs val="0"/>
+                                  </p:iterate>
+                                  <p:childTnLst>
+                                    <p:set>
+                                      <p:cBhvr>
+                                        <p:cTn id="12" fill="hold"/>
+                                        <p:tgtEl>
+                                          <p:spTgt spid="169">
                                             <p:txEl>
                                               <p:pRg st="1" end="1"/>
                                             </p:txEl>
@@ -5783,57 +7158,9 @@
                                       <p:cBhvr>
                                         <p:cTn id="16" fill="hold"/>
                                         <p:tgtEl>
-                                          <p:spTgt spid="217">
+                                          <p:spTgt spid="169">
                                             <p:txEl>
                                               <p:pRg st="2" end="2"/>
-                                            </p:txEl>
-                                          </p:spTgt>
-                                        </p:tgtEl>
-                                        <p:attrNameLst>
-                                          <p:attrName>style.visibility</p:attrName>
-                                        </p:attrNameLst>
-                                      </p:cBhvr>
-                                      <p:to>
-                                        <p:strVal val="visible"/>
-                                      </p:to>
-                                    </p:set>
-                                  </p:childTnLst>
-                                </p:cTn>
-                              </p:par>
-                            </p:childTnLst>
-                          </p:cTn>
-                        </p:par>
-                      </p:childTnLst>
-                    </p:cTn>
-                  </p:par>
-                  <p:par>
-                    <p:cTn id="17" fill="hold">
-                      <p:stCondLst>
-                        <p:cond delay="indefinite"/>
-                      </p:stCondLst>
-                      <p:childTnLst>
-                        <p:par>
-                          <p:cTn id="18" fill="hold">
-                            <p:stCondLst>
-                              <p:cond delay="0"/>
-                            </p:stCondLst>
-                            <p:childTnLst>
-                              <p:par>
-                                <p:cTn id="19" presetClass="entr" nodeType="clickEffect" presetSubtype="0" presetID="1" grpId="1" fill="hold">
-                                  <p:stCondLst>
-                                    <p:cond delay="0"/>
-                                  </p:stCondLst>
-                                  <p:iterate type="el" backwards="0">
-                                    <p:tmAbs val="0"/>
-                                  </p:iterate>
-                                  <p:childTnLst>
-                                    <p:set>
-                                      <p:cBhvr>
-                                        <p:cTn id="20" fill="hold"/>
-                                        <p:tgtEl>
-                                          <p:spTgt spid="217">
-                                            <p:txEl>
-                                              <p:pRg st="3" end="3"/>
                                             </p:txEl>
                                           </p:spTgt>
                                         </p:tgtEl>
@@ -5876,13 +7203,13 @@
       </p:par>
     </p:tnLst>
     <p:bldLst>
-      <p:bldP build="p" bldLvl="5" animBg="1" rev="0" advAuto="0" spid="217" grpId="1"/>
+      <p:bldP build="p" bldLvl="5" animBg="1" rev="0" advAuto="0" spid="169" grpId="1"/>
     </p:bldLst>
   </p:timing>
 </p:sld>
 </file>
 
-<file path=ppt/slides/slide2.xml><?xml version="1.0" encoding="utf-8"?>
+<file path=ppt/slides/slide4.xml><?xml version="1.0" encoding="utf-8"?>
 <p:sld xmlns:a="http://schemas.openxmlformats.org/drawingml/2006/main" xmlns:r="http://schemas.openxmlformats.org/officeDocument/2006/relationships" xmlns:p="http://schemas.openxmlformats.org/presentationml/2006/main" xmlns:m="http://schemas.openxmlformats.org/officeDocument/2006/math" xmlns:a14="http://schemas.microsoft.com/office/drawing/2010/main" showMasterSp="1" showMasterPhAnim="1">
   <p:cSld>
     <p:spTree>
@@ -5901,416 +7228,652 @@
       </p:grpSpPr>
       <p:sp>
         <p:nvSpPr>
-          <p:cNvPr id="161" name="Google Shape;118;p19"/>
+          <p:cNvPr id="173" name="Vocabulary"/>
           <p:cNvSpPr txBox="1"/>
           <p:nvPr>
             <p:ph type="title"/>
           </p:nvPr>
         </p:nvSpPr>
         <p:spPr>
+          <a:prstGeom prst="rect">
+            <a:avLst/>
+          </a:prstGeom>
+        </p:spPr>
+        <p:txBody>
+          <a:bodyPr/>
+          <a:lstStyle>
+            <a:lvl1pPr defTabSz="886968">
+              <a:defRPr sz="2910"/>
+            </a:lvl1pPr>
+          </a:lstStyle>
+          <a:p>
+            <a:pPr/>
+            <a:r>
+              <a:t>Vocabulary </a:t>
+            </a:r>
+          </a:p>
+        </p:txBody>
+      </p:sp>
+      <p:sp>
+        <p:nvSpPr>
+          <p:cNvPr id="174" name="Vertex: Minimum or maximum point of a quadratic function"/>
+          <p:cNvSpPr txBox="1"/>
+          <p:nvPr>
+            <p:ph type="body" sz="half" idx="1"/>
+          </p:nvPr>
+        </p:nvSpPr>
+        <p:spPr>
           <a:xfrm>
-            <a:off x="1424036" y="575950"/>
-            <a:ext cx="7302727" cy="1059081"/>
+            <a:off x="1411198" y="1469712"/>
+            <a:ext cx="4194261" cy="3002402"/>
           </a:xfrm>
           <a:prstGeom prst="rect">
             <a:avLst/>
           </a:prstGeom>
-          <a:solidFill>
-            <a:srgbClr val="FFFFFF"/>
-          </a:solidFill>
-          <a:ln w="25400">
-            <a:solidFill>
-              <a:schemeClr val="accent1"/>
-            </a:solidFill>
-            <a:round/>
-          </a:ln>
         </p:spPr>
         <p:txBody>
           <a:bodyPr/>
           <a:lstStyle/>
           <a:p>
-            <a:pPr>
-              <a:defRPr b="0" sz="2400">
-                <a:solidFill>
-                  <a:srgbClr val="F46524"/>
-                </a:solidFill>
-                <a:latin typeface="+mn-lt"/>
-                <a:ea typeface="+mn-ea"/>
-                <a:cs typeface="+mn-cs"/>
-                <a:sym typeface="Arial"/>
-              </a:defRPr>
+            <a:pPr marL="228600" indent="-228600">
+              <a:lnSpc>
+                <a:spcPct val="100000"/>
+              </a:lnSpc>
+              <a:buClrTx/>
+              <a:buSzTx/>
+              <a:buFontTx/>
+              <a:buNone/>
+              <a:defRPr b="1" sz="2100"/>
             </a:pPr>
             <a:r>
-              <a:t>do now</a:t>
-            </a:r>
-          </a:p>
-          <a:p>
-            <a:pPr>
-              <a:defRPr b="0" sz="1400">
-                <a:solidFill>
-                  <a:schemeClr val="accent3">
-                    <a:lumOff val="-9098"/>
-                  </a:schemeClr>
-                </a:solidFill>
-                <a:latin typeface="+mj-lt"/>
-                <a:ea typeface="+mj-ea"/>
-                <a:cs typeface="+mj-cs"/>
-                <a:sym typeface="Helvetica"/>
-              </a:defRPr>
-            </a:pPr>
-            <a:r>
-              <a:rPr>
-                <a:solidFill>
-                  <a:schemeClr val="accent5"/>
-                </a:solidFill>
-              </a:rPr>
-              <a:t>be sure to:</a:t>
-            </a:r>
-            <a:r>
-              <a:rPr>
-                <a:solidFill>
-                  <a:schemeClr val="accent5">
-                    <a:lumOff val="-9843"/>
-                  </a:schemeClr>
-                </a:solidFill>
-              </a:rPr>
-              <a:t> </a:t>
-            </a:r>
-            <a:r>
-              <a:t>Get out your </a:t>
-            </a:r>
-            <a:r>
-              <a:rPr b="1"/>
-              <a:t>binder</a:t>
-            </a:r>
-            <a:r>
-              <a:t>. Copy </a:t>
-            </a:r>
-            <a:r>
-              <a:rPr b="1"/>
-              <a:t>goal </a:t>
-            </a:r>
-            <a:r>
-              <a:t>and answer </a:t>
-            </a:r>
-            <a:r>
-              <a:rPr b="1"/>
-              <a:t>do now</a:t>
-            </a:r>
-            <a:r>
-              <a:t> </a:t>
-            </a:r>
-            <a:r>
-              <a:t>questions below. Show all work or write a complete sentence for each answer:</a:t>
-            </a:r>
-          </a:p>
-        </p:txBody>
-      </p:sp>
-      <p:sp>
-        <p:nvSpPr>
-          <p:cNvPr id="162" name="Read through the how to solve it method.…"/>
-          <p:cNvSpPr txBox="1"/>
-          <p:nvPr/>
-        </p:nvSpPr>
-        <p:spPr>
-          <a:xfrm>
-            <a:off x="305303" y="1956587"/>
-            <a:ext cx="2653076" cy="1295401"/>
-          </a:xfrm>
-          <a:prstGeom prst="rect">
-            <a:avLst/>
-          </a:prstGeom>
-          <a:ln w="12700">
-            <a:miter lim="400000"/>
-          </a:ln>
-          <a:extLst>
-            <a:ext uri="{C572A759-6A51-4108-AA02-DFA0A04FC94B}">
-              <ma14:wrappingTextBoxFlag xmlns:ma14="http://schemas.microsoft.com/office/mac/drawingml/2011/main" val="1"/>
-            </a:ext>
-          </a:extLst>
-        </p:spPr>
-        <p:txBody>
-          <a:bodyPr lIns="0" tIns="0" rIns="0" bIns="0">
-            <a:spAutoFit/>
-          </a:bodyPr>
-          <a:lstStyle/>
-          <a:p>
-            <a:pPr marL="187157" indent="-187157">
-              <a:buSzPct val="100000"/>
-              <a:buAutoNum type="arabicPeriod" startAt="1"/>
-            </a:pPr>
-            <a:r>
-              <a:t>Read through the </a:t>
-            </a:r>
-            <a:r>
-              <a:rPr u="sng"/>
-              <a:t>how to solve it</a:t>
-            </a:r>
-            <a:r>
-              <a:t> method.</a:t>
-            </a:r>
-          </a:p>
-          <a:p>
-            <a:pPr marL="187157" indent="-187157">
-              <a:buSzPct val="100000"/>
-              <a:buAutoNum type="arabicPeriod" startAt="1"/>
-            </a:pPr>
-            <a:r>
-              <a:t>What is the most difficult part of the method to do? Answer in a complete sentence.</a:t>
-            </a:r>
-          </a:p>
-        </p:txBody>
-      </p:sp>
-      <p:grpSp>
-        <p:nvGrpSpPr>
-          <p:cNvPr id="165" name="how to solve it…"/>
-          <p:cNvGrpSpPr/>
-          <p:nvPr/>
-        </p:nvGrpSpPr>
-        <p:grpSpPr>
-          <a:xfrm>
-            <a:off x="3082006" y="1956587"/>
-            <a:ext cx="3631968" cy="2376863"/>
-            <a:chOff x="0" y="0"/>
-            <a:chExt cx="3631967" cy="2376862"/>
-          </a:xfrm>
-        </p:grpSpPr>
-        <p:sp>
-          <p:nvSpPr>
-            <p:cNvPr id="164" name="how to solve it…"/>
-            <p:cNvSpPr txBox="1"/>
-            <p:nvPr/>
-          </p:nvSpPr>
-          <p:spPr>
-            <a:xfrm>
-              <a:off x="25400" y="25400"/>
-              <a:ext cx="3581168" cy="2326063"/>
-            </a:xfrm>
-            <a:prstGeom prst="rect">
-              <a:avLst/>
-            </a:prstGeom>
-            <a:noFill/>
-            <a:ln>
-              <a:noFill/>
-            </a:ln>
-            <a:effectLst/>
-            <a:extLst>
-              <a:ext uri="{C572A759-6A51-4108-AA02-DFA0A04FC94B}">
-                <ma14:wrappingTextBoxFlag xmlns:ma14="http://schemas.microsoft.com/office/mac/drawingml/2011/main" val="1"/>
-              </a:ext>
-            </a:extLst>
-          </p:spPr>
-          <p:txBody>
-            <a:bodyPr wrap="square" lIns="91423" tIns="91423" rIns="91423" bIns="91423" numCol="1" anchor="t">
-              <a:normAutofit fontScale="100000" lnSpcReduction="0"/>
-            </a:bodyPr>
-            <a:lstStyle/>
-            <a:p>
-              <a:pPr defTabSz="576072">
-                <a:defRPr b="1" sz="1071">
-                  <a:solidFill>
-                    <a:srgbClr val="000000"/>
-                  </a:solidFill>
-                </a:defRPr>
-              </a:pPr>
-              <a:r>
-                <a:t>how to solve it</a:t>
-              </a:r>
-            </a:p>
-            <a:p>
-              <a:pPr marL="117909" indent="-117909" defTabSz="576072">
-                <a:buSzPct val="100000"/>
-                <a:buAutoNum type="arabicPeriod" startAt="1"/>
-                <a:defRPr sz="1071">
-                  <a:solidFill>
-                    <a:srgbClr val="000000"/>
-                  </a:solidFill>
-                </a:defRPr>
-              </a:pPr>
-              <a:r>
-                <a:t>Understand the problem:</a:t>
-              </a:r>
-            </a:p>
-            <a:p>
-              <a:pPr lvl="1" marL="437949" indent="-117909" defTabSz="576072">
-                <a:buSzPct val="100000"/>
-                <a:buAutoNum type="alphaLcPeriod" startAt="1"/>
-                <a:defRPr sz="1071">
-                  <a:solidFill>
-                    <a:srgbClr val="000000"/>
-                  </a:solidFill>
-                </a:defRPr>
-              </a:pPr>
-              <a:r>
-                <a:t>Read the problem carefully.</a:t>
-              </a:r>
-            </a:p>
-            <a:p>
-              <a:pPr lvl="1" marL="437949" indent="-117909" defTabSz="576072">
-                <a:buSzPct val="100000"/>
-                <a:buAutoNum type="alphaLcPeriod" startAt="1"/>
-                <a:defRPr sz="1071">
-                  <a:solidFill>
-                    <a:srgbClr val="000000"/>
-                  </a:solidFill>
-                </a:defRPr>
-              </a:pPr>
-              <a:r>
-                <a:t>What would a sensible final answer look like (number, equation, sentence, etc.)?</a:t>
-              </a:r>
-            </a:p>
-            <a:p>
-              <a:pPr marL="117909" indent="-117909" defTabSz="576072">
-                <a:buSzPct val="100000"/>
-                <a:buAutoNum type="arabicPeriod" startAt="1"/>
-                <a:defRPr sz="1071">
-                  <a:solidFill>
-                    <a:srgbClr val="000000"/>
-                  </a:solidFill>
-                </a:defRPr>
-              </a:pPr>
-              <a:r>
-                <a:t>Make a plan:</a:t>
-              </a:r>
-            </a:p>
-            <a:p>
-              <a:pPr lvl="1" marL="437949" indent="-117909" defTabSz="576072">
-                <a:buSzPct val="100000"/>
-                <a:buAutoNum type="alphaLcPeriod" startAt="1"/>
-                <a:defRPr sz="1071">
-                  <a:solidFill>
-                    <a:srgbClr val="000000"/>
-                  </a:solidFill>
-                </a:defRPr>
-              </a:pPr>
-              <a:r>
-                <a:t>Come up with a strategy to solve a problem</a:t>
-              </a:r>
-            </a:p>
-            <a:p>
-              <a:pPr lvl="1" marL="437949" indent="-117909" defTabSz="576072">
-                <a:buSzPct val="100000"/>
-                <a:buAutoNum type="alphaLcPeriod" startAt="1"/>
-                <a:defRPr sz="1071">
-                  <a:solidFill>
-                    <a:srgbClr val="000000"/>
-                  </a:solidFill>
-                </a:defRPr>
-              </a:pPr>
-              <a:r>
-                <a:t>What formulas/math skills will you need?</a:t>
-              </a:r>
-            </a:p>
-            <a:p>
-              <a:pPr marL="117909" indent="-117909" defTabSz="576072">
-                <a:buSzPct val="100000"/>
-                <a:buAutoNum type="arabicPeriod" startAt="1"/>
-                <a:defRPr sz="1071">
-                  <a:solidFill>
-                    <a:srgbClr val="000000"/>
-                  </a:solidFill>
-                </a:defRPr>
-              </a:pPr>
-              <a:r>
-                <a:t>Execute the plan:</a:t>
-              </a:r>
-            </a:p>
-            <a:p>
-              <a:pPr lvl="1" marL="437949" indent="-117909" defTabSz="576072">
-                <a:buSzPct val="100000"/>
-                <a:buAutoNum type="alphaLcPeriod" startAt="1"/>
-                <a:defRPr sz="1071">
-                  <a:solidFill>
-                    <a:srgbClr val="000000"/>
-                  </a:solidFill>
-                </a:defRPr>
-              </a:pPr>
-              <a:r>
-                <a:t>Work through your strategy step by step</a:t>
-              </a:r>
-            </a:p>
-            <a:p>
-              <a:pPr marL="117909" indent="-117909" defTabSz="576072">
-                <a:buSzPct val="100000"/>
-                <a:buAutoNum type="arabicPeriod" startAt="1"/>
-                <a:defRPr sz="1071">
-                  <a:solidFill>
-                    <a:srgbClr val="000000"/>
-                  </a:solidFill>
-                </a:defRPr>
-              </a:pPr>
-              <a:r>
-                <a:t>Review your work:</a:t>
-              </a:r>
-            </a:p>
-            <a:p>
-              <a:pPr lvl="1" marL="437949" indent="-117909" defTabSz="576072">
-                <a:buSzPct val="100000"/>
-                <a:buAutoNum type="alphaLcPeriod" startAt="1"/>
-                <a:defRPr sz="1071">
-                  <a:solidFill>
-                    <a:srgbClr val="000000"/>
-                  </a:solidFill>
-                </a:defRPr>
-              </a:pPr>
-              <a:r>
-                <a:t>Does your answer make sense?</a:t>
-              </a:r>
-            </a:p>
-            <a:p>
-              <a:pPr lvl="1" marL="437949" indent="-117909" defTabSz="576072">
-                <a:buSzPct val="100000"/>
-                <a:buAutoNum type="alphaLcPeriod" startAt="1"/>
-                <a:defRPr sz="1071">
-                  <a:solidFill>
-                    <a:srgbClr val="000000"/>
-                  </a:solidFill>
-                </a:defRPr>
-              </a:pPr>
-              <a:r>
-                <a:t>If not go back to (2). Do it again!!</a:t>
-              </a:r>
-            </a:p>
-          </p:txBody>
-        </p:sp>
-        <p:pic>
-          <p:nvPicPr>
-            <p:cNvPr id="163" name="how to solve it… how to solve itUnderstand the problem:Read the problem carefully.What would a sensible final answer look like (number, equation, sentence, etc.)?Make a plan:Come up with a strategy to solve a problemWhat formulas/math skills will you nee" descr="how to solve it… how to solve itUnderstand the problem:Read the problem carefully.What would a sensible final answer look like (number, equation, sentence, etc.)?Make a plan:Come up with a strategy to solve a problemWhat formulas/math skills will you need?Execute the plan:Work through your strategy step by stepReview your work:Does your answer make sense?If not go back to (2). Do it again!!"/>
-            <p:cNvPicPr>
-              <a:picLocks noChangeAspect="0"/>
-            </p:cNvPicPr>
-            <p:nvPr/>
-          </p:nvPicPr>
-          <p:blipFill>
-            <a:blip r:embed="rId3">
-              <a:extLst/>
-            </a:blip>
-            <a:stretch>
-              <a:fillRect/>
-            </a:stretch>
-          </p:blipFill>
-          <p:spPr>
-            <a:xfrm>
-              <a:off x="0" y="0"/>
-              <a:ext cx="3631968" cy="2376863"/>
-            </a:xfrm>
-            <a:prstGeom prst="rect">
-              <a:avLst/>
-            </a:prstGeom>
-            <a:effectLst/>
-          </p:spPr>
-        </p:pic>
-      </p:grpSp>
+              <a:t>Vertex: </a:t>
+            </a:r>
+            <a:r>
+              <a:rPr b="0"/>
+              <a:t>Minimum or maximum point of a quadratic function</a:t>
+            </a:r>
+          </a:p>
+        </p:txBody>
+      </p:sp>
       <p:pic>
         <p:nvPicPr>
-          <p:cNvPr id="166" name="Image" descr="Image"/>
+          <p:cNvPr id="175" name="Image" descr="Image"/>
           <p:cNvPicPr>
             <a:picLocks noChangeAspect="1"/>
           </p:cNvPicPr>
           <p:nvPr/>
         </p:nvPicPr>
         <p:blipFill>
-          <a:blip r:embed="rId4">
+          <a:blip r:embed="rId2">
+            <a:extLst/>
+          </a:blip>
+          <a:srcRect l="27521" t="10079" r="25043" b="18703"/>
+          <a:stretch>
+            <a:fillRect/>
+          </a:stretch>
+        </p:blipFill>
+        <p:spPr>
+          <a:xfrm>
+            <a:off x="6456838" y="987364"/>
+            <a:ext cx="2554071" cy="2155905"/>
+          </a:xfrm>
+          <a:prstGeom prst="rect">
+            <a:avLst/>
+          </a:prstGeom>
+          <a:ln w="12700">
+            <a:miter lim="400000"/>
+          </a:ln>
+        </p:spPr>
+      </p:pic>
+    </p:spTree>
+  </p:cSld>
+  <p:clrMapOvr>
+    <a:masterClrMapping/>
+  </p:clrMapOvr>
+  <p:transition xmlns:p14="http://schemas.microsoft.com/office/powerpoint/2010/main" spd="med" advClick="1"/>
+</p:sld>
+</file>
+
+<file path=ppt/slides/slide5.xml><?xml version="1.0" encoding="utf-8"?>
+<p:sld xmlns:a="http://schemas.openxmlformats.org/drawingml/2006/main" xmlns:r="http://schemas.openxmlformats.org/officeDocument/2006/relationships" xmlns:p="http://schemas.openxmlformats.org/presentationml/2006/main" xmlns:m="http://schemas.openxmlformats.org/officeDocument/2006/math" xmlns:a14="http://schemas.microsoft.com/office/drawing/2010/main" showMasterSp="1" showMasterPhAnim="1">
+  <p:cSld>
+    <p:spTree>
+      <p:nvGrpSpPr>
+        <p:cNvPr id="1" name=""/>
+        <p:cNvGrpSpPr/>
+        <p:nvPr/>
+      </p:nvGrpSpPr>
+      <p:grpSpPr>
+        <a:xfrm>
+          <a:off x="0" y="0"/>
+          <a:ext cx="0" cy="0"/>
+          <a:chOff x="0" y="0"/>
+          <a:chExt cx="0" cy="0"/>
+        </a:xfrm>
+      </p:grpSpPr>
+      <p:sp>
+        <p:nvSpPr>
+          <p:cNvPr id="177" name="definition of quadratic function"/>
+          <p:cNvSpPr txBox="1"/>
+          <p:nvPr>
+            <p:ph type="title"/>
+          </p:nvPr>
+        </p:nvSpPr>
+        <p:spPr>
+          <a:prstGeom prst="rect">
+            <a:avLst/>
+          </a:prstGeom>
+        </p:spPr>
+        <p:txBody>
+          <a:bodyPr/>
+          <a:lstStyle>
+            <a:lvl1pPr defTabSz="886968">
+              <a:defRPr sz="2910"/>
+            </a:lvl1pPr>
+          </a:lstStyle>
+          <a:p>
+            <a:pPr/>
+            <a:r>
+              <a:t>definition of quadratic function </a:t>
+            </a:r>
+          </a:p>
+        </p:txBody>
+      </p:sp>
+      <p:sp>
+        <p:nvSpPr>
+          <p:cNvPr id="178" name="Let a, b, and c be real numbers with  . The function:…"/>
+          <p:cNvSpPr txBox="1"/>
+          <p:nvPr>
+            <p:ph type="body" sz="half" idx="1"/>
+          </p:nvPr>
+        </p:nvSpPr>
+        <p:spPr>
+          <a:xfrm>
+            <a:off x="743516" y="1602675"/>
+            <a:ext cx="4728188" cy="3002402"/>
+          </a:xfrm>
+          <a:prstGeom prst="rect">
+            <a:avLst/>
+          </a:prstGeom>
+        </p:spPr>
+        <p:txBody>
+          <a:bodyPr/>
+          <a:lstStyle/>
+          <a:p>
+            <a:pPr marL="0" indent="0">
+              <a:buClrTx/>
+              <a:buSzTx/>
+              <a:buFontTx/>
+              <a:buNone/>
+            </a:pPr>
+            <a:r>
+              <a:t>Let a, b, and c be real numbers with </a:t>
+            </a:r>
+            <a14:m>
+              <m:oMath>
+                <m:r>
+                  <a:rPr xmlns:a="http://schemas.openxmlformats.org/drawingml/2006/main" sz="1700" i="1">
+                    <a:solidFill>
+                      <a:srgbClr val="000000"/>
+                    </a:solidFill>
+                    <a:latin typeface="Cambria Math" panose="02040503050406030204" pitchFamily="18" charset="0"/>
+                  </a:rPr>
+                  <m:t>a</m:t>
+                </m:r>
+                <m:r>
+                  <a:rPr xmlns:a="http://schemas.openxmlformats.org/drawingml/2006/main" sz="1700" i="1">
+                    <a:solidFill>
+                      <a:srgbClr val="000000"/>
+                    </a:solidFill>
+                    <a:latin typeface="Cambria Math" panose="02040503050406030204" pitchFamily="18" charset="0"/>
+                  </a:rPr>
+                  <m:t>≠</m:t>
+                </m:r>
+                <m:r>
+                  <a:rPr xmlns:a="http://schemas.openxmlformats.org/drawingml/2006/main" sz="1700" i="1">
+                    <a:solidFill>
+                      <a:srgbClr val="000000"/>
+                    </a:solidFill>
+                    <a:latin typeface="Cambria Math" panose="02040503050406030204" pitchFamily="18" charset="0"/>
+                  </a:rPr>
+                  <m:t>0</m:t>
+                </m:r>
+              </m:oMath>
+            </a14:m>
+            <a:r>
+              <a:t>. The function:</a:t>
+            </a:r>
+          </a:p>
+          <a:p>
+            <a:pPr marL="0" indent="0">
+              <a:buClrTx/>
+              <a:buSzTx/>
+              <a:buFontTx/>
+              <a:buNone/>
+            </a:pPr>
+          </a:p>
+          <a:p>
+            <a:pPr marL="0" indent="0">
+              <a:buClrTx/>
+              <a:buSzTx/>
+              <a:buFontTx/>
+              <a:buNone/>
+            </a:pPr>
+            <a14:m>
+              <m:oMathPara>
+                <m:oMathParaPr>
+                  <m:jc m:val="left"/>
+                </m:oMathParaPr>
+                <m:oMath>
+                  <m:r>
+                    <a:rPr xmlns:a="http://schemas.openxmlformats.org/drawingml/2006/main" sz="1650" i="1">
+                      <a:solidFill>
+                        <a:srgbClr val="000000"/>
+                      </a:solidFill>
+                      <a:latin typeface="Cambria Math" panose="02040503050406030204" pitchFamily="18" charset="0"/>
+                    </a:rPr>
+                    <m:t>f</m:t>
+                  </m:r>
+                  <m:r>
+                    <a:rPr xmlns:a="http://schemas.openxmlformats.org/drawingml/2006/main" sz="1650" i="1">
+                      <a:solidFill>
+                        <a:srgbClr val="000000"/>
+                      </a:solidFill>
+                      <a:latin typeface="Cambria Math" panose="02040503050406030204" pitchFamily="18" charset="0"/>
+                    </a:rPr>
+                    <m:t>(</m:t>
+                  </m:r>
+                  <m:r>
+                    <a:rPr xmlns:a="http://schemas.openxmlformats.org/drawingml/2006/main" sz="1650" i="1">
+                      <a:solidFill>
+                        <a:srgbClr val="000000"/>
+                      </a:solidFill>
+                      <a:latin typeface="Cambria Math" panose="02040503050406030204" pitchFamily="18" charset="0"/>
+                    </a:rPr>
+                    <m:t>x</m:t>
+                  </m:r>
+                  <m:r>
+                    <a:rPr xmlns:a="http://schemas.openxmlformats.org/drawingml/2006/main" sz="1650" i="1">
+                      <a:solidFill>
+                        <a:srgbClr val="000000"/>
+                      </a:solidFill>
+                      <a:latin typeface="Cambria Math" panose="02040503050406030204" pitchFamily="18" charset="0"/>
+                    </a:rPr>
+                    <m:t>)</m:t>
+                  </m:r>
+                  <m:r>
+                    <a:rPr xmlns:a="http://schemas.openxmlformats.org/drawingml/2006/main" sz="1650" i="1">
+                      <a:solidFill>
+                        <a:srgbClr val="000000"/>
+                      </a:solidFill>
+                      <a:latin typeface="Cambria Math" panose="02040503050406030204" pitchFamily="18" charset="0"/>
+                    </a:rPr>
+                    <m:t>=</m:t>
+                  </m:r>
+                  <m:r>
+                    <a:rPr xmlns:a="http://schemas.openxmlformats.org/drawingml/2006/main" sz="1650" i="1">
+                      <a:solidFill>
+                        <a:srgbClr val="000000"/>
+                      </a:solidFill>
+                      <a:latin typeface="Cambria Math" panose="02040503050406030204" pitchFamily="18" charset="0"/>
+                    </a:rPr>
+                    <m:t>a</m:t>
+                  </m:r>
+                  <m:sSup>
+                    <m:e>
+                      <m:r>
+                        <a:rPr xmlns:a="http://schemas.openxmlformats.org/drawingml/2006/main" sz="1650" i="1">
+                          <a:solidFill>
+                            <a:srgbClr val="000000"/>
+                          </a:solidFill>
+                          <a:latin typeface="Cambria Math" panose="02040503050406030204" pitchFamily="18" charset="0"/>
+                        </a:rPr>
+                        <m:t>x</m:t>
+                      </m:r>
+                    </m:e>
+                    <m:sup>
+                      <m:r>
+                        <a:rPr xmlns:a="http://schemas.openxmlformats.org/drawingml/2006/main" sz="1650" i="1">
+                          <a:solidFill>
+                            <a:srgbClr val="000000"/>
+                          </a:solidFill>
+                          <a:latin typeface="Cambria Math" panose="02040503050406030204" pitchFamily="18" charset="0"/>
+                        </a:rPr>
+                        <m:t>2</m:t>
+                      </m:r>
+                    </m:sup>
+                  </m:sSup>
+                  <m:r>
+                    <a:rPr xmlns:a="http://schemas.openxmlformats.org/drawingml/2006/main" sz="1650" i="1">
+                      <a:solidFill>
+                        <a:srgbClr val="000000"/>
+                      </a:solidFill>
+                      <a:latin typeface="Cambria Math" panose="02040503050406030204" pitchFamily="18" charset="0"/>
+                    </a:rPr>
+                    <m:t>+</m:t>
+                  </m:r>
+                  <m:r>
+                    <a:rPr xmlns:a="http://schemas.openxmlformats.org/drawingml/2006/main" sz="1650" i="1">
+                      <a:solidFill>
+                        <a:srgbClr val="000000"/>
+                      </a:solidFill>
+                      <a:latin typeface="Cambria Math" panose="02040503050406030204" pitchFamily="18" charset="0"/>
+                    </a:rPr>
+                    <m:t>b</m:t>
+                  </m:r>
+                  <m:r>
+                    <a:rPr xmlns:a="http://schemas.openxmlformats.org/drawingml/2006/main" sz="1650" i="1">
+                      <a:solidFill>
+                        <a:srgbClr val="000000"/>
+                      </a:solidFill>
+                      <a:latin typeface="Cambria Math" panose="02040503050406030204" pitchFamily="18" charset="0"/>
+                    </a:rPr>
+                    <m:t>x</m:t>
+                  </m:r>
+                  <m:r>
+                    <a:rPr xmlns:a="http://schemas.openxmlformats.org/drawingml/2006/main" sz="1650" i="1">
+                      <a:solidFill>
+                        <a:srgbClr val="000000"/>
+                      </a:solidFill>
+                      <a:latin typeface="Cambria Math" panose="02040503050406030204" pitchFamily="18" charset="0"/>
+                    </a:rPr>
+                    <m:t>+</m:t>
+                  </m:r>
+                  <m:r>
+                    <a:rPr xmlns:a="http://schemas.openxmlformats.org/drawingml/2006/main" sz="1650" i="1">
+                      <a:solidFill>
+                        <a:srgbClr val="000000"/>
+                      </a:solidFill>
+                      <a:latin typeface="Cambria Math" panose="02040503050406030204" pitchFamily="18" charset="0"/>
+                    </a:rPr>
+                    <m:t>c</m:t>
+                  </m:r>
+                </m:oMath>
+              </m:oMathPara>
+            </a14:m>
+          </a:p>
+          <a:p>
+            <a:pPr marL="0" indent="0">
+              <a:buClrTx/>
+              <a:buSzTx/>
+              <a:buFontTx/>
+              <a:buNone/>
+            </a:pPr>
+          </a:p>
+          <a:p>
+            <a:pPr marL="0" indent="0">
+              <a:buClrTx/>
+              <a:buSzTx/>
+              <a:buFontTx/>
+              <a:buNone/>
+            </a:pPr>
+            <a:r>
+              <a:t>is called a quadratic function.</a:t>
+            </a:r>
+          </a:p>
+        </p:txBody>
+      </p:sp>
+      <p:sp>
+        <p:nvSpPr>
+          <p:cNvPr id="179" name="Google Shape;38;p5"/>
+          <p:cNvSpPr txBox="1"/>
+          <p:nvPr>
+            <p:ph type="body" idx="21"/>
+          </p:nvPr>
+        </p:nvSpPr>
+        <p:spPr>
+          <a:prstGeom prst="rect">
+            <a:avLst/>
+          </a:prstGeom>
+        </p:spPr>
+        <p:txBody>
+          <a:bodyPr/>
+          <a:lstStyle/>
+          <a:p>
+            <a:pPr algn="l"/>
+          </a:p>
+        </p:txBody>
+      </p:sp>
+    </p:spTree>
+  </p:cSld>
+  <p:clrMapOvr>
+    <a:masterClrMapping/>
+  </p:clrMapOvr>
+  <p:transition xmlns:p14="http://schemas.microsoft.com/office/powerpoint/2010/main" spd="med" advClick="1"/>
+</p:sld>
+</file>
+
+<file path=ppt/slides/slide6.xml><?xml version="1.0" encoding="utf-8"?>
+<p:sld xmlns:a="http://schemas.openxmlformats.org/drawingml/2006/main" xmlns:r="http://schemas.openxmlformats.org/officeDocument/2006/relationships" xmlns:p="http://schemas.openxmlformats.org/presentationml/2006/main" xmlns:m="http://schemas.openxmlformats.org/officeDocument/2006/math" xmlns:a14="http://schemas.microsoft.com/office/drawing/2010/main" showMasterSp="1" showMasterPhAnim="1">
+  <p:cSld>
+    <p:spTree>
+      <p:nvGrpSpPr>
+        <p:cNvPr id="1" name=""/>
+        <p:cNvGrpSpPr/>
+        <p:nvPr/>
+      </p:nvGrpSpPr>
+      <p:grpSpPr>
+        <a:xfrm>
+          <a:off x="0" y="0"/>
+          <a:ext cx="0" cy="0"/>
+          <a:chOff x="0" y="0"/>
+          <a:chExt cx="0" cy="0"/>
+        </a:xfrm>
+      </p:grpSpPr>
+      <p:sp>
+        <p:nvSpPr>
+          <p:cNvPr id="183" name="Example"/>
+          <p:cNvSpPr txBox="1"/>
+          <p:nvPr>
+            <p:ph type="title"/>
+          </p:nvPr>
+        </p:nvSpPr>
+        <p:spPr>
+          <a:prstGeom prst="rect">
+            <a:avLst/>
+          </a:prstGeom>
+        </p:spPr>
+        <p:txBody>
+          <a:bodyPr/>
+          <a:lstStyle>
+            <a:lvl1pPr defTabSz="886968">
+              <a:defRPr sz="2910"/>
+            </a:lvl1pPr>
+          </a:lstStyle>
+          <a:p>
+            <a:pPr/>
+            <a:r>
+              <a:t>Example</a:t>
+            </a:r>
+          </a:p>
+        </p:txBody>
+      </p:sp>
+      <p:sp>
+        <p:nvSpPr>
+          <p:cNvPr id="184" name="Trajectory of a rocket :"/>
+          <p:cNvSpPr txBox="1"/>
+          <p:nvPr>
+            <p:ph type="body" idx="1"/>
+          </p:nvPr>
+        </p:nvSpPr>
+        <p:spPr>
+          <a:xfrm>
+            <a:off x="509668" y="1545193"/>
+            <a:ext cx="6321603" cy="3002402"/>
+          </a:xfrm>
+          <a:prstGeom prst="rect">
+            <a:avLst/>
+          </a:prstGeom>
+        </p:spPr>
+        <p:txBody>
+          <a:bodyPr/>
+          <a:lstStyle/>
+          <a:p>
+            <a:pPr/>
+            <a:r>
+              <a:t>Trajectory of a rocket :</a:t>
+            </a:r>
+          </a:p>
+          <a:p>
+            <a:pPr marL="0" indent="0">
+              <a:buClrTx/>
+              <a:buSzTx/>
+              <a:buFontTx/>
+              <a:buNone/>
+            </a:pPr>
+          </a:p>
+          <a:p>
+            <a:pPr marL="0" indent="0">
+              <a:buClrTx/>
+              <a:buSzTx/>
+              <a:buFontTx/>
+              <a:buNone/>
+            </a:pPr>
+            <a14:m>
+              <m:oMathPara>
+                <m:oMathParaPr>
+                  <m:jc m:val="left"/>
+                </m:oMathParaPr>
+                <m:oMath>
+                  <m:r>
+                    <a:rPr xmlns:a="http://schemas.openxmlformats.org/drawingml/2006/main" sz="2200" i="1">
+                      <a:solidFill>
+                        <a:srgbClr val="000000"/>
+                      </a:solidFill>
+                      <a:latin typeface="Cambria Math" panose="02040503050406030204" pitchFamily="18" charset="0"/>
+                    </a:rPr>
+                    <m:t>h</m:t>
+                  </m:r>
+                  <m:r>
+                    <a:rPr xmlns:a="http://schemas.openxmlformats.org/drawingml/2006/main" sz="2200" i="1">
+                      <a:solidFill>
+                        <a:srgbClr val="000000"/>
+                      </a:solidFill>
+                      <a:latin typeface="Cambria Math" panose="02040503050406030204" pitchFamily="18" charset="0"/>
+                    </a:rPr>
+                    <m:t>(</m:t>
+                  </m:r>
+                  <m:r>
+                    <a:rPr xmlns:a="http://schemas.openxmlformats.org/drawingml/2006/main" sz="2200" i="1">
+                      <a:solidFill>
+                        <a:srgbClr val="000000"/>
+                      </a:solidFill>
+                      <a:latin typeface="Cambria Math" panose="02040503050406030204" pitchFamily="18" charset="0"/>
+                    </a:rPr>
+                    <m:t>x</m:t>
+                  </m:r>
+                  <m:r>
+                    <a:rPr xmlns:a="http://schemas.openxmlformats.org/drawingml/2006/main" sz="2200" i="1">
+                      <a:solidFill>
+                        <a:srgbClr val="000000"/>
+                      </a:solidFill>
+                      <a:latin typeface="Cambria Math" panose="02040503050406030204" pitchFamily="18" charset="0"/>
+                    </a:rPr>
+                    <m:t>)</m:t>
+                  </m:r>
+                  <m:r>
+                    <a:rPr xmlns:a="http://schemas.openxmlformats.org/drawingml/2006/main" sz="2200" i="1">
+                      <a:solidFill>
+                        <a:srgbClr val="000000"/>
+                      </a:solidFill>
+                      <a:latin typeface="Cambria Math" panose="02040503050406030204" pitchFamily="18" charset="0"/>
+                    </a:rPr>
+                    <m:t>=</m:t>
+                  </m:r>
+                  <m:r>
+                    <a:rPr xmlns:a="http://schemas.openxmlformats.org/drawingml/2006/main" sz="2200" i="1">
+                      <a:solidFill>
+                        <a:srgbClr val="000000"/>
+                      </a:solidFill>
+                      <a:latin typeface="Cambria Math" panose="02040503050406030204" pitchFamily="18" charset="0"/>
+                    </a:rPr>
+                    <m:t>16</m:t>
+                  </m:r>
+                  <m:sSup>
+                    <m:e>
+                      <m:r>
+                        <a:rPr xmlns:a="http://schemas.openxmlformats.org/drawingml/2006/main" sz="2200" i="1">
+                          <a:solidFill>
+                            <a:srgbClr val="000000"/>
+                          </a:solidFill>
+                          <a:latin typeface="Cambria Math" panose="02040503050406030204" pitchFamily="18" charset="0"/>
+                        </a:rPr>
+                        <m:t>t</m:t>
+                      </m:r>
+                    </m:e>
+                    <m:sup>
+                      <m:r>
+                        <a:rPr xmlns:a="http://schemas.openxmlformats.org/drawingml/2006/main" sz="2200" i="1">
+                          <a:solidFill>
+                            <a:srgbClr val="000000"/>
+                          </a:solidFill>
+                          <a:latin typeface="Cambria Math" panose="02040503050406030204" pitchFamily="18" charset="0"/>
+                        </a:rPr>
+                        <m:t>2</m:t>
+                      </m:r>
+                    </m:sup>
+                  </m:sSup>
+                  <m:r>
+                    <a:rPr xmlns:a="http://schemas.openxmlformats.org/drawingml/2006/main" sz="2200" i="1">
+                      <a:solidFill>
+                        <a:srgbClr val="000000"/>
+                      </a:solidFill>
+                      <a:latin typeface="Cambria Math" panose="02040503050406030204" pitchFamily="18" charset="0"/>
+                    </a:rPr>
+                    <m:t>+</m:t>
+                  </m:r>
+                  <m:r>
+                    <a:rPr xmlns:a="http://schemas.openxmlformats.org/drawingml/2006/main" sz="2200" i="1">
+                      <a:solidFill>
+                        <a:srgbClr val="000000"/>
+                      </a:solidFill>
+                      <a:latin typeface="Cambria Math" panose="02040503050406030204" pitchFamily="18" charset="0"/>
+                    </a:rPr>
+                    <m:t>256</m:t>
+                  </m:r>
+                  <m:r>
+                    <a:rPr xmlns:a="http://schemas.openxmlformats.org/drawingml/2006/main" sz="2200" i="1">
+                      <a:solidFill>
+                        <a:srgbClr val="000000"/>
+                      </a:solidFill>
+                      <a:latin typeface="Cambria Math" panose="02040503050406030204" pitchFamily="18" charset="0"/>
+                    </a:rPr>
+                    <m:t>t</m:t>
+                  </m:r>
+                  <m:r>
+                    <a:rPr xmlns:a="http://schemas.openxmlformats.org/drawingml/2006/main" sz="2200" i="1">
+                      <a:solidFill>
+                        <a:srgbClr val="000000"/>
+                      </a:solidFill>
+                      <a:latin typeface="Cambria Math" panose="02040503050406030204" pitchFamily="18" charset="0"/>
+                    </a:rPr>
+                    <m:t>+</m:t>
+                  </m:r>
+                  <m:r>
+                    <a:rPr xmlns:a="http://schemas.openxmlformats.org/drawingml/2006/main" sz="2200" i="1">
+                      <a:solidFill>
+                        <a:srgbClr val="000000"/>
+                      </a:solidFill>
+                      <a:latin typeface="Cambria Math" panose="02040503050406030204" pitchFamily="18" charset="0"/>
+                    </a:rPr>
+                    <m:t>4</m:t>
+                  </m:r>
+                </m:oMath>
+              </m:oMathPara>
+            </a14:m>
+          </a:p>
+        </p:txBody>
+      </p:sp>
+      <p:pic>
+        <p:nvPicPr>
+          <p:cNvPr id="185" name="Image" descr="Image"/>
+          <p:cNvPicPr>
+            <a:picLocks noChangeAspect="1"/>
+          </p:cNvPicPr>
+          <p:nvPr/>
+        </p:nvPicPr>
+        <p:blipFill>
+          <a:blip r:embed="rId3">
             <a:extLst/>
           </a:blip>
           <a:stretch>
@@ -6319,8 +7882,8 @@
         </p:blipFill>
         <p:spPr>
           <a:xfrm>
-            <a:off x="7114972" y="2000671"/>
-            <a:ext cx="1585159" cy="2376863"/>
+            <a:off x="4879662" y="1240242"/>
+            <a:ext cx="3929333" cy="2211295"/>
           </a:xfrm>
           <a:prstGeom prst="rect">
             <a:avLst/>
@@ -6369,298 +7932,7 @@
                                       <p:cBhvr>
                                         <p:cTn id="6" fill="hold"/>
                                         <p:tgtEl>
-                                          <p:spTgt spid="165"/>
-                                        </p:tgtEl>
-                                        <p:attrNameLst>
-                                          <p:attrName>style.visibility</p:attrName>
-                                        </p:attrNameLst>
-                                      </p:cBhvr>
-                                      <p:to>
-                                        <p:strVal val="visible"/>
-                                      </p:to>
-                                    </p:set>
-                                  </p:childTnLst>
-                                </p:cTn>
-                              </p:par>
-                            </p:childTnLst>
-                          </p:cTn>
-                        </p:par>
-                      </p:childTnLst>
-                    </p:cTn>
-                  </p:par>
-                </p:childTnLst>
-              </p:cTn>
-              <p:prevCondLst>
-                <p:cond evt="onPrev">
-                  <p:tgtEl>
-                    <p:sldTgt/>
-                  </p:tgtEl>
-                </p:cond>
-              </p:prevCondLst>
-              <p:nextCondLst>
-                <p:cond evt="onNext">
-                  <p:tgtEl>
-                    <p:sldTgt/>
-                  </p:tgtEl>
-                </p:cond>
-              </p:nextCondLst>
-            </p:seq>
-          </p:childTnLst>
-        </p:cTn>
-      </p:par>
-    </p:tnLst>
-    <p:bldLst>
-      <p:bldP build="whole" bldLvl="1" animBg="1" rev="0" advAuto="0" spid="165" grpId="1"/>
-    </p:bldLst>
-  </p:timing>
-</p:sld>
-</file>
-
-<file path=ppt/slides/slide3.xml><?xml version="1.0" encoding="utf-8"?>
-<p:sld xmlns:a="http://schemas.openxmlformats.org/drawingml/2006/main" xmlns:r="http://schemas.openxmlformats.org/officeDocument/2006/relationships" xmlns:p="http://schemas.openxmlformats.org/presentationml/2006/main" xmlns:m="http://schemas.openxmlformats.org/officeDocument/2006/math" xmlns:a14="http://schemas.microsoft.com/office/drawing/2010/main" showMasterSp="1" showMasterPhAnim="1">
-  <p:cSld>
-    <p:spTree>
-      <p:nvGrpSpPr>
-        <p:cNvPr id="1" name=""/>
-        <p:cNvGrpSpPr/>
-        <p:nvPr/>
-      </p:nvGrpSpPr>
-      <p:grpSpPr>
-        <a:xfrm>
-          <a:off x="0" y="0"/>
-          <a:ext cx="0" cy="0"/>
-          <a:chOff x="0" y="0"/>
-          <a:chExt cx="0" cy="0"/>
-        </a:xfrm>
-      </p:grpSpPr>
-      <p:sp>
-        <p:nvSpPr>
-          <p:cNvPr id="170" name="framing"/>
-          <p:cNvSpPr txBox="1"/>
-          <p:nvPr>
-            <p:ph type="title"/>
-          </p:nvPr>
-        </p:nvSpPr>
-        <p:spPr>
-          <a:prstGeom prst="rect">
-            <a:avLst/>
-          </a:prstGeom>
-        </p:spPr>
-        <p:txBody>
-          <a:bodyPr/>
-          <a:lstStyle>
-            <a:lvl1pPr defTabSz="886968">
-              <a:defRPr sz="2910"/>
-            </a:lvl1pPr>
-          </a:lstStyle>
-          <a:p>
-            <a:pPr/>
-            <a:r>
-              <a:t>framing</a:t>
-            </a:r>
-          </a:p>
-        </p:txBody>
-      </p:sp>
-      <p:pic>
-        <p:nvPicPr>
-          <p:cNvPr id="171" name="Image" descr="Image"/>
-          <p:cNvPicPr>
-            <a:picLocks noChangeAspect="1"/>
-          </p:cNvPicPr>
-          <p:nvPr/>
-        </p:nvPicPr>
-        <p:blipFill>
-          <a:blip r:embed="rId3">
-            <a:extLst/>
-          </a:blip>
-          <a:stretch>
-            <a:fillRect/>
-          </a:stretch>
-        </p:blipFill>
-        <p:spPr>
-          <a:xfrm>
-            <a:off x="251394" y="1554284"/>
-            <a:ext cx="3352801" cy="2425701"/>
-          </a:xfrm>
-          <a:prstGeom prst="rect">
-            <a:avLst/>
-          </a:prstGeom>
-          <a:ln w="12700">
-            <a:miter lim="400000"/>
-          </a:ln>
-        </p:spPr>
-      </p:pic>
-      <p:sp>
-        <p:nvSpPr>
-          <p:cNvPr id="172" name="what: Use how to solve it to solve complex word problems…"/>
-          <p:cNvSpPr txBox="1"/>
-          <p:nvPr/>
-        </p:nvSpPr>
-        <p:spPr>
-          <a:xfrm>
-            <a:off x="3682386" y="1584122"/>
-            <a:ext cx="4838766" cy="3002402"/>
-          </a:xfrm>
-          <a:prstGeom prst="rect">
-            <a:avLst/>
-          </a:prstGeom>
-          <a:ln w="12700">
-            <a:miter lim="400000"/>
-          </a:ln>
-          <a:extLst>
-            <a:ext uri="{C572A759-6A51-4108-AA02-DFA0A04FC94B}">
-              <ma14:wrappingTextBoxFlag xmlns:ma14="http://schemas.microsoft.com/office/mac/drawingml/2011/main" val="1"/>
-            </a:ext>
-          </a:extLst>
-        </p:spPr>
-        <p:txBody>
-          <a:bodyPr lIns="91423" tIns="91423" rIns="91423" bIns="91423">
-            <a:normAutofit fontScale="100000" lnSpcReduction="0"/>
-          </a:bodyPr>
-          <a:lstStyle/>
-          <a:p>
-            <a:pPr marL="457200" indent="-342900">
-              <a:lnSpc>
-                <a:spcPct val="115000"/>
-              </a:lnSpc>
-              <a:buClr>
-                <a:srgbClr val="000000"/>
-              </a:buClr>
-              <a:buSzPts val="1800"/>
-              <a:buFont typeface="Helvetica"/>
-              <a:buChar char="●"/>
-              <a:defRPr b="1" sz="1800">
-                <a:solidFill>
-                  <a:srgbClr val="000000"/>
-                </a:solidFill>
-                <a:latin typeface="Lato"/>
-                <a:ea typeface="Lato"/>
-                <a:cs typeface="Lato"/>
-                <a:sym typeface="Lato"/>
-              </a:defRPr>
-            </a:pPr>
-            <a:r>
-              <a:t>what: </a:t>
-            </a:r>
-            <a:r>
-              <a:rPr b="0"/>
-              <a:t>Use </a:t>
-            </a:r>
-            <a:r>
-              <a:rPr b="0" i="1" u="sng"/>
-              <a:t>how to solve it</a:t>
-            </a:r>
-            <a:r>
-              <a:rPr b="0" i="1"/>
-              <a:t> </a:t>
-            </a:r>
-            <a:r>
-              <a:rPr b="0"/>
-              <a:t>to solve complex word problems</a:t>
-            </a:r>
-            <a:endParaRPr b="0"/>
-          </a:p>
-          <a:p>
-            <a:pPr marL="457200" indent="-342900">
-              <a:lnSpc>
-                <a:spcPct val="115000"/>
-              </a:lnSpc>
-              <a:buClr>
-                <a:srgbClr val="000000"/>
-              </a:buClr>
-              <a:buSzPts val="1800"/>
-              <a:buFont typeface="Helvetica"/>
-              <a:buChar char="●"/>
-              <a:defRPr b="1" sz="1800">
-                <a:solidFill>
-                  <a:srgbClr val="000000"/>
-                </a:solidFill>
-                <a:latin typeface="Lato"/>
-                <a:ea typeface="Lato"/>
-                <a:cs typeface="Lato"/>
-                <a:sym typeface="Lato"/>
-              </a:defRPr>
-            </a:pPr>
-            <a:r>
-              <a:t>why: </a:t>
-            </a:r>
-            <a:r>
-              <a:rPr b="0"/>
-              <a:t>This will help us break down difficult problems into smaller parts so we can apply our fundamental math skills!</a:t>
-            </a:r>
-            <a:endParaRPr b="0"/>
-          </a:p>
-          <a:p>
-            <a:pPr marL="457200" indent="-342900">
-              <a:lnSpc>
-                <a:spcPct val="115000"/>
-              </a:lnSpc>
-              <a:buClr>
-                <a:srgbClr val="000000"/>
-              </a:buClr>
-              <a:buSzPts val="1800"/>
-              <a:buFont typeface="Helvetica"/>
-              <a:buChar char="●"/>
-              <a:defRPr b="1" sz="1800">
-                <a:solidFill>
-                  <a:srgbClr val="000000"/>
-                </a:solidFill>
-                <a:latin typeface="Lato"/>
-                <a:ea typeface="Lato"/>
-                <a:cs typeface="Lato"/>
-                <a:sym typeface="Lato"/>
-              </a:defRPr>
-            </a:pPr>
-            <a:r>
-              <a:t>where to: </a:t>
-            </a:r>
-            <a:r>
-              <a:rPr b="0"/>
-              <a:t>Fun with polynomial functions</a:t>
-            </a:r>
-          </a:p>
-        </p:txBody>
-      </p:sp>
-    </p:spTree>
-  </p:cSld>
-  <p:clrMapOvr>
-    <a:masterClrMapping/>
-  </p:clrMapOvr>
-  <p:transition xmlns:p14="http://schemas.microsoft.com/office/powerpoint/2010/main" spd="med" advClick="1"/>
-  <p:timing>
-    <p:tnLst>
-      <p:par>
-        <p:cTn id="1" nodeType="tmRoot" restart="never" dur="indefinite" fill="hold">
-          <p:childTnLst>
-            <p:seq concurrent="1" prevAc="none" nextAc="seek">
-              <p:cTn id="2" nodeType="mainSeq" dur="indefinite" fill="hold">
-                <p:childTnLst>
-                  <p:par>
-                    <p:cTn id="3" fill="hold">
-                      <p:stCondLst>
-                        <p:cond delay="indefinite"/>
-                      </p:stCondLst>
-                      <p:childTnLst>
-                        <p:par>
-                          <p:cTn id="4" fill="hold">
-                            <p:stCondLst>
-                              <p:cond delay="0"/>
-                            </p:stCondLst>
-                            <p:childTnLst>
-                              <p:par>
-                                <p:cTn id="5" presetClass="entr" nodeType="clickEffect" presetSubtype="0" presetID="1" grpId="1" fill="hold">
-                                  <p:stCondLst>
-                                    <p:cond delay="0"/>
-                                  </p:stCondLst>
-                                  <p:iterate type="el" backwards="0">
-                                    <p:tmAbs val="0"/>
-                                  </p:iterate>
-                                  <p:childTnLst>
-                                    <p:set>
-                                      <p:cBhvr>
-                                        <p:cTn id="6" fill="hold"/>
-                                        <p:tgtEl>
-                                          <p:spTgt spid="172">
+                                          <p:spTgt spid="184">
                                             <p:bg/>
                                           </p:spTgt>
                                         </p:tgtEl>
@@ -6688,7 +7960,7 @@
                                       <p:cBhvr>
                                         <p:cTn id="8" fill="hold"/>
                                         <p:tgtEl>
-                                          <p:spTgt spid="172">
+                                          <p:spTgt spid="184">
                                             <p:txEl>
                                               <p:pRg st="0" end="0"/>
                                             </p:txEl>
@@ -6736,7 +8008,7 @@
                                       <p:cBhvr>
                                         <p:cTn id="12" fill="hold"/>
                                         <p:tgtEl>
-                                          <p:spTgt spid="172">
+                                          <p:spTgt spid="184">
                                             <p:txEl>
                                               <p:pRg st="1" end="1"/>
                                             </p:txEl>
@@ -6784,7 +8056,7 @@
                                       <p:cBhvr>
                                         <p:cTn id="16" fill="hold"/>
                                         <p:tgtEl>
-                                          <p:spTgt spid="172">
+                                          <p:spTgt spid="184">
                                             <p:txEl>
                                               <p:pRg st="2" end="2"/>
                                             </p:txEl>
@@ -6829,1235 +8101,7 @@
       </p:par>
     </p:tnLst>
     <p:bldLst>
-      <p:bldP build="p" bldLvl="5" animBg="1" rev="0" advAuto="0" spid="172" grpId="1"/>
-    </p:bldLst>
-  </p:timing>
-</p:sld>
-</file>
-
-<file path=ppt/slides/slide4.xml><?xml version="1.0" encoding="utf-8"?>
-<p:sld xmlns:a="http://schemas.openxmlformats.org/drawingml/2006/main" xmlns:r="http://schemas.openxmlformats.org/officeDocument/2006/relationships" xmlns:p="http://schemas.openxmlformats.org/presentationml/2006/main" xmlns:m="http://schemas.openxmlformats.org/officeDocument/2006/math" xmlns:a14="http://schemas.microsoft.com/office/drawing/2010/main" showMasterSp="1" showMasterPhAnim="1">
-  <p:cSld>
-    <p:spTree>
-      <p:nvGrpSpPr>
-        <p:cNvPr id="1" name=""/>
-        <p:cNvGrpSpPr/>
-        <p:nvPr/>
-      </p:nvGrpSpPr>
-      <p:grpSpPr>
-        <a:xfrm>
-          <a:off x="0" y="0"/>
-          <a:ext cx="0" cy="0"/>
-          <a:chOff x="0" y="0"/>
-          <a:chExt cx="0" cy="0"/>
-        </a:xfrm>
-      </p:grpSpPr>
-      <p:sp>
-        <p:nvSpPr>
-          <p:cNvPr id="176" name="A pebble is dropped into a calm pond, causing ripples in the form of concentric circles. The radius (in feet) of the outermost ripple is given by r , where t is the time (in seconds) after the pebble strikes the water. The area of the circle is given by "/>
-          <p:cNvSpPr txBox="1"/>
-          <p:nvPr/>
-        </p:nvSpPr>
-        <p:spPr>
-          <a:xfrm>
-            <a:off x="5433981" y="2194846"/>
-            <a:ext cx="3278433" cy="2163508"/>
-          </a:xfrm>
-          <a:prstGeom prst="rect">
-            <a:avLst/>
-          </a:prstGeom>
-          <a:ln w="12700">
-            <a:miter lim="400000"/>
-          </a:ln>
-          <a:extLst>
-            <a:ext uri="{C572A759-6A51-4108-AA02-DFA0A04FC94B}">
-              <ma14:wrappingTextBoxFlag xmlns:ma14="http://schemas.microsoft.com/office/mac/drawingml/2011/main" val="1"/>
-            </a:ext>
-          </a:extLst>
-        </p:spPr>
-        <p:txBody>
-          <a:bodyPr lIns="0" tIns="0" rIns="0" bIns="0"/>
-          <a:lstStyle/>
-          <a:p>
-            <a:pPr>
-              <a:defRPr b="1">
-                <a:solidFill>
-                  <a:srgbClr val="000000"/>
-                </a:solidFill>
-              </a:defRPr>
-            </a:pPr>
-            <a:r>
-              <a:t>A pebble is dropped into a calm pond, causing ripples in the form of concentric circles. The radius (in feet) of the outermost ripple is given by </a:t>
-            </a:r>
-            <a:r>
-              <a:rPr i="1"/>
-              <a:t>r</a:t>
-            </a:r>
-            <a14:m>
-              <m:oMath>
-                <m:r>
-                  <a:rPr xmlns:a="http://schemas.openxmlformats.org/drawingml/2006/main" sz="1650" i="1">
-                    <a:solidFill>
-                      <a:srgbClr val="000000"/>
-                    </a:solidFill>
-                    <a:latin typeface="Cambria Math" panose="02040503050406030204" pitchFamily="18" charset="0"/>
-                  </a:rPr>
-                  <m:t>r</m:t>
-                </m:r>
-                <m:r>
-                  <a:rPr xmlns:a="http://schemas.openxmlformats.org/drawingml/2006/main" sz="1650" i="1">
-                    <a:solidFill>
-                      <a:srgbClr val="000000"/>
-                    </a:solidFill>
-                    <a:latin typeface="Cambria Math" panose="02040503050406030204" pitchFamily="18" charset="0"/>
-                  </a:rPr>
-                  <m:t>(</m:t>
-                </m:r>
-                <m:r>
-                  <a:rPr xmlns:a="http://schemas.openxmlformats.org/drawingml/2006/main" sz="1650" i="1">
-                    <a:solidFill>
-                      <a:srgbClr val="000000"/>
-                    </a:solidFill>
-                    <a:latin typeface="Cambria Math" panose="02040503050406030204" pitchFamily="18" charset="0"/>
-                  </a:rPr>
-                  <m:t>t</m:t>
-                </m:r>
-                <m:r>
-                  <a:rPr xmlns:a="http://schemas.openxmlformats.org/drawingml/2006/main" sz="1650" i="1">
-                    <a:solidFill>
-                      <a:srgbClr val="000000"/>
-                    </a:solidFill>
-                    <a:latin typeface="Cambria Math" panose="02040503050406030204" pitchFamily="18" charset="0"/>
-                  </a:rPr>
-                  <m:t>)</m:t>
-                </m:r>
-                <m:r>
-                  <a:rPr xmlns:a="http://schemas.openxmlformats.org/drawingml/2006/main" sz="1650" i="1">
-                    <a:solidFill>
-                      <a:srgbClr val="000000"/>
-                    </a:solidFill>
-                    <a:latin typeface="Cambria Math" panose="02040503050406030204" pitchFamily="18" charset="0"/>
-                  </a:rPr>
-                  <m:t>=</m:t>
-                </m:r>
-                <m:r>
-                  <a:rPr xmlns:a="http://schemas.openxmlformats.org/drawingml/2006/main" sz="1650" i="1">
-                    <a:solidFill>
-                      <a:srgbClr val="000000"/>
-                    </a:solidFill>
-                    <a:latin typeface="Cambria Math" panose="02040503050406030204" pitchFamily="18" charset="0"/>
-                  </a:rPr>
-                  <m:t>0.6</m:t>
-                </m:r>
-                <m:r>
-                  <a:rPr xmlns:a="http://schemas.openxmlformats.org/drawingml/2006/main" sz="1650" i="1">
-                    <a:solidFill>
-                      <a:srgbClr val="000000"/>
-                    </a:solidFill>
-                    <a:latin typeface="Cambria Math" panose="02040503050406030204" pitchFamily="18" charset="0"/>
-                  </a:rPr>
-                  <m:t>t</m:t>
-                </m:r>
-              </m:oMath>
-            </a14:m>
-            <a:r>
-              <a:t>, where </a:t>
-            </a:r>
-            <a:r>
-              <a:rPr i="1"/>
-              <a:t>t </a:t>
-            </a:r>
-            <a:r>
-              <a:t>is the time (in seconds) after the pebble strikes the water. The area of the circle is given by </a:t>
-            </a:r>
-            <a14:m>
-              <m:oMath>
-                <m:r>
-                  <a:rPr xmlns:a="http://schemas.openxmlformats.org/drawingml/2006/main" sz="1650" i="1">
-                    <a:solidFill>
-                      <a:srgbClr val="000000"/>
-                    </a:solidFill>
-                    <a:latin typeface="Cambria Math" panose="02040503050406030204" pitchFamily="18" charset="0"/>
-                  </a:rPr>
-                  <m:t>A</m:t>
-                </m:r>
-                <m:r>
-                  <a:rPr xmlns:a="http://schemas.openxmlformats.org/drawingml/2006/main" sz="1650" i="1">
-                    <a:solidFill>
-                      <a:srgbClr val="000000"/>
-                    </a:solidFill>
-                    <a:latin typeface="Cambria Math" panose="02040503050406030204" pitchFamily="18" charset="0"/>
-                  </a:rPr>
-                  <m:t>(</m:t>
-                </m:r>
-                <m:r>
-                  <a:rPr xmlns:a="http://schemas.openxmlformats.org/drawingml/2006/main" sz="1650" i="1">
-                    <a:solidFill>
-                      <a:srgbClr val="000000"/>
-                    </a:solidFill>
-                    <a:latin typeface="Cambria Math" panose="02040503050406030204" pitchFamily="18" charset="0"/>
-                  </a:rPr>
-                  <m:t>r</m:t>
-                </m:r>
-                <m:r>
-                  <a:rPr xmlns:a="http://schemas.openxmlformats.org/drawingml/2006/main" sz="1650" i="1">
-                    <a:solidFill>
-                      <a:srgbClr val="000000"/>
-                    </a:solidFill>
-                    <a:latin typeface="Cambria Math" panose="02040503050406030204" pitchFamily="18" charset="0"/>
-                  </a:rPr>
-                  <m:t>)</m:t>
-                </m:r>
-                <m:r>
-                  <a:rPr xmlns:a="http://schemas.openxmlformats.org/drawingml/2006/main" sz="1650" i="1">
-                    <a:solidFill>
-                      <a:srgbClr val="000000"/>
-                    </a:solidFill>
-                    <a:latin typeface="Cambria Math" panose="02040503050406030204" pitchFamily="18" charset="0"/>
-                  </a:rPr>
-                  <m:t>=</m:t>
-                </m:r>
-                <m:r>
-                  <a:rPr xmlns:a="http://schemas.openxmlformats.org/drawingml/2006/main" sz="1650" i="1">
-                    <a:solidFill>
-                      <a:srgbClr val="000000"/>
-                    </a:solidFill>
-                    <a:latin typeface="Cambria Math" panose="02040503050406030204" pitchFamily="18" charset="0"/>
-                  </a:rPr>
-                  <m:t>π</m:t>
-                </m:r>
-                <m:r>
-                  <a:rPr xmlns:a="http://schemas.openxmlformats.org/drawingml/2006/main" sz="1650" i="1">
-                    <a:solidFill>
-                      <a:srgbClr val="000000"/>
-                    </a:solidFill>
-                    <a:latin typeface="Cambria Math" panose="02040503050406030204" pitchFamily="18" charset="0"/>
-                  </a:rPr>
-                  <m:t>r</m:t>
-                </m:r>
-                <m:sSup>
-                  <m:e>
-                    <m:r>
-                      <a:rPr xmlns:a="http://schemas.openxmlformats.org/drawingml/2006/main" sz="1650" i="1">
-                        <a:solidFill>
-                          <a:srgbClr val="000000"/>
-                        </a:solidFill>
-                        <a:latin typeface="Cambria Math" panose="02040503050406030204" pitchFamily="18" charset="0"/>
-                      </a:rPr>
-                      <m:t>t</m:t>
-                    </m:r>
-                  </m:e>
-                  <m:sup>
-                    <m:r>
-                      <a:rPr xmlns:a="http://schemas.openxmlformats.org/drawingml/2006/main" sz="1650" i="1">
-                        <a:solidFill>
-                          <a:srgbClr val="000000"/>
-                        </a:solidFill>
-                        <a:latin typeface="Cambria Math" panose="02040503050406030204" pitchFamily="18" charset="0"/>
-                      </a:rPr>
-                      <m:t>2</m:t>
-                    </m:r>
-                  </m:sup>
-                </m:sSup>
-              </m:oMath>
-            </a14:m>
-            <a:r>
-              <a:t>.  Find the radius of the largest circle after 1.3 seconds.</a:t>
-            </a:r>
-            <a:endParaRPr sz="1200"/>
-          </a:p>
-          <a:p>
-            <a:pPr>
-              <a:defRPr b="1">
-                <a:solidFill>
-                  <a:srgbClr val="000000"/>
-                </a:solidFill>
-              </a:defRPr>
-            </a:pPr>
-            <a:br/>
-          </a:p>
-          <a:p>
-            <a:pPr>
-              <a:defRPr b="1">
-                <a:solidFill>
-                  <a:srgbClr val="000000"/>
-                </a:solidFill>
-              </a:defRPr>
-            </a:pPr>
-            <a:endParaRPr b="0" sz="1200"/>
-          </a:p>
-          <a:p>
-            <a:pPr>
-              <a:defRPr b="1">
-                <a:solidFill>
-                  <a:srgbClr val="000000"/>
-                </a:solidFill>
-              </a:defRPr>
-            </a:pPr>
-            <a:r>
-              <a:t> </a:t>
-            </a:r>
-          </a:p>
-        </p:txBody>
-      </p:sp>
-      <p:sp>
-        <p:nvSpPr>
-          <p:cNvPr id="177" name="Understand the problem:…"/>
-          <p:cNvSpPr txBox="1"/>
-          <p:nvPr/>
-        </p:nvSpPr>
-        <p:spPr>
-          <a:xfrm>
-            <a:off x="1698624" y="546100"/>
-            <a:ext cx="3278433" cy="863600"/>
-          </a:xfrm>
-          <a:prstGeom prst="rect">
-            <a:avLst/>
-          </a:prstGeom>
-          <a:ln w="12700">
-            <a:miter lim="400000"/>
-          </a:ln>
-          <a:extLst>
-            <a:ext uri="{C572A759-6A51-4108-AA02-DFA0A04FC94B}">
-              <ma14:wrappingTextBoxFlag xmlns:ma14="http://schemas.microsoft.com/office/mac/drawingml/2011/main" val="1"/>
-            </a:ext>
-          </a:extLst>
-        </p:spPr>
-        <p:txBody>
-          <a:bodyPr lIns="0" tIns="0" rIns="0" bIns="0">
-            <a:spAutoFit/>
-          </a:bodyPr>
-          <a:lstStyle/>
-          <a:p>
-            <a:pPr marL="187157" indent="-187157">
-              <a:buSzPct val="100000"/>
-              <a:buAutoNum type="arabicPeriod" startAt="1"/>
-            </a:pPr>
-            <a:r>
-              <a:t>Understand the problem:</a:t>
-            </a:r>
-          </a:p>
-          <a:p>
-            <a:pPr lvl="1" marL="695157" indent="-187157">
-              <a:buSzPct val="100000"/>
-              <a:buAutoNum type="alphaLcPeriod" startAt="1"/>
-            </a:pPr>
-            <a:r>
-              <a:t>What information are we given?</a:t>
-            </a:r>
-          </a:p>
-          <a:p>
-            <a:pPr lvl="1" marL="695157" indent="-187157">
-              <a:buSzPct val="100000"/>
-              <a:buAutoNum type="alphaLcPeriod" startAt="1"/>
-            </a:pPr>
-            <a:r>
-              <a:t>What would a sensible answer look like?</a:t>
-            </a:r>
-          </a:p>
-        </p:txBody>
-      </p:sp>
-      <p:pic>
-        <p:nvPicPr>
-          <p:cNvPr id="178" name="Image" descr="Image"/>
-          <p:cNvPicPr>
-            <a:picLocks noChangeAspect="1"/>
-          </p:cNvPicPr>
-          <p:nvPr/>
-        </p:nvPicPr>
-        <p:blipFill>
-          <a:blip r:embed="rId3">
-            <a:extLst/>
-          </a:blip>
-          <a:stretch>
-            <a:fillRect/>
-          </a:stretch>
-        </p:blipFill>
-        <p:spPr>
-          <a:xfrm>
-            <a:off x="5433981" y="480906"/>
-            <a:ext cx="2962756" cy="1638345"/>
-          </a:xfrm>
-          <a:prstGeom prst="rect">
-            <a:avLst/>
-          </a:prstGeom>
-          <a:ln w="12700">
-            <a:miter lim="400000"/>
-          </a:ln>
-        </p:spPr>
-      </p:pic>
-    </p:spTree>
-  </p:cSld>
-  <p:clrMapOvr>
-    <a:masterClrMapping/>
-  </p:clrMapOvr>
-  <p:transition xmlns:p14="http://schemas.microsoft.com/office/powerpoint/2010/main" spd="med" advClick="1"/>
-</p:sld>
-</file>
-
-<file path=ppt/slides/slide5.xml><?xml version="1.0" encoding="utf-8"?>
-<p:sld xmlns:a="http://schemas.openxmlformats.org/drawingml/2006/main" xmlns:r="http://schemas.openxmlformats.org/officeDocument/2006/relationships" xmlns:p="http://schemas.openxmlformats.org/presentationml/2006/main" xmlns:m="http://schemas.openxmlformats.org/officeDocument/2006/math" xmlns:a14="http://schemas.microsoft.com/office/drawing/2010/main" showMasterSp="1" showMasterPhAnim="1">
-  <p:cSld>
-    <p:spTree>
-      <p:nvGrpSpPr>
-        <p:cNvPr id="1" name=""/>
-        <p:cNvGrpSpPr/>
-        <p:nvPr/>
-      </p:nvGrpSpPr>
-      <p:grpSpPr>
-        <a:xfrm>
-          <a:off x="0" y="0"/>
-          <a:ext cx="0" cy="0"/>
-          <a:chOff x="0" y="0"/>
-          <a:chExt cx="0" cy="0"/>
-        </a:xfrm>
-      </p:grpSpPr>
-      <p:sp>
-        <p:nvSpPr>
-          <p:cNvPr id="182" name="A pebble is dropped into a calm pond, causing ripples in the form of concentric circles. The radius (in feet) of the outermost ripple is given by r , where t is the time (in seconds) after the pebble strikes the water. The area of the circle is given by "/>
-          <p:cNvSpPr txBox="1"/>
-          <p:nvPr/>
-        </p:nvSpPr>
-        <p:spPr>
-          <a:xfrm>
-            <a:off x="5433981" y="2194846"/>
-            <a:ext cx="3278433" cy="2163508"/>
-          </a:xfrm>
-          <a:prstGeom prst="rect">
-            <a:avLst/>
-          </a:prstGeom>
-          <a:ln w="12700">
-            <a:miter lim="400000"/>
-          </a:ln>
-          <a:extLst>
-            <a:ext uri="{C572A759-6A51-4108-AA02-DFA0A04FC94B}">
-              <ma14:wrappingTextBoxFlag xmlns:ma14="http://schemas.microsoft.com/office/mac/drawingml/2011/main" val="1"/>
-            </a:ext>
-          </a:extLst>
-        </p:spPr>
-        <p:txBody>
-          <a:bodyPr lIns="0" tIns="0" rIns="0" bIns="0"/>
-          <a:lstStyle/>
-          <a:p>
-            <a:pPr>
-              <a:defRPr b="1">
-                <a:solidFill>
-                  <a:srgbClr val="000000"/>
-                </a:solidFill>
-              </a:defRPr>
-            </a:pPr>
-            <a:r>
-              <a:t>A pebble is dropped into a calm pond, causing ripples in the form of concentric circles. The radius (in feet) of the outermost ripple is given by </a:t>
-            </a:r>
-            <a:r>
-              <a:rPr i="1"/>
-              <a:t>r</a:t>
-            </a:r>
-            <a14:m>
-              <m:oMath>
-                <m:r>
-                  <a:rPr xmlns:a="http://schemas.openxmlformats.org/drawingml/2006/main" sz="1650" i="1">
-                    <a:solidFill>
-                      <a:srgbClr val="000000"/>
-                    </a:solidFill>
-                    <a:latin typeface="Cambria Math" panose="02040503050406030204" pitchFamily="18" charset="0"/>
-                  </a:rPr>
-                  <m:t>r</m:t>
-                </m:r>
-                <m:r>
-                  <a:rPr xmlns:a="http://schemas.openxmlformats.org/drawingml/2006/main" sz="1650" i="1">
-                    <a:solidFill>
-                      <a:srgbClr val="000000"/>
-                    </a:solidFill>
-                    <a:latin typeface="Cambria Math" panose="02040503050406030204" pitchFamily="18" charset="0"/>
-                  </a:rPr>
-                  <m:t>(</m:t>
-                </m:r>
-                <m:r>
-                  <a:rPr xmlns:a="http://schemas.openxmlformats.org/drawingml/2006/main" sz="1650" i="1">
-                    <a:solidFill>
-                      <a:srgbClr val="000000"/>
-                    </a:solidFill>
-                    <a:latin typeface="Cambria Math" panose="02040503050406030204" pitchFamily="18" charset="0"/>
-                  </a:rPr>
-                  <m:t>t</m:t>
-                </m:r>
-                <m:r>
-                  <a:rPr xmlns:a="http://schemas.openxmlformats.org/drawingml/2006/main" sz="1650" i="1">
-                    <a:solidFill>
-                      <a:srgbClr val="000000"/>
-                    </a:solidFill>
-                    <a:latin typeface="Cambria Math" panose="02040503050406030204" pitchFamily="18" charset="0"/>
-                  </a:rPr>
-                  <m:t>)</m:t>
-                </m:r>
-                <m:r>
-                  <a:rPr xmlns:a="http://schemas.openxmlformats.org/drawingml/2006/main" sz="1650" i="1">
-                    <a:solidFill>
-                      <a:srgbClr val="000000"/>
-                    </a:solidFill>
-                    <a:latin typeface="Cambria Math" panose="02040503050406030204" pitchFamily="18" charset="0"/>
-                  </a:rPr>
-                  <m:t>=</m:t>
-                </m:r>
-                <m:r>
-                  <a:rPr xmlns:a="http://schemas.openxmlformats.org/drawingml/2006/main" sz="1650" i="1">
-                    <a:solidFill>
-                      <a:srgbClr val="000000"/>
-                    </a:solidFill>
-                    <a:latin typeface="Cambria Math" panose="02040503050406030204" pitchFamily="18" charset="0"/>
-                  </a:rPr>
-                  <m:t>0.6</m:t>
-                </m:r>
-                <m:r>
-                  <a:rPr xmlns:a="http://schemas.openxmlformats.org/drawingml/2006/main" sz="1650" i="1">
-                    <a:solidFill>
-                      <a:srgbClr val="000000"/>
-                    </a:solidFill>
-                    <a:latin typeface="Cambria Math" panose="02040503050406030204" pitchFamily="18" charset="0"/>
-                  </a:rPr>
-                  <m:t>t</m:t>
-                </m:r>
-              </m:oMath>
-            </a14:m>
-            <a:r>
-              <a:t>, where </a:t>
-            </a:r>
-            <a:r>
-              <a:rPr i="1"/>
-              <a:t>t </a:t>
-            </a:r>
-            <a:r>
-              <a:t>is the time (in seconds) after the pebble strikes the water. The area of the circle is given by </a:t>
-            </a:r>
-            <a14:m>
-              <m:oMath>
-                <m:r>
-                  <a:rPr xmlns:a="http://schemas.openxmlformats.org/drawingml/2006/main" sz="1650" i="1">
-                    <a:solidFill>
-                      <a:srgbClr val="000000"/>
-                    </a:solidFill>
-                    <a:latin typeface="Cambria Math" panose="02040503050406030204" pitchFamily="18" charset="0"/>
-                  </a:rPr>
-                  <m:t>A</m:t>
-                </m:r>
-                <m:r>
-                  <a:rPr xmlns:a="http://schemas.openxmlformats.org/drawingml/2006/main" sz="1650" i="1">
-                    <a:solidFill>
-                      <a:srgbClr val="000000"/>
-                    </a:solidFill>
-                    <a:latin typeface="Cambria Math" panose="02040503050406030204" pitchFamily="18" charset="0"/>
-                  </a:rPr>
-                  <m:t>(</m:t>
-                </m:r>
-                <m:r>
-                  <a:rPr xmlns:a="http://schemas.openxmlformats.org/drawingml/2006/main" sz="1650" i="1">
-                    <a:solidFill>
-                      <a:srgbClr val="000000"/>
-                    </a:solidFill>
-                    <a:latin typeface="Cambria Math" panose="02040503050406030204" pitchFamily="18" charset="0"/>
-                  </a:rPr>
-                  <m:t>r</m:t>
-                </m:r>
-                <m:r>
-                  <a:rPr xmlns:a="http://schemas.openxmlformats.org/drawingml/2006/main" sz="1650" i="1">
-                    <a:solidFill>
-                      <a:srgbClr val="000000"/>
-                    </a:solidFill>
-                    <a:latin typeface="Cambria Math" panose="02040503050406030204" pitchFamily="18" charset="0"/>
-                  </a:rPr>
-                  <m:t>)</m:t>
-                </m:r>
-                <m:r>
-                  <a:rPr xmlns:a="http://schemas.openxmlformats.org/drawingml/2006/main" sz="1650" i="1">
-                    <a:solidFill>
-                      <a:srgbClr val="000000"/>
-                    </a:solidFill>
-                    <a:latin typeface="Cambria Math" panose="02040503050406030204" pitchFamily="18" charset="0"/>
-                  </a:rPr>
-                  <m:t>=</m:t>
-                </m:r>
-                <m:r>
-                  <a:rPr xmlns:a="http://schemas.openxmlformats.org/drawingml/2006/main" sz="1650" i="1">
-                    <a:solidFill>
-                      <a:srgbClr val="000000"/>
-                    </a:solidFill>
-                    <a:latin typeface="Cambria Math" panose="02040503050406030204" pitchFamily="18" charset="0"/>
-                  </a:rPr>
-                  <m:t>π</m:t>
-                </m:r>
-                <m:r>
-                  <a:rPr xmlns:a="http://schemas.openxmlformats.org/drawingml/2006/main" sz="1650" i="1">
-                    <a:solidFill>
-                      <a:srgbClr val="000000"/>
-                    </a:solidFill>
-                    <a:latin typeface="Cambria Math" panose="02040503050406030204" pitchFamily="18" charset="0"/>
-                  </a:rPr>
-                  <m:t>r</m:t>
-                </m:r>
-                <m:sSup>
-                  <m:e>
-                    <m:r>
-                      <a:rPr xmlns:a="http://schemas.openxmlformats.org/drawingml/2006/main" sz="1650" i="1">
-                        <a:solidFill>
-                          <a:srgbClr val="000000"/>
-                        </a:solidFill>
-                        <a:latin typeface="Cambria Math" panose="02040503050406030204" pitchFamily="18" charset="0"/>
-                      </a:rPr>
-                      <m:t>t</m:t>
-                    </m:r>
-                  </m:e>
-                  <m:sup>
-                    <m:r>
-                      <a:rPr xmlns:a="http://schemas.openxmlformats.org/drawingml/2006/main" sz="1650" i="1">
-                        <a:solidFill>
-                          <a:srgbClr val="000000"/>
-                        </a:solidFill>
-                        <a:latin typeface="Cambria Math" panose="02040503050406030204" pitchFamily="18" charset="0"/>
-                      </a:rPr>
-                      <m:t>2</m:t>
-                    </m:r>
-                  </m:sup>
-                </m:sSup>
-              </m:oMath>
-            </a14:m>
-            <a:r>
-              <a:t>.  Find the radius of the largest circle after 1.3 seconds.</a:t>
-            </a:r>
-            <a:endParaRPr sz="1200"/>
-          </a:p>
-          <a:p>
-            <a:pPr>
-              <a:defRPr b="1">
-                <a:solidFill>
-                  <a:srgbClr val="000000"/>
-                </a:solidFill>
-              </a:defRPr>
-            </a:pPr>
-            <a:br/>
-          </a:p>
-          <a:p>
-            <a:pPr>
-              <a:defRPr b="1">
-                <a:solidFill>
-                  <a:srgbClr val="000000"/>
-                </a:solidFill>
-              </a:defRPr>
-            </a:pPr>
-            <a:endParaRPr b="0" sz="1200"/>
-          </a:p>
-          <a:p>
-            <a:pPr>
-              <a:defRPr b="1">
-                <a:solidFill>
-                  <a:srgbClr val="000000"/>
-                </a:solidFill>
-              </a:defRPr>
-            </a:pPr>
-            <a:r>
-              <a:t> </a:t>
-            </a:r>
-          </a:p>
-        </p:txBody>
-      </p:sp>
-      <p:sp>
-        <p:nvSpPr>
-          <p:cNvPr id="183" name="Make a plan:…"/>
-          <p:cNvSpPr txBox="1"/>
-          <p:nvPr/>
-        </p:nvSpPr>
-        <p:spPr>
-          <a:xfrm>
-            <a:off x="1698624" y="546100"/>
-            <a:ext cx="3278433" cy="1295400"/>
-          </a:xfrm>
-          <a:prstGeom prst="rect">
-            <a:avLst/>
-          </a:prstGeom>
-          <a:ln w="12700">
-            <a:miter lim="400000"/>
-          </a:ln>
-          <a:extLst>
-            <a:ext uri="{C572A759-6A51-4108-AA02-DFA0A04FC94B}">
-              <ma14:wrappingTextBoxFlag xmlns:ma14="http://schemas.microsoft.com/office/mac/drawingml/2011/main" val="1"/>
-            </a:ext>
-          </a:extLst>
-        </p:spPr>
-        <p:txBody>
-          <a:bodyPr lIns="0" tIns="0" rIns="0" bIns="0">
-            <a:spAutoFit/>
-          </a:bodyPr>
-          <a:lstStyle/>
-          <a:p>
-            <a:pPr marL="187157" indent="-187157">
-              <a:buSzPct val="100000"/>
-              <a:buAutoNum type="arabicPeriod" startAt="2"/>
-            </a:pPr>
-            <a:r>
-              <a:t>Make a plan:</a:t>
-            </a:r>
-          </a:p>
-          <a:p>
-            <a:pPr lvl="1" marL="695157" indent="-187157">
-              <a:buSzPct val="100000"/>
-              <a:buAutoNum type="alphaLcPeriod" startAt="1"/>
-            </a:pPr>
-            <a:r>
-              <a:t>How does this problem resembles problems we’ve already seen?</a:t>
-            </a:r>
-          </a:p>
-          <a:p>
-            <a:pPr lvl="1" marL="695157" indent="-187157">
-              <a:buSzPct val="100000"/>
-              <a:buAutoNum type="alphaLcPeriod" startAt="1"/>
-            </a:pPr>
-            <a:r>
-              <a:t>What would be a good first step?</a:t>
-            </a:r>
-          </a:p>
-        </p:txBody>
-      </p:sp>
-      <p:pic>
-        <p:nvPicPr>
-          <p:cNvPr id="184" name="Image" descr="Image"/>
-          <p:cNvPicPr>
-            <a:picLocks noChangeAspect="1"/>
-          </p:cNvPicPr>
-          <p:nvPr/>
-        </p:nvPicPr>
-        <p:blipFill>
-          <a:blip r:embed="rId3">
-            <a:extLst/>
-          </a:blip>
-          <a:stretch>
-            <a:fillRect/>
-          </a:stretch>
-        </p:blipFill>
-        <p:spPr>
-          <a:xfrm>
-            <a:off x="5433981" y="480906"/>
-            <a:ext cx="2962756" cy="1638345"/>
-          </a:xfrm>
-          <a:prstGeom prst="rect">
-            <a:avLst/>
-          </a:prstGeom>
-          <a:ln w="12700">
-            <a:miter lim="400000"/>
-          </a:ln>
-        </p:spPr>
-      </p:pic>
-    </p:spTree>
-  </p:cSld>
-  <p:clrMapOvr>
-    <a:masterClrMapping/>
-  </p:clrMapOvr>
-  <p:transition xmlns:p14="http://schemas.microsoft.com/office/powerpoint/2010/main" spd="med" advClick="1"/>
-</p:sld>
-</file>
-
-<file path=ppt/slides/slide6.xml><?xml version="1.0" encoding="utf-8"?>
-<p:sld xmlns:a="http://schemas.openxmlformats.org/drawingml/2006/main" xmlns:r="http://schemas.openxmlformats.org/officeDocument/2006/relationships" xmlns:p="http://schemas.openxmlformats.org/presentationml/2006/main" xmlns:m="http://schemas.openxmlformats.org/officeDocument/2006/math" xmlns:a14="http://schemas.microsoft.com/office/drawing/2010/main" showMasterSp="1" showMasterPhAnim="1">
-  <p:cSld>
-    <p:spTree>
-      <p:nvGrpSpPr>
-        <p:cNvPr id="1" name=""/>
-        <p:cNvGrpSpPr/>
-        <p:nvPr/>
-      </p:nvGrpSpPr>
-      <p:grpSpPr>
-        <a:xfrm>
-          <a:off x="0" y="0"/>
-          <a:ext cx="0" cy="0"/>
-          <a:chOff x="0" y="0"/>
-          <a:chExt cx="0" cy="0"/>
-        </a:xfrm>
-      </p:grpSpPr>
-      <p:sp>
-        <p:nvSpPr>
-          <p:cNvPr id="188" name="A pebble is dropped into a calm pond, causing ripples in the form of concentric circles. The radius (in feet) of the outermost ripple is given by r , where t is the time (in seconds) after the pebble strikes the water. The area of the circle is given by "/>
-          <p:cNvSpPr txBox="1"/>
-          <p:nvPr/>
-        </p:nvSpPr>
-        <p:spPr>
-          <a:xfrm>
-            <a:off x="5433981" y="2194846"/>
-            <a:ext cx="3278433" cy="2163508"/>
-          </a:xfrm>
-          <a:prstGeom prst="rect">
-            <a:avLst/>
-          </a:prstGeom>
-          <a:ln w="12700">
-            <a:miter lim="400000"/>
-          </a:ln>
-          <a:extLst>
-            <a:ext uri="{C572A759-6A51-4108-AA02-DFA0A04FC94B}">
-              <ma14:wrappingTextBoxFlag xmlns:ma14="http://schemas.microsoft.com/office/mac/drawingml/2011/main" val="1"/>
-            </a:ext>
-          </a:extLst>
-        </p:spPr>
-        <p:txBody>
-          <a:bodyPr lIns="0" tIns="0" rIns="0" bIns="0"/>
-          <a:lstStyle/>
-          <a:p>
-            <a:pPr>
-              <a:defRPr b="1">
-                <a:solidFill>
-                  <a:srgbClr val="000000"/>
-                </a:solidFill>
-              </a:defRPr>
-            </a:pPr>
-            <a:r>
-              <a:t>A pebble is dropped into a calm pond, causing ripples in the form of concentric circles. The radius (in feet) of the outermost ripple is given by </a:t>
-            </a:r>
-            <a:r>
-              <a:rPr i="1"/>
-              <a:t>r</a:t>
-            </a:r>
-            <a14:m>
-              <m:oMath>
-                <m:r>
-                  <a:rPr xmlns:a="http://schemas.openxmlformats.org/drawingml/2006/main" sz="1650" i="1">
-                    <a:solidFill>
-                      <a:srgbClr val="000000"/>
-                    </a:solidFill>
-                    <a:latin typeface="Cambria Math" panose="02040503050406030204" pitchFamily="18" charset="0"/>
-                  </a:rPr>
-                  <m:t>r</m:t>
-                </m:r>
-                <m:r>
-                  <a:rPr xmlns:a="http://schemas.openxmlformats.org/drawingml/2006/main" sz="1650" i="1">
-                    <a:solidFill>
-                      <a:srgbClr val="000000"/>
-                    </a:solidFill>
-                    <a:latin typeface="Cambria Math" panose="02040503050406030204" pitchFamily="18" charset="0"/>
-                  </a:rPr>
-                  <m:t>(</m:t>
-                </m:r>
-                <m:r>
-                  <a:rPr xmlns:a="http://schemas.openxmlformats.org/drawingml/2006/main" sz="1650" i="1">
-                    <a:solidFill>
-                      <a:srgbClr val="000000"/>
-                    </a:solidFill>
-                    <a:latin typeface="Cambria Math" panose="02040503050406030204" pitchFamily="18" charset="0"/>
-                  </a:rPr>
-                  <m:t>t</m:t>
-                </m:r>
-                <m:r>
-                  <a:rPr xmlns:a="http://schemas.openxmlformats.org/drawingml/2006/main" sz="1650" i="1">
-                    <a:solidFill>
-                      <a:srgbClr val="000000"/>
-                    </a:solidFill>
-                    <a:latin typeface="Cambria Math" panose="02040503050406030204" pitchFamily="18" charset="0"/>
-                  </a:rPr>
-                  <m:t>)</m:t>
-                </m:r>
-                <m:r>
-                  <a:rPr xmlns:a="http://schemas.openxmlformats.org/drawingml/2006/main" sz="1650" i="1">
-                    <a:solidFill>
-                      <a:srgbClr val="000000"/>
-                    </a:solidFill>
-                    <a:latin typeface="Cambria Math" panose="02040503050406030204" pitchFamily="18" charset="0"/>
-                  </a:rPr>
-                  <m:t>=</m:t>
-                </m:r>
-                <m:r>
-                  <a:rPr xmlns:a="http://schemas.openxmlformats.org/drawingml/2006/main" sz="1650" i="1">
-                    <a:solidFill>
-                      <a:srgbClr val="000000"/>
-                    </a:solidFill>
-                    <a:latin typeface="Cambria Math" panose="02040503050406030204" pitchFamily="18" charset="0"/>
-                  </a:rPr>
-                  <m:t>0.6</m:t>
-                </m:r>
-                <m:r>
-                  <a:rPr xmlns:a="http://schemas.openxmlformats.org/drawingml/2006/main" sz="1650" i="1">
-                    <a:solidFill>
-                      <a:srgbClr val="000000"/>
-                    </a:solidFill>
-                    <a:latin typeface="Cambria Math" panose="02040503050406030204" pitchFamily="18" charset="0"/>
-                  </a:rPr>
-                  <m:t>t</m:t>
-                </m:r>
-              </m:oMath>
-            </a14:m>
-            <a:r>
-              <a:t>, where </a:t>
-            </a:r>
-            <a:r>
-              <a:rPr i="1"/>
-              <a:t>t </a:t>
-            </a:r>
-            <a:r>
-              <a:t>is the time (in seconds) after the pebble strikes the water. The area of the circle is given by </a:t>
-            </a:r>
-            <a14:m>
-              <m:oMath>
-                <m:r>
-                  <a:rPr xmlns:a="http://schemas.openxmlformats.org/drawingml/2006/main" sz="1650" i="1">
-                    <a:solidFill>
-                      <a:srgbClr val="000000"/>
-                    </a:solidFill>
-                    <a:latin typeface="Cambria Math" panose="02040503050406030204" pitchFamily="18" charset="0"/>
-                  </a:rPr>
-                  <m:t>A</m:t>
-                </m:r>
-                <m:r>
-                  <a:rPr xmlns:a="http://schemas.openxmlformats.org/drawingml/2006/main" sz="1650" i="1">
-                    <a:solidFill>
-                      <a:srgbClr val="000000"/>
-                    </a:solidFill>
-                    <a:latin typeface="Cambria Math" panose="02040503050406030204" pitchFamily="18" charset="0"/>
-                  </a:rPr>
-                  <m:t>(</m:t>
-                </m:r>
-                <m:r>
-                  <a:rPr xmlns:a="http://schemas.openxmlformats.org/drawingml/2006/main" sz="1650" i="1">
-                    <a:solidFill>
-                      <a:srgbClr val="000000"/>
-                    </a:solidFill>
-                    <a:latin typeface="Cambria Math" panose="02040503050406030204" pitchFamily="18" charset="0"/>
-                  </a:rPr>
-                  <m:t>r</m:t>
-                </m:r>
-                <m:r>
-                  <a:rPr xmlns:a="http://schemas.openxmlformats.org/drawingml/2006/main" sz="1650" i="1">
-                    <a:solidFill>
-                      <a:srgbClr val="000000"/>
-                    </a:solidFill>
-                    <a:latin typeface="Cambria Math" panose="02040503050406030204" pitchFamily="18" charset="0"/>
-                  </a:rPr>
-                  <m:t>)</m:t>
-                </m:r>
-                <m:r>
-                  <a:rPr xmlns:a="http://schemas.openxmlformats.org/drawingml/2006/main" sz="1650" i="1">
-                    <a:solidFill>
-                      <a:srgbClr val="000000"/>
-                    </a:solidFill>
-                    <a:latin typeface="Cambria Math" panose="02040503050406030204" pitchFamily="18" charset="0"/>
-                  </a:rPr>
-                  <m:t>=</m:t>
-                </m:r>
-                <m:r>
-                  <a:rPr xmlns:a="http://schemas.openxmlformats.org/drawingml/2006/main" sz="1650" i="1">
-                    <a:solidFill>
-                      <a:srgbClr val="000000"/>
-                    </a:solidFill>
-                    <a:latin typeface="Cambria Math" panose="02040503050406030204" pitchFamily="18" charset="0"/>
-                  </a:rPr>
-                  <m:t>π</m:t>
-                </m:r>
-                <m:r>
-                  <a:rPr xmlns:a="http://schemas.openxmlformats.org/drawingml/2006/main" sz="1650" i="1">
-                    <a:solidFill>
-                      <a:srgbClr val="000000"/>
-                    </a:solidFill>
-                    <a:latin typeface="Cambria Math" panose="02040503050406030204" pitchFamily="18" charset="0"/>
-                  </a:rPr>
-                  <m:t>r</m:t>
-                </m:r>
-                <m:sSup>
-                  <m:e>
-                    <m:r>
-                      <a:rPr xmlns:a="http://schemas.openxmlformats.org/drawingml/2006/main" sz="1650" i="1">
-                        <a:solidFill>
-                          <a:srgbClr val="000000"/>
-                        </a:solidFill>
-                        <a:latin typeface="Cambria Math" panose="02040503050406030204" pitchFamily="18" charset="0"/>
-                      </a:rPr>
-                      <m:t>t</m:t>
-                    </m:r>
-                  </m:e>
-                  <m:sup>
-                    <m:r>
-                      <a:rPr xmlns:a="http://schemas.openxmlformats.org/drawingml/2006/main" sz="1650" i="1">
-                        <a:solidFill>
-                          <a:srgbClr val="000000"/>
-                        </a:solidFill>
-                        <a:latin typeface="Cambria Math" panose="02040503050406030204" pitchFamily="18" charset="0"/>
-                      </a:rPr>
-                      <m:t>2</m:t>
-                    </m:r>
-                  </m:sup>
-                </m:sSup>
-              </m:oMath>
-            </a14:m>
-            <a:r>
-              <a:t>.  Find the radius of the largest circle after 1.3 seconds.</a:t>
-            </a:r>
-            <a:endParaRPr sz="1200"/>
-          </a:p>
-          <a:p>
-            <a:pPr>
-              <a:defRPr b="1">
-                <a:solidFill>
-                  <a:srgbClr val="000000"/>
-                </a:solidFill>
-              </a:defRPr>
-            </a:pPr>
-            <a:br/>
-          </a:p>
-          <a:p>
-            <a:pPr>
-              <a:defRPr b="1">
-                <a:solidFill>
-                  <a:srgbClr val="000000"/>
-                </a:solidFill>
-              </a:defRPr>
-            </a:pPr>
-            <a:endParaRPr b="0" sz="1200"/>
-          </a:p>
-          <a:p>
-            <a:pPr>
-              <a:defRPr b="1">
-                <a:solidFill>
-                  <a:srgbClr val="000000"/>
-                </a:solidFill>
-              </a:defRPr>
-            </a:pPr>
-            <a:r>
-              <a:t> </a:t>
-            </a:r>
-          </a:p>
-        </p:txBody>
-      </p:sp>
-      <p:sp>
-        <p:nvSpPr>
-          <p:cNvPr id="189" name="Execute your  plan…"/>
-          <p:cNvSpPr txBox="1"/>
-          <p:nvPr/>
-        </p:nvSpPr>
-        <p:spPr>
-          <a:xfrm>
-            <a:off x="1698624" y="546100"/>
-            <a:ext cx="3278433" cy="431800"/>
-          </a:xfrm>
-          <a:prstGeom prst="rect">
-            <a:avLst/>
-          </a:prstGeom>
-          <a:ln w="12700">
-            <a:miter lim="400000"/>
-          </a:ln>
-          <a:extLst>
-            <a:ext uri="{C572A759-6A51-4108-AA02-DFA0A04FC94B}">
-              <ma14:wrappingTextBoxFlag xmlns:ma14="http://schemas.microsoft.com/office/mac/drawingml/2011/main" val="1"/>
-            </a:ext>
-          </a:extLst>
-        </p:spPr>
-        <p:txBody>
-          <a:bodyPr lIns="0" tIns="0" rIns="0" bIns="0">
-            <a:spAutoFit/>
-          </a:bodyPr>
-          <a:lstStyle/>
-          <a:p>
-            <a:pPr marL="187157" indent="-187157">
-              <a:buSzPct val="100000"/>
-              <a:buAutoNum type="arabicPeriod" startAt="3"/>
-            </a:pPr>
-            <a:r>
-              <a:t>Execute your  plan</a:t>
-            </a:r>
-          </a:p>
-          <a:p>
-            <a:pPr marL="187157" indent="-187157">
-              <a:buSzPct val="100000"/>
-              <a:buAutoNum type="arabicPeriod" startAt="3"/>
-            </a:pPr>
-            <a:r>
-              <a:t>Review your work</a:t>
-            </a:r>
-          </a:p>
-        </p:txBody>
-      </p:sp>
-      <p:pic>
-        <p:nvPicPr>
-          <p:cNvPr id="190" name="Image" descr="Image"/>
-          <p:cNvPicPr>
-            <a:picLocks noChangeAspect="1"/>
-          </p:cNvPicPr>
-          <p:nvPr/>
-        </p:nvPicPr>
-        <p:blipFill>
-          <a:blip r:embed="rId3">
-            <a:extLst/>
-          </a:blip>
-          <a:stretch>
-            <a:fillRect/>
-          </a:stretch>
-        </p:blipFill>
-        <p:spPr>
-          <a:xfrm>
-            <a:off x="5433981" y="480906"/>
-            <a:ext cx="2962756" cy="1638345"/>
-          </a:xfrm>
-          <a:prstGeom prst="rect">
-            <a:avLst/>
-          </a:prstGeom>
-          <a:ln w="12700">
-            <a:miter lim="400000"/>
-          </a:ln>
-        </p:spPr>
-      </p:pic>
-    </p:spTree>
-  </p:cSld>
-  <p:clrMapOvr>
-    <a:masterClrMapping/>
-  </p:clrMapOvr>
-  <p:transition xmlns:p14="http://schemas.microsoft.com/office/powerpoint/2010/main" spd="med" advClick="1"/>
-  <p:timing>
-    <p:tnLst>
-      <p:par>
-        <p:cTn id="1" nodeType="tmRoot" restart="never" dur="indefinite" fill="hold">
-          <p:childTnLst>
-            <p:seq concurrent="1" prevAc="none" nextAc="seek">
-              <p:cTn id="2" nodeType="mainSeq" dur="indefinite" fill="hold">
-                <p:childTnLst>
-                  <p:par>
-                    <p:cTn id="3" fill="hold">
-                      <p:stCondLst>
-                        <p:cond delay="indefinite"/>
-                      </p:stCondLst>
-                      <p:childTnLst>
-                        <p:par>
-                          <p:cTn id="4" fill="hold">
-                            <p:stCondLst>
-                              <p:cond delay="0"/>
-                            </p:stCondLst>
-                            <p:childTnLst>
-                              <p:par>
-                                <p:cTn id="5" presetClass="entr" nodeType="clickEffect" presetSubtype="0" presetID="1" grpId="1" fill="hold">
-                                  <p:stCondLst>
-                                    <p:cond delay="0"/>
-                                  </p:stCondLst>
-                                  <p:iterate type="el" backwards="0">
-                                    <p:tmAbs val="0"/>
-                                  </p:iterate>
-                                  <p:childTnLst>
-                                    <p:set>
-                                      <p:cBhvr>
-                                        <p:cTn id="6" fill="hold"/>
-                                        <p:tgtEl>
-                                          <p:spTgt spid="189">
-                                            <p:bg/>
-                                          </p:spTgt>
-                                        </p:tgtEl>
-                                        <p:attrNameLst>
-                                          <p:attrName>style.visibility</p:attrName>
-                                        </p:attrNameLst>
-                                      </p:cBhvr>
-                                      <p:to>
-                                        <p:strVal val="visible"/>
-                                      </p:to>
-                                    </p:set>
-                                  </p:childTnLst>
-                                </p:cTn>
-                              </p:par>
-                              <p:par>
-                                <p:cTn id="7" presetClass="entr" nodeType="withEffect" presetSubtype="0" presetID="1" grpId="1" fill="hold">
-                                  <p:stCondLst>
-                                    <p:cond delay="0"/>
-                                  </p:stCondLst>
-                                  <p:iterate type="el" backwards="0">
-                                    <p:tmAbs val="0"/>
-                                  </p:iterate>
-                                  <p:childTnLst>
-                                    <p:set>
-                                      <p:cBhvr>
-                                        <p:cTn id="8" fill="hold"/>
-                                        <p:tgtEl>
-                                          <p:spTgt spid="189">
-                                            <p:txEl>
-                                              <p:pRg st="0" end="0"/>
-                                            </p:txEl>
-                                          </p:spTgt>
-                                        </p:tgtEl>
-                                        <p:attrNameLst>
-                                          <p:attrName>style.visibility</p:attrName>
-                                        </p:attrNameLst>
-                                      </p:cBhvr>
-                                      <p:to>
-                                        <p:strVal val="visible"/>
-                                      </p:to>
-                                    </p:set>
-                                  </p:childTnLst>
-                                </p:cTn>
-                              </p:par>
-                            </p:childTnLst>
-                          </p:cTn>
-                        </p:par>
-                      </p:childTnLst>
-                    </p:cTn>
-                  </p:par>
-                  <p:par>
-                    <p:cTn id="9" fill="hold">
-                      <p:stCondLst>
-                        <p:cond delay="indefinite"/>
-                      </p:stCondLst>
-                      <p:childTnLst>
-                        <p:par>
-                          <p:cTn id="10" fill="hold">
-                            <p:stCondLst>
-                              <p:cond delay="0"/>
-                            </p:stCondLst>
-                            <p:childTnLst>
-                              <p:par>
-                                <p:cTn id="11" presetClass="entr" nodeType="clickEffect" presetSubtype="0" presetID="1" grpId="1" fill="hold">
-                                  <p:stCondLst>
-                                    <p:cond delay="0"/>
-                                  </p:stCondLst>
-                                  <p:iterate type="el" backwards="0">
-                                    <p:tmAbs val="0"/>
-                                  </p:iterate>
-                                  <p:childTnLst>
-                                    <p:set>
-                                      <p:cBhvr>
-                                        <p:cTn id="12" fill="hold"/>
-                                        <p:tgtEl>
-                                          <p:spTgt spid="189">
-                                            <p:txEl>
-                                              <p:pRg st="1" end="1"/>
-                                            </p:txEl>
-                                          </p:spTgt>
-                                        </p:tgtEl>
-                                        <p:attrNameLst>
-                                          <p:attrName>style.visibility</p:attrName>
-                                        </p:attrNameLst>
-                                      </p:cBhvr>
-                                      <p:to>
-                                        <p:strVal val="visible"/>
-                                      </p:to>
-                                    </p:set>
-                                  </p:childTnLst>
-                                </p:cTn>
-                              </p:par>
-                            </p:childTnLst>
-                          </p:cTn>
-                        </p:par>
-                      </p:childTnLst>
-                    </p:cTn>
-                  </p:par>
-                </p:childTnLst>
-              </p:cTn>
-              <p:prevCondLst>
-                <p:cond evt="onPrev">
-                  <p:tgtEl>
-                    <p:sldTgt/>
-                  </p:tgtEl>
-                </p:cond>
-              </p:prevCondLst>
-              <p:nextCondLst>
-                <p:cond evt="onNext">
-                  <p:tgtEl>
-                    <p:sldTgt/>
-                  </p:tgtEl>
-                </p:cond>
-              </p:nextCondLst>
-            </p:seq>
-          </p:childTnLst>
-        </p:cTn>
-      </p:par>
-    </p:tnLst>
-    <p:bldLst>
-      <p:bldP build="p" bldLvl="5" animBg="1" rev="0" advAuto="0" spid="189" grpId="1"/>
+      <p:bldP build="p" bldLvl="5" animBg="1" rev="0" advAuto="0" spid="184" grpId="1"/>
     </p:bldLst>
   </p:timing>
 </p:sld>
@@ -8082,17 +8126,13 @@
       </p:grpSpPr>
       <p:sp>
         <p:nvSpPr>
-          <p:cNvPr id="194" name="activity"/>
+          <p:cNvPr id="189" name="The problem"/>
           <p:cNvSpPr txBox="1"/>
           <p:nvPr>
             <p:ph type="title"/>
           </p:nvPr>
         </p:nvSpPr>
         <p:spPr>
-          <a:xfrm>
-            <a:off x="2439023" y="487782"/>
-            <a:ext cx="6321602" cy="635402"/>
-          </a:xfrm>
           <a:prstGeom prst="rect">
             <a:avLst/>
           </a:prstGeom>
@@ -8100,31 +8140,27 @@
         <p:txBody>
           <a:bodyPr/>
           <a:lstStyle>
-            <a:lvl1pPr defTabSz="448055">
-              <a:defRPr sz="1470"/>
+            <a:lvl1pPr defTabSz="886968">
+              <a:defRPr sz="2910"/>
             </a:lvl1pPr>
           </a:lstStyle>
           <a:p>
             <a:pPr/>
             <a:r>
-              <a:t>activity</a:t>
-            </a:r>
-          </a:p>
-        </p:txBody>
-      </p:sp>
-      <p:sp>
-        <p:nvSpPr>
-          <p:cNvPr id="195" name="Understand the problem!  What question are you answering and what would be a reasonable answer?…"/>
+              <a:t>The problem</a:t>
+            </a:r>
+          </a:p>
+        </p:txBody>
+      </p:sp>
+      <p:sp>
+        <p:nvSpPr>
+          <p:cNvPr id="190" name="If you write your equation like this:…"/>
           <p:cNvSpPr txBox="1"/>
           <p:nvPr>
-            <p:ph type="body" sz="half" idx="1"/>
+            <p:ph type="body" idx="1"/>
           </p:nvPr>
         </p:nvSpPr>
         <p:spPr>
-          <a:xfrm>
-            <a:off x="323856" y="1776280"/>
-            <a:ext cx="3590905" cy="3002402"/>
-          </a:xfrm>
           <a:prstGeom prst="rect">
             <a:avLst/>
           </a:prstGeom>
@@ -8133,203 +8169,181 @@
           <a:bodyPr/>
           <a:lstStyle/>
           <a:p>
-            <a:pPr marL="180473" indent="-180473" defTabSz="685800">
+            <a:pPr marL="0" indent="0">
               <a:buClrTx/>
-              <a:buSzPct val="100000"/>
+              <a:buSzTx/>
               <a:buFontTx/>
-              <a:buAutoNum type="arabicPeriod" startAt="1"/>
-              <a:defRPr sz="1350"/>
+              <a:buNone/>
             </a:pPr>
             <a:r>
-              <a:rPr b="1"/>
-              <a:t>Understand the problem! </a:t>
-            </a:r>
-            <a:br>
-              <a:rPr b="1"/>
-            </a:br>
-            <a:r>
-              <a:t>What question are you answering and what would be a reasonable answer?</a:t>
-            </a:r>
-          </a:p>
-          <a:p>
-            <a:pPr marL="180473" indent="-180473" defTabSz="685800">
+              <a:t>If you write your equation like this:</a:t>
+            </a:r>
+          </a:p>
+          <a:p>
+            <a:pPr marL="0" indent="0">
               <a:buClrTx/>
-              <a:buSzPct val="100000"/>
+              <a:buSzTx/>
               <a:buFontTx/>
-              <a:buAutoNum type="arabicPeriod" startAt="1"/>
-              <a:defRPr b="1" sz="1350"/>
+              <a:buNone/>
             </a:pPr>
-            <a:r>
-              <a:t>Make a plan!</a:t>
-            </a:r>
-            <a:br/>
-            <a:r>
-              <a:rPr b="0"/>
-              <a:t>What combination of function will you use? </a:t>
-            </a:r>
-            <a:endParaRPr b="0"/>
-          </a:p>
-          <a:p>
-            <a:pPr marL="180473" indent="-180473" defTabSz="685800">
+          </a:p>
+          <a:p>
+            <a:pPr marL="0" indent="0">
               <a:buClrTx/>
-              <a:buSzPct val="100000"/>
+              <a:buSzTx/>
               <a:buFontTx/>
-              <a:buAutoNum type="arabicPeriod" startAt="1"/>
-              <a:defRPr b="1" sz="1350"/>
+              <a:buNone/>
             </a:pPr>
-            <a:r>
-              <a:t>Execute plan!</a:t>
-            </a:r>
-            <a:br>
-              <a:rPr b="0"/>
-            </a:br>
-            <a:r>
-              <a:rPr b="0"/>
-              <a:t>Show all your work</a:t>
-            </a:r>
-            <a:endParaRPr b="0"/>
-          </a:p>
-          <a:p>
-            <a:pPr marL="180473" indent="-180473" defTabSz="685800">
+            <a14:m>
+              <m:oMathPara>
+                <m:oMathParaPr>
+                  <m:jc m:val="left"/>
+                </m:oMathParaPr>
+                <m:oMath>
+                  <m:r>
+                    <a:rPr xmlns:a="http://schemas.openxmlformats.org/drawingml/2006/main" sz="2100" i="1">
+                      <a:solidFill>
+                        <a:srgbClr val="000000"/>
+                      </a:solidFill>
+                      <a:latin typeface="Cambria Math" panose="02040503050406030204" pitchFamily="18" charset="0"/>
+                    </a:rPr>
+                    <m:t>f</m:t>
+                  </m:r>
+                  <m:r>
+                    <a:rPr xmlns:a="http://schemas.openxmlformats.org/drawingml/2006/main" sz="2100" i="1">
+                      <a:solidFill>
+                        <a:srgbClr val="000000"/>
+                      </a:solidFill>
+                      <a:latin typeface="Cambria Math" panose="02040503050406030204" pitchFamily="18" charset="0"/>
+                    </a:rPr>
+                    <m:t>(</m:t>
+                  </m:r>
+                  <m:r>
+                    <a:rPr xmlns:a="http://schemas.openxmlformats.org/drawingml/2006/main" sz="2100" i="1">
+                      <a:solidFill>
+                        <a:srgbClr val="000000"/>
+                      </a:solidFill>
+                      <a:latin typeface="Cambria Math" panose="02040503050406030204" pitchFamily="18" charset="0"/>
+                    </a:rPr>
+                    <m:t>x</m:t>
+                  </m:r>
+                  <m:r>
+                    <a:rPr xmlns:a="http://schemas.openxmlformats.org/drawingml/2006/main" sz="2100" i="1">
+                      <a:solidFill>
+                        <a:srgbClr val="000000"/>
+                      </a:solidFill>
+                      <a:latin typeface="Cambria Math" panose="02040503050406030204" pitchFamily="18" charset="0"/>
+                    </a:rPr>
+                    <m:t>)</m:t>
+                  </m:r>
+                  <m:r>
+                    <a:rPr xmlns:a="http://schemas.openxmlformats.org/drawingml/2006/main" sz="2100" i="1">
+                      <a:solidFill>
+                        <a:srgbClr val="000000"/>
+                      </a:solidFill>
+                      <a:latin typeface="Cambria Math" panose="02040503050406030204" pitchFamily="18" charset="0"/>
+                    </a:rPr>
+                    <m:t>=</m:t>
+                  </m:r>
+                  <m:r>
+                    <a:rPr xmlns:a="http://schemas.openxmlformats.org/drawingml/2006/main" sz="2100" i="1">
+                      <a:solidFill>
+                        <a:srgbClr val="000000"/>
+                      </a:solidFill>
+                      <a:latin typeface="Cambria Math" panose="02040503050406030204" pitchFamily="18" charset="0"/>
+                    </a:rPr>
+                    <m:t>a</m:t>
+                  </m:r>
+                  <m:sSup>
+                    <m:e>
+                      <m:r>
+                        <a:rPr xmlns:a="http://schemas.openxmlformats.org/drawingml/2006/main" sz="2100" i="1">
+                          <a:solidFill>
+                            <a:srgbClr val="000000"/>
+                          </a:solidFill>
+                          <a:latin typeface="Cambria Math" panose="02040503050406030204" pitchFamily="18" charset="0"/>
+                        </a:rPr>
+                        <m:t>x</m:t>
+                      </m:r>
+                    </m:e>
+                    <m:sup>
+                      <m:r>
+                        <a:rPr xmlns:a="http://schemas.openxmlformats.org/drawingml/2006/main" sz="2100" i="1">
+                          <a:solidFill>
+                            <a:srgbClr val="000000"/>
+                          </a:solidFill>
+                          <a:latin typeface="Cambria Math" panose="02040503050406030204" pitchFamily="18" charset="0"/>
+                        </a:rPr>
+                        <m:t>2</m:t>
+                      </m:r>
+                    </m:sup>
+                  </m:sSup>
+                  <m:r>
+                    <a:rPr xmlns:a="http://schemas.openxmlformats.org/drawingml/2006/main" sz="2100" i="1">
+                      <a:solidFill>
+                        <a:srgbClr val="000000"/>
+                      </a:solidFill>
+                      <a:latin typeface="Cambria Math" panose="02040503050406030204" pitchFamily="18" charset="0"/>
+                    </a:rPr>
+                    <m:t>+</m:t>
+                  </m:r>
+                  <m:r>
+                    <a:rPr xmlns:a="http://schemas.openxmlformats.org/drawingml/2006/main" sz="2100" i="1">
+                      <a:solidFill>
+                        <a:srgbClr val="000000"/>
+                      </a:solidFill>
+                      <a:latin typeface="Cambria Math" panose="02040503050406030204" pitchFamily="18" charset="0"/>
+                    </a:rPr>
+                    <m:t>b</m:t>
+                  </m:r>
+                  <m:r>
+                    <a:rPr xmlns:a="http://schemas.openxmlformats.org/drawingml/2006/main" sz="2100" i="1">
+                      <a:solidFill>
+                        <a:srgbClr val="000000"/>
+                      </a:solidFill>
+                      <a:latin typeface="Cambria Math" panose="02040503050406030204" pitchFamily="18" charset="0"/>
+                    </a:rPr>
+                    <m:t>x</m:t>
+                  </m:r>
+                  <m:r>
+                    <a:rPr xmlns:a="http://schemas.openxmlformats.org/drawingml/2006/main" sz="2100" i="1">
+                      <a:solidFill>
+                        <a:srgbClr val="000000"/>
+                      </a:solidFill>
+                      <a:latin typeface="Cambria Math" panose="02040503050406030204" pitchFamily="18" charset="0"/>
+                    </a:rPr>
+                    <m:t>+</m:t>
+                  </m:r>
+                  <m:r>
+                    <a:rPr xmlns:a="http://schemas.openxmlformats.org/drawingml/2006/main" sz="2100" i="1">
+                      <a:solidFill>
+                        <a:srgbClr val="000000"/>
+                      </a:solidFill>
+                      <a:latin typeface="Cambria Math" panose="02040503050406030204" pitchFamily="18" charset="0"/>
+                    </a:rPr>
+                    <m:t>c</m:t>
+                  </m:r>
+                </m:oMath>
+              </m:oMathPara>
+            </a14:m>
+          </a:p>
+          <a:p>
+            <a:pPr marL="0" indent="0">
               <a:buClrTx/>
-              <a:buSzPct val="100000"/>
+              <a:buSzTx/>
               <a:buFontTx/>
-              <a:buAutoNum type="arabicPeriod" startAt="1"/>
-              <a:defRPr b="1" sz="1350"/>
+              <a:buNone/>
             </a:pPr>
-            <a:r>
-              <a:t>Review your plan</a:t>
-            </a:r>
-            <a:br/>
-            <a:r>
-              <a:rPr b="0"/>
-              <a:t>Does your answer make sense? How can you solve it better?</a:t>
-            </a:r>
-            <a:br>
-              <a:rPr b="0"/>
-            </a:br>
-          </a:p>
-        </p:txBody>
-      </p:sp>
-      <p:pic>
-        <p:nvPicPr>
-          <p:cNvPr id="196" name="Image" descr="Image"/>
-          <p:cNvPicPr>
-            <a:picLocks noChangeAspect="1"/>
-          </p:cNvPicPr>
-          <p:nvPr/>
-        </p:nvPicPr>
-        <p:blipFill>
-          <a:blip r:embed="rId3">
-            <a:extLst/>
-          </a:blip>
-          <a:stretch>
-            <a:fillRect/>
-          </a:stretch>
-        </p:blipFill>
-        <p:spPr>
-          <a:xfrm>
-            <a:off x="5191866" y="1687902"/>
-            <a:ext cx="1943537" cy="2914234"/>
-          </a:xfrm>
-          <a:prstGeom prst="rect">
-            <a:avLst/>
-          </a:prstGeom>
-          <a:ln w="12700">
-            <a:miter lim="400000"/>
-          </a:ln>
-        </p:spPr>
-      </p:pic>
-      <p:sp>
-        <p:nvSpPr>
-          <p:cNvPr id="197" name="Google Shape;118;p19"/>
-          <p:cNvSpPr txBox="1"/>
-          <p:nvPr/>
-        </p:nvSpPr>
-        <p:spPr>
-          <a:xfrm>
-            <a:off x="1424036" y="575950"/>
-            <a:ext cx="7302727" cy="1059081"/>
-          </a:xfrm>
-          <a:prstGeom prst="rect">
-            <a:avLst/>
-          </a:prstGeom>
-          <a:solidFill>
-            <a:srgbClr val="FFFFFF"/>
-          </a:solidFill>
-          <a:ln w="25400">
-            <a:solidFill>
-              <a:schemeClr val="accent1"/>
-            </a:solidFill>
-          </a:ln>
-          <a:extLst>
-            <a:ext uri="{C572A759-6A51-4108-AA02-DFA0A04FC94B}">
-              <ma14:wrappingTextBoxFlag xmlns:ma14="http://schemas.microsoft.com/office/mac/drawingml/2011/main" val="1"/>
-            </a:ext>
-          </a:extLst>
-        </p:spPr>
-        <p:txBody>
-          <a:bodyPr lIns="91423" tIns="91423" rIns="91423" bIns="91423">
-            <a:normAutofit fontScale="100000" lnSpcReduction="0"/>
-          </a:bodyPr>
-          <a:lstStyle/>
-          <a:p>
-            <a:pPr>
-              <a:defRPr sz="2400">
-                <a:latin typeface="+mn-lt"/>
-                <a:ea typeface="+mn-ea"/>
-                <a:cs typeface="+mn-cs"/>
-                <a:sym typeface="Arial"/>
-              </a:defRPr>
+          </a:p>
+          <a:p>
+            <a:pPr marL="0" indent="0">
+              <a:buClrTx/>
+              <a:buSzTx/>
+              <a:buFontTx/>
+              <a:buNone/>
             </a:pPr>
             <a:r>
-              <a:t>activity</a:t>
-            </a:r>
-          </a:p>
-          <a:p>
-            <a:pPr>
-              <a:defRPr>
-                <a:solidFill>
-                  <a:schemeClr val="accent3">
-                    <a:lumOff val="-9098"/>
-                  </a:schemeClr>
-                </a:solidFill>
-              </a:defRPr>
-            </a:pPr>
-            <a:r>
-              <a:rPr>
-                <a:solidFill>
-                  <a:schemeClr val="accent5"/>
-                </a:solidFill>
-              </a:rPr>
-              <a:t>be sure to:</a:t>
-            </a:r>
-            <a:r>
-              <a:rPr>
-                <a:solidFill>
-                  <a:schemeClr val="accent5">
-                    <a:lumOff val="-9843"/>
-                  </a:schemeClr>
-                </a:solidFill>
-              </a:rPr>
-              <a:t> </a:t>
-            </a:r>
-            <a:r>
-              <a:t>Work with </a:t>
-            </a:r>
-            <a:r>
-              <a:rPr b="1"/>
-              <a:t>one (!) </a:t>
-            </a:r>
-            <a:r>
-              <a:t>neighbor (someone </a:t>
-            </a:r>
-            <a:r>
-              <a:rPr u="sng"/>
-              <a:t>right</a:t>
-            </a:r>
-            <a:r>
-              <a:t> next to you!). Answer the questions below for each problem.</a:t>
+              <a:t>How can you figure out how it’s being shifted from the parent function?</a:t>
             </a:r>
           </a:p>
         </p:txBody>
@@ -8340,304 +8354,6 @@
     <a:masterClrMapping/>
   </p:clrMapOvr>
   <p:transition xmlns:p14="http://schemas.microsoft.com/office/powerpoint/2010/main" spd="med" advClick="1"/>
-  <p:timing>
-    <p:tnLst>
-      <p:par>
-        <p:cTn id="1" nodeType="tmRoot" restart="never" dur="indefinite" fill="hold">
-          <p:childTnLst>
-            <p:seq concurrent="1" prevAc="none" nextAc="seek">
-              <p:cTn id="2" nodeType="mainSeq" dur="indefinite" fill="hold">
-                <p:childTnLst>
-                  <p:par>
-                    <p:cTn id="3" fill="hold">
-                      <p:stCondLst>
-                        <p:cond delay="indefinite"/>
-                      </p:stCondLst>
-                      <p:childTnLst>
-                        <p:par>
-                          <p:cTn id="4" fill="hold">
-                            <p:stCondLst>
-                              <p:cond delay="0"/>
-                            </p:stCondLst>
-                            <p:childTnLst>
-                              <p:par>
-                                <p:cTn id="5" presetClass="entr" nodeType="clickEffect" presetSubtype="0" presetID="1" grpId="1" fill="hold">
-                                  <p:stCondLst>
-                                    <p:cond delay="0"/>
-                                  </p:stCondLst>
-                                  <p:iterate type="el" backwards="0">
-                                    <p:tmAbs val="0"/>
-                                  </p:iterate>
-                                  <p:childTnLst>
-                                    <p:set>
-                                      <p:cBhvr>
-                                        <p:cTn id="6" fill="hold"/>
-                                        <p:tgtEl>
-                                          <p:spTgt spid="195">
-                                            <p:bg/>
-                                          </p:spTgt>
-                                        </p:tgtEl>
-                                        <p:attrNameLst>
-                                          <p:attrName>style.visibility</p:attrName>
-                                        </p:attrNameLst>
-                                      </p:cBhvr>
-                                      <p:to>
-                                        <p:strVal val="visible"/>
-                                      </p:to>
-                                    </p:set>
-                                  </p:childTnLst>
-                                </p:cTn>
-                              </p:par>
-                              <p:par>
-                                <p:cTn id="7" presetClass="entr" nodeType="withEffect" presetSubtype="0" presetID="1" grpId="1" fill="hold">
-                                  <p:stCondLst>
-                                    <p:cond delay="0"/>
-                                  </p:stCondLst>
-                                  <p:iterate type="el" backwards="0">
-                                    <p:tmAbs val="0"/>
-                                  </p:iterate>
-                                  <p:childTnLst>
-                                    <p:set>
-                                      <p:cBhvr>
-                                        <p:cTn id="8" fill="hold"/>
-                                        <p:tgtEl>
-                                          <p:spTgt spid="195">
-                                            <p:txEl>
-                                              <p:pRg st="0" end="0"/>
-                                            </p:txEl>
-                                          </p:spTgt>
-                                        </p:tgtEl>
-                                        <p:attrNameLst>
-                                          <p:attrName>style.visibility</p:attrName>
-                                        </p:attrNameLst>
-                                      </p:cBhvr>
-                                      <p:to>
-                                        <p:strVal val="visible"/>
-                                      </p:to>
-                                    </p:set>
-                                  </p:childTnLst>
-                                </p:cTn>
-                              </p:par>
-                            </p:childTnLst>
-                          </p:cTn>
-                        </p:par>
-                      </p:childTnLst>
-                    </p:cTn>
-                  </p:par>
-                  <p:par>
-                    <p:cTn id="9" fill="hold">
-                      <p:stCondLst>
-                        <p:cond delay="indefinite"/>
-                      </p:stCondLst>
-                      <p:childTnLst>
-                        <p:par>
-                          <p:cTn id="10" fill="hold">
-                            <p:stCondLst>
-                              <p:cond delay="0"/>
-                            </p:stCondLst>
-                            <p:childTnLst>
-                              <p:par>
-                                <p:cTn id="11" presetClass="entr" nodeType="clickEffect" presetSubtype="0" presetID="1" grpId="1" fill="hold">
-                                  <p:stCondLst>
-                                    <p:cond delay="0"/>
-                                  </p:stCondLst>
-                                  <p:iterate type="el" backwards="0">
-                                    <p:tmAbs val="0"/>
-                                  </p:iterate>
-                                  <p:childTnLst>
-                                    <p:set>
-                                      <p:cBhvr>
-                                        <p:cTn id="12" fill="hold"/>
-                                        <p:tgtEl>
-                                          <p:spTgt spid="195">
-                                            <p:txEl>
-                                              <p:pRg st="1" end="1"/>
-                                            </p:txEl>
-                                          </p:spTgt>
-                                        </p:tgtEl>
-                                        <p:attrNameLst>
-                                          <p:attrName>style.visibility</p:attrName>
-                                        </p:attrNameLst>
-                                      </p:cBhvr>
-                                      <p:to>
-                                        <p:strVal val="visible"/>
-                                      </p:to>
-                                    </p:set>
-                                  </p:childTnLst>
-                                </p:cTn>
-                              </p:par>
-                            </p:childTnLst>
-                          </p:cTn>
-                        </p:par>
-                      </p:childTnLst>
-                    </p:cTn>
-                  </p:par>
-                  <p:par>
-                    <p:cTn id="13" fill="hold">
-                      <p:stCondLst>
-                        <p:cond delay="indefinite"/>
-                      </p:stCondLst>
-                      <p:childTnLst>
-                        <p:par>
-                          <p:cTn id="14" fill="hold">
-                            <p:stCondLst>
-                              <p:cond delay="0"/>
-                            </p:stCondLst>
-                            <p:childTnLst>
-                              <p:par>
-                                <p:cTn id="15" presetClass="entr" nodeType="clickEffect" presetSubtype="0" presetID="1" grpId="1" fill="hold">
-                                  <p:stCondLst>
-                                    <p:cond delay="0"/>
-                                  </p:stCondLst>
-                                  <p:iterate type="el" backwards="0">
-                                    <p:tmAbs val="0"/>
-                                  </p:iterate>
-                                  <p:childTnLst>
-                                    <p:set>
-                                      <p:cBhvr>
-                                        <p:cTn id="16" fill="hold"/>
-                                        <p:tgtEl>
-                                          <p:spTgt spid="195">
-                                            <p:txEl>
-                                              <p:pRg st="2" end="2"/>
-                                            </p:txEl>
-                                          </p:spTgt>
-                                        </p:tgtEl>
-                                        <p:attrNameLst>
-                                          <p:attrName>style.visibility</p:attrName>
-                                        </p:attrNameLst>
-                                      </p:cBhvr>
-                                      <p:to>
-                                        <p:strVal val="visible"/>
-                                      </p:to>
-                                    </p:set>
-                                  </p:childTnLst>
-                                </p:cTn>
-                              </p:par>
-                            </p:childTnLst>
-                          </p:cTn>
-                        </p:par>
-                      </p:childTnLst>
-                    </p:cTn>
-                  </p:par>
-                  <p:par>
-                    <p:cTn id="17" fill="hold">
-                      <p:stCondLst>
-                        <p:cond delay="indefinite"/>
-                      </p:stCondLst>
-                      <p:childTnLst>
-                        <p:par>
-                          <p:cTn id="18" fill="hold">
-                            <p:stCondLst>
-                              <p:cond delay="0"/>
-                            </p:stCondLst>
-                            <p:childTnLst>
-                              <p:par>
-                                <p:cTn id="19" presetClass="entr" nodeType="clickEffect" presetSubtype="0" presetID="1" grpId="1" fill="hold">
-                                  <p:stCondLst>
-                                    <p:cond delay="0"/>
-                                  </p:stCondLst>
-                                  <p:iterate type="el" backwards="0">
-                                    <p:tmAbs val="0"/>
-                                  </p:iterate>
-                                  <p:childTnLst>
-                                    <p:set>
-                                      <p:cBhvr>
-                                        <p:cTn id="20" fill="hold"/>
-                                        <p:tgtEl>
-                                          <p:spTgt spid="195">
-                                            <p:txEl>
-                                              <p:pRg st="3" end="3"/>
-                                            </p:txEl>
-                                          </p:spTgt>
-                                        </p:tgtEl>
-                                        <p:attrNameLst>
-                                          <p:attrName>style.visibility</p:attrName>
-                                        </p:attrNameLst>
-                                      </p:cBhvr>
-                                      <p:to>
-                                        <p:strVal val="visible"/>
-                                      </p:to>
-                                    </p:set>
-                                  </p:childTnLst>
-                                </p:cTn>
-                              </p:par>
-                            </p:childTnLst>
-                          </p:cTn>
-                        </p:par>
-                      </p:childTnLst>
-                    </p:cTn>
-                  </p:par>
-                  <p:par>
-                    <p:cTn id="21" fill="hold">
-                      <p:stCondLst>
-                        <p:cond delay="indefinite"/>
-                      </p:stCondLst>
-                      <p:childTnLst>
-                        <p:par>
-                          <p:cTn id="22" fill="hold">
-                            <p:stCondLst>
-                              <p:cond delay="0"/>
-                            </p:stCondLst>
-                            <p:childTnLst>
-                              <p:par>
-                                <p:cTn id="23" presetClass="entr" nodeType="clickEffect" presetSubtype="0" presetID="1" grpId="2" fill="hold">
-                                  <p:stCondLst>
-                                    <p:cond delay="0"/>
-                                  </p:stCondLst>
-                                  <p:iterate type="el" backwards="0">
-                                    <p:tmAbs val="0"/>
-                                  </p:iterate>
-                                  <p:childTnLst>
-                                    <p:set>
-                                      <p:cBhvr>
-                                        <p:cTn id="24" fill="hold"/>
-                                        <p:tgtEl>
-                                          <p:spTgt spid="196"/>
-                                        </p:tgtEl>
-                                        <p:attrNameLst>
-                                          <p:attrName>style.visibility</p:attrName>
-                                        </p:attrNameLst>
-                                      </p:cBhvr>
-                                      <p:to>
-                                        <p:strVal val="visible"/>
-                                      </p:to>
-                                    </p:set>
-                                  </p:childTnLst>
-                                </p:cTn>
-                              </p:par>
-                            </p:childTnLst>
-                          </p:cTn>
-                        </p:par>
-                      </p:childTnLst>
-                    </p:cTn>
-                  </p:par>
-                </p:childTnLst>
-              </p:cTn>
-              <p:prevCondLst>
-                <p:cond evt="onPrev">
-                  <p:tgtEl>
-                    <p:sldTgt/>
-                  </p:tgtEl>
-                </p:cond>
-              </p:prevCondLst>
-              <p:nextCondLst>
-                <p:cond evt="onNext">
-                  <p:tgtEl>
-                    <p:sldTgt/>
-                  </p:tgtEl>
-                </p:cond>
-              </p:nextCondLst>
-            </p:seq>
-          </p:childTnLst>
-        </p:cTn>
-      </p:par>
-    </p:tnLst>
-    <p:bldLst>
-      <p:bldP build="whole" bldLvl="1" animBg="1" rev="0" advAuto="0" spid="196" grpId="2"/>
-      <p:bldP build="p" bldLvl="5" animBg="1" rev="0" advAuto="0" spid="195" grpId="1"/>
-    </p:bldLst>
-  </p:timing>
 </p:sld>
 </file>
 
@@ -8660,7 +8376,7 @@
       </p:grpSpPr>
       <p:sp>
         <p:nvSpPr>
-          <p:cNvPr id="201" name="Double-tap to edit"/>
+          <p:cNvPr id="194" name="Double-click to edit"/>
           <p:cNvSpPr txBox="1"/>
           <p:nvPr>
             <p:ph type="title"/>
@@ -8683,45 +8399,14 @@
       </p:sp>
       <p:sp>
         <p:nvSpPr>
-          <p:cNvPr id="202" name="Double-tap to edit"/>
+          <p:cNvPr id="195" name="Equation"/>
           <p:cNvSpPr txBox="1"/>
-          <p:nvPr>
-            <p:ph type="body" idx="1"/>
-          </p:nvPr>
-        </p:nvSpPr>
-        <p:spPr>
-          <a:prstGeom prst="rect">
-            <a:avLst/>
-          </a:prstGeom>
-        </p:spPr>
-        <p:txBody>
-          <a:bodyPr/>
-          <a:lstStyle/>
-          <a:p>
-            <a:pPr/>
-          </a:p>
-        </p:txBody>
-      </p:sp>
-      <p:pic>
-        <p:nvPicPr>
-          <p:cNvPr id="203" name="Image" descr="Image"/>
-          <p:cNvPicPr>
-            <a:picLocks noChangeAspect="1"/>
-          </p:cNvPicPr>
           <p:nvPr/>
-        </p:nvPicPr>
-        <p:blipFill>
-          <a:blip r:embed="rId3">
-            <a:extLst/>
-          </a:blip>
-          <a:stretch>
-            <a:fillRect/>
-          </a:stretch>
-        </p:blipFill>
+        </p:nvSpPr>
         <p:spPr>
           <a:xfrm>
-            <a:off x="578055" y="1381990"/>
-            <a:ext cx="8394701" cy="2463801"/>
+            <a:off x="824642" y="1487063"/>
+            <a:ext cx="1341418" cy="187928"/>
           </a:xfrm>
           <a:prstGeom prst="rect">
             <a:avLst/>
@@ -8730,7 +8415,150 @@
             <a:miter lim="400000"/>
           </a:ln>
         </p:spPr>
-      </p:pic>
+        <p:txBody>
+          <a:bodyPr wrap="none" lIns="0" tIns="0" rIns="0" bIns="0">
+            <a:spAutoFit/>
+          </a:bodyPr>
+          <a:lstStyle/>
+          <a:p>
+            <a:pPr latinLnBrk="1">
+              <a:defRPr sz="1800">
+                <a:solidFill>
+                  <a:srgbClr val="000000"/>
+                </a:solidFill>
+              </a:defRPr>
+            </a:pPr>
+            <a14:m>
+              <m:oMathPara>
+                <m:oMathParaPr>
+                  <m:jc m:val="centerGroup"/>
+                </m:oMathParaPr>
+                <m:oMath>
+                  <m:r>
+                    <a:rPr xmlns:a="http://schemas.openxmlformats.org/drawingml/2006/main" sz="1400" i="1">
+                      <a:solidFill>
+                        <a:srgbClr val="F46524"/>
+                      </a:solidFill>
+                      <a:latin typeface="Cambria Math" panose="02040503050406030204" pitchFamily="18" charset="0"/>
+                    </a:rPr>
+                    <m:t>f</m:t>
+                  </m:r>
+                  <m:r>
+                    <a:rPr xmlns:a="http://schemas.openxmlformats.org/drawingml/2006/main" sz="1400" i="1">
+                      <a:solidFill>
+                        <a:srgbClr val="F46524"/>
+                      </a:solidFill>
+                      <a:latin typeface="Cambria Math" panose="02040503050406030204" pitchFamily="18" charset="0"/>
+                    </a:rPr>
+                    <m:t>(</m:t>
+                  </m:r>
+                  <m:r>
+                    <a:rPr xmlns:a="http://schemas.openxmlformats.org/drawingml/2006/main" sz="1400" i="1">
+                      <a:solidFill>
+                        <a:srgbClr val="F46524"/>
+                      </a:solidFill>
+                      <a:latin typeface="Cambria Math" panose="02040503050406030204" pitchFamily="18" charset="0"/>
+                    </a:rPr>
+                    <m:t>x</m:t>
+                  </m:r>
+                  <m:r>
+                    <a:rPr xmlns:a="http://schemas.openxmlformats.org/drawingml/2006/main" sz="1400" i="1">
+                      <a:solidFill>
+                        <a:srgbClr val="F46524"/>
+                      </a:solidFill>
+                      <a:latin typeface="Cambria Math" panose="02040503050406030204" pitchFamily="18" charset="0"/>
+                    </a:rPr>
+                    <m:t>)</m:t>
+                  </m:r>
+                  <m:r>
+                    <a:rPr xmlns:a="http://schemas.openxmlformats.org/drawingml/2006/main" sz="1400" i="1">
+                      <a:solidFill>
+                        <a:srgbClr val="F46524"/>
+                      </a:solidFill>
+                      <a:latin typeface="Cambria Math" panose="02040503050406030204" pitchFamily="18" charset="0"/>
+                    </a:rPr>
+                    <m:t>=</m:t>
+                  </m:r>
+                  <m:sSup>
+                    <m:e>
+                      <m:r>
+                        <a:rPr xmlns:a="http://schemas.openxmlformats.org/drawingml/2006/main" sz="1400" i="1">
+                          <a:solidFill>
+                            <a:srgbClr val="F46524"/>
+                          </a:solidFill>
+                          <a:latin typeface="Cambria Math" panose="02040503050406030204" pitchFamily="18" charset="0"/>
+                        </a:rPr>
+                        <m:t>x</m:t>
+                      </m:r>
+                    </m:e>
+                    <m:sup>
+                      <m:r>
+                        <a:rPr xmlns:a="http://schemas.openxmlformats.org/drawingml/2006/main" sz="1400" i="1">
+                          <a:solidFill>
+                            <a:srgbClr val="F46524"/>
+                          </a:solidFill>
+                          <a:latin typeface="Cambria Math" panose="02040503050406030204" pitchFamily="18" charset="0"/>
+                        </a:rPr>
+                        <m:t>2</m:t>
+                      </m:r>
+                    </m:sup>
+                  </m:sSup>
+                  <m:r>
+                    <a:rPr xmlns:a="http://schemas.openxmlformats.org/drawingml/2006/main" sz="1400" i="1">
+                      <a:solidFill>
+                        <a:srgbClr val="F46524"/>
+                      </a:solidFill>
+                      <a:latin typeface="Cambria Math" panose="02040503050406030204" pitchFamily="18" charset="0"/>
+                    </a:rPr>
+                    <m:t>+</m:t>
+                  </m:r>
+                  <m:r>
+                    <a:rPr xmlns:a="http://schemas.openxmlformats.org/drawingml/2006/main" sz="1400" i="1">
+                      <a:solidFill>
+                        <a:srgbClr val="F46524"/>
+                      </a:solidFill>
+                      <a:latin typeface="Cambria Math" panose="02040503050406030204" pitchFamily="18" charset="0"/>
+                    </a:rPr>
+                    <m:t>4</m:t>
+                  </m:r>
+                  <m:r>
+                    <a:rPr xmlns:a="http://schemas.openxmlformats.org/drawingml/2006/main" sz="1400" i="1">
+                      <a:solidFill>
+                        <a:srgbClr val="F46524"/>
+                      </a:solidFill>
+                      <a:latin typeface="Cambria Math" panose="02040503050406030204" pitchFamily="18" charset="0"/>
+                    </a:rPr>
+                    <m:t>x</m:t>
+                  </m:r>
+                  <m:r>
+                    <a:rPr xmlns:a="http://schemas.openxmlformats.org/drawingml/2006/main" sz="1400" i="1">
+                      <a:solidFill>
+                        <a:srgbClr val="F46524"/>
+                      </a:solidFill>
+                      <a:latin typeface="Cambria Math" panose="02040503050406030204" pitchFamily="18" charset="0"/>
+                    </a:rPr>
+                    <m:t>+</m:t>
+                  </m:r>
+                  <m:r>
+                    <a:rPr xmlns:a="http://schemas.openxmlformats.org/drawingml/2006/main" sz="1400" i="1">
+                      <a:solidFill>
+                        <a:srgbClr val="F46524"/>
+                      </a:solidFill>
+                      <a:latin typeface="Cambria Math" panose="02040503050406030204" pitchFamily="18" charset="0"/>
+                    </a:rPr>
+                    <m:t>7</m:t>
+                  </m:r>
+                </m:oMath>
+              </m:oMathPara>
+            </a14:m>
+            <a:endParaRPr sz="1400">
+              <a:solidFill>
+                <a:srgbClr val="F46524"/>
+              </a:solidFill>
+            </a:endParaRPr>
+          </a:p>
+        </p:txBody>
+      </p:sp>
     </p:spTree>
   </p:cSld>
   <p:clrMapOvr>
@@ -8759,7 +8587,7 @@
       </p:grpSpPr>
       <p:sp>
         <p:nvSpPr>
-          <p:cNvPr id="207" name="Double-tap to edit"/>
+          <p:cNvPr id="199" name="standard form for quadratic equation"/>
           <p:cNvSpPr txBox="1"/>
           <p:nvPr>
             <p:ph type="title"/>
@@ -8772,17 +8600,22 @@
         </p:spPr>
         <p:txBody>
           <a:bodyPr/>
-          <a:lstStyle/>
-          <a:p>
-            <a:pPr defTabSz="886968">
-              <a:defRPr sz="2910"/>
-            </a:pPr>
-          </a:p>
-        </p:txBody>
-      </p:sp>
-      <p:sp>
-        <p:nvSpPr>
-          <p:cNvPr id="208" name="Double-tap to edit"/>
+          <a:lstStyle>
+            <a:lvl1pPr defTabSz="832104">
+              <a:defRPr sz="2730"/>
+            </a:lvl1pPr>
+          </a:lstStyle>
+          <a:p>
+            <a:pPr/>
+            <a:r>
+              <a:t>standard form for quadratic equation</a:t>
+            </a:r>
+          </a:p>
+        </p:txBody>
+      </p:sp>
+      <p:sp>
+        <p:nvSpPr>
+          <p:cNvPr id="200" name="Double-click to edit"/>
           <p:cNvSpPr txBox="1"/>
           <p:nvPr>
             <p:ph type="body" idx="1"/>
@@ -8795,41 +8628,160 @@
         </p:spPr>
         <p:txBody>
           <a:bodyPr/>
-          <a:lstStyle/>
-          <a:p>
-            <a:pPr/>
-          </a:p>
-        </p:txBody>
-      </p:sp>
-      <p:pic>
-        <p:nvPicPr>
-          <p:cNvPr id="209" name="Image" descr="Image"/>
-          <p:cNvPicPr>
-            <a:picLocks noChangeAspect="1"/>
-          </p:cNvPicPr>
-          <p:nvPr/>
-        </p:nvPicPr>
-        <p:blipFill>
-          <a:blip r:embed="rId2">
-            <a:extLst/>
-          </a:blip>
-          <a:stretch>
-            <a:fillRect/>
-          </a:stretch>
-        </p:blipFill>
-        <p:spPr>
-          <a:xfrm>
-            <a:off x="1074575" y="1197093"/>
-            <a:ext cx="7531101" cy="1270001"/>
-          </a:xfrm>
-          <a:prstGeom prst="rect">
-            <a:avLst/>
-          </a:prstGeom>
-          <a:ln w="12700">
-            <a:miter lim="400000"/>
-          </a:ln>
-        </p:spPr>
-      </p:pic>
+          <a:lstStyle>
+            <a:lvl1pPr marL="0" indent="0">
+              <a:buClrTx/>
+              <a:buSzTx/>
+              <a:buFontTx/>
+              <a:buNone/>
+            </a:lvl1pPr>
+          </a:lstStyle>
+          <a:p>
+            <a:pPr/>
+            <a14:m>
+              <m:oMathPara>
+                <m:oMathParaPr>
+                  <m:jc m:val="left"/>
+                </m:oMathParaPr>
+                <m:oMath>
+                  <m:r>
+                    <a:rPr xmlns:a="http://schemas.openxmlformats.org/drawingml/2006/main" sz="2100" i="1">
+                      <a:solidFill>
+                        <a:srgbClr val="000000"/>
+                      </a:solidFill>
+                      <a:latin typeface="Cambria Math" panose="02040503050406030204" pitchFamily="18" charset="0"/>
+                    </a:rPr>
+                    <m:t>f</m:t>
+                  </m:r>
+                  <m:r>
+                    <a:rPr xmlns:a="http://schemas.openxmlformats.org/drawingml/2006/main" sz="2100" i="1">
+                      <a:solidFill>
+                        <a:srgbClr val="000000"/>
+                      </a:solidFill>
+                      <a:latin typeface="Cambria Math" panose="02040503050406030204" pitchFamily="18" charset="0"/>
+                    </a:rPr>
+                    <m:t>(</m:t>
+                  </m:r>
+                  <m:r>
+                    <a:rPr xmlns:a="http://schemas.openxmlformats.org/drawingml/2006/main" sz="2100" i="1">
+                      <a:solidFill>
+                        <a:srgbClr val="000000"/>
+                      </a:solidFill>
+                      <a:latin typeface="Cambria Math" panose="02040503050406030204" pitchFamily="18" charset="0"/>
+                    </a:rPr>
+                    <m:t>x</m:t>
+                  </m:r>
+                  <m:r>
+                    <a:rPr xmlns:a="http://schemas.openxmlformats.org/drawingml/2006/main" sz="2100" i="1">
+                      <a:solidFill>
+                        <a:srgbClr val="000000"/>
+                      </a:solidFill>
+                      <a:latin typeface="Cambria Math" panose="02040503050406030204" pitchFamily="18" charset="0"/>
+                    </a:rPr>
+                    <m:t>)</m:t>
+                  </m:r>
+                  <m:r>
+                    <a:rPr xmlns:a="http://schemas.openxmlformats.org/drawingml/2006/main" sz="2100" i="1">
+                      <a:solidFill>
+                        <a:srgbClr val="000000"/>
+                      </a:solidFill>
+                      <a:latin typeface="Cambria Math" panose="02040503050406030204" pitchFamily="18" charset="0"/>
+                    </a:rPr>
+                    <m:t>=</m:t>
+                  </m:r>
+                  <m:r>
+                    <a:rPr xmlns:a="http://schemas.openxmlformats.org/drawingml/2006/main" sz="2100" i="1">
+                      <a:solidFill>
+                        <a:srgbClr val="000000"/>
+                      </a:solidFill>
+                      <a:latin typeface="Cambria Math" panose="02040503050406030204" pitchFamily="18" charset="0"/>
+                    </a:rPr>
+                    <m:t>a</m:t>
+                  </m:r>
+                  <m:r>
+                    <a:rPr xmlns:a="http://schemas.openxmlformats.org/drawingml/2006/main" sz="2100" i="1">
+                      <a:solidFill>
+                        <a:srgbClr val="000000"/>
+                      </a:solidFill>
+                      <a:latin typeface="Cambria Math" panose="02040503050406030204" pitchFamily="18" charset="0"/>
+                    </a:rPr>
+                    <m:t>(</m:t>
+                  </m:r>
+                  <m:r>
+                    <a:rPr xmlns:a="http://schemas.openxmlformats.org/drawingml/2006/main" sz="2100" i="1">
+                      <a:solidFill>
+                        <a:srgbClr val="000000"/>
+                      </a:solidFill>
+                      <a:latin typeface="Cambria Math" panose="02040503050406030204" pitchFamily="18" charset="0"/>
+                    </a:rPr>
+                    <m:t>x</m:t>
+                  </m:r>
+                  <m:r>
+                    <a:rPr xmlns:a="http://schemas.openxmlformats.org/drawingml/2006/main" sz="2100" i="1">
+                      <a:solidFill>
+                        <a:srgbClr val="000000"/>
+                      </a:solidFill>
+                      <a:latin typeface="Cambria Math" panose="02040503050406030204" pitchFamily="18" charset="0"/>
+                    </a:rPr>
+                    <m:t>-</m:t>
+                  </m:r>
+                  <m:r>
+                    <a:rPr xmlns:a="http://schemas.openxmlformats.org/drawingml/2006/main" sz="2100" i="1">
+                      <a:solidFill>
+                        <a:srgbClr val="000000"/>
+                      </a:solidFill>
+                      <a:latin typeface="Cambria Math" panose="02040503050406030204" pitchFamily="18" charset="0"/>
+                    </a:rPr>
+                    <m:t>h</m:t>
+                  </m:r>
+                  <m:sSup>
+                    <m:e>
+                      <m:r>
+                        <a:rPr xmlns:a="http://schemas.openxmlformats.org/drawingml/2006/main" sz="2100" i="1">
+                          <a:solidFill>
+                            <a:srgbClr val="000000"/>
+                          </a:solidFill>
+                          <a:latin typeface="Cambria Math" panose="02040503050406030204" pitchFamily="18" charset="0"/>
+                        </a:rPr>
+                        <m:t>)</m:t>
+                      </m:r>
+                    </m:e>
+                    <m:sup>
+                      <m:r>
+                        <a:rPr xmlns:a="http://schemas.openxmlformats.org/drawingml/2006/main" sz="2100" i="1">
+                          <a:solidFill>
+                            <a:srgbClr val="000000"/>
+                          </a:solidFill>
+                          <a:latin typeface="Cambria Math" panose="02040503050406030204" pitchFamily="18" charset="0"/>
+                        </a:rPr>
+                        <m:t>2</m:t>
+                      </m:r>
+                    </m:sup>
+                  </m:sSup>
+                  <m:r>
+                    <a:rPr xmlns:a="http://schemas.openxmlformats.org/drawingml/2006/main" sz="2100" i="1">
+                      <a:solidFill>
+                        <a:srgbClr val="000000"/>
+                      </a:solidFill>
+                      <a:latin typeface="Cambria Math" panose="02040503050406030204" pitchFamily="18" charset="0"/>
+                    </a:rPr>
+                    <m:t>+</m:t>
+                  </m:r>
+                  <m:r>
+                    <a:rPr xmlns:a="http://schemas.openxmlformats.org/drawingml/2006/main" sz="2100" i="1">
+                      <a:solidFill>
+                        <a:srgbClr val="000000"/>
+                      </a:solidFill>
+                      <a:latin typeface="Cambria Math" panose="02040503050406030204" pitchFamily="18" charset="0"/>
+                    </a:rPr>
+                    <m:t>k</m:t>
+                  </m:r>
+                </m:oMath>
+              </m:oMathPara>
+            </a14:m>
+          </a:p>
+        </p:txBody>
+      </p:sp>
     </p:spTree>
   </p:cSld>
   <p:clrMapOvr>
